--- a/quantlib/CAL-SWIG/Python/notebooks/TP/实时收益率曲线.pptx
+++ b/quantlib/CAL-SWIG/Python/notebooks/TP/实时收益率曲线.pptx
@@ -488,8 +488,8 @@
           <c:showBubbleSize val="0"/>
         </c:dLbls>
         <c:gapWidth val="150"/>
-        <c:axId val="179644688"/>
-        <c:axId val="179290328"/>
+        <c:axId val="204628712"/>
+        <c:axId val="204629096"/>
       </c:barChart>
       <c:lineChart>
         <c:grouping val="standard"/>
@@ -776,11 +776,11 @@
         </c:dLbls>
         <c:marker val="1"/>
         <c:smooth val="0"/>
-        <c:axId val="180419760"/>
-        <c:axId val="180419376"/>
+        <c:axId val="204631912"/>
+        <c:axId val="204631528"/>
       </c:lineChart>
       <c:catAx>
-        <c:axId val="179644688"/>
+        <c:axId val="204628712"/>
         <c:scaling>
           <c:orientation val="minMax"/>
         </c:scaling>
@@ -820,7 +820,7 @@
             <a:endParaRPr lang="zh-CN"/>
           </a:p>
         </c:txPr>
-        <c:crossAx val="179290328"/>
+        <c:crossAx val="204629096"/>
         <c:crosses val="autoZero"/>
         <c:auto val="1"/>
         <c:lblAlgn val="ctr"/>
@@ -828,7 +828,7 @@
         <c:noMultiLvlLbl val="0"/>
       </c:catAx>
       <c:valAx>
-        <c:axId val="179290328"/>
+        <c:axId val="204629096"/>
         <c:scaling>
           <c:orientation val="minMax"/>
         </c:scaling>
@@ -877,12 +877,12 @@
             <a:endParaRPr lang="zh-CN"/>
           </a:p>
         </c:txPr>
-        <c:crossAx val="179644688"/>
+        <c:crossAx val="204628712"/>
         <c:crosses val="autoZero"/>
         <c:crossBetween val="between"/>
       </c:valAx>
       <c:valAx>
-        <c:axId val="180419376"/>
+        <c:axId val="204631528"/>
         <c:scaling>
           <c:orientation val="minMax"/>
           <c:min val="3.5000000000000003E-2"/>
@@ -917,12 +917,12 @@
             <a:endParaRPr lang="zh-CN"/>
           </a:p>
         </c:txPr>
-        <c:crossAx val="180419760"/>
+        <c:crossAx val="204631912"/>
         <c:crosses val="max"/>
         <c:crossBetween val="between"/>
       </c:valAx>
       <c:catAx>
-        <c:axId val="180419760"/>
+        <c:axId val="204631912"/>
         <c:scaling>
           <c:orientation val="minMax"/>
         </c:scaling>
@@ -932,7 +932,7 @@
         <c:majorTickMark val="none"/>
         <c:minorTickMark val="none"/>
         <c:tickLblPos val="nextTo"/>
-        <c:crossAx val="180419376"/>
+        <c:crossAx val="204631528"/>
         <c:crosses val="autoZero"/>
         <c:auto val="1"/>
         <c:lblAlgn val="ctr"/>
@@ -3000,11 +3000,11 @@
           <c:showBubbleSize val="0"/>
         </c:dLbls>
         <c:smooth val="0"/>
-        <c:axId val="179386912"/>
-        <c:axId val="180536688"/>
+        <c:axId val="204804760"/>
+        <c:axId val="204813848"/>
       </c:lineChart>
       <c:dateAx>
-        <c:axId val="179386912"/>
+        <c:axId val="204804760"/>
         <c:scaling>
           <c:orientation val="minMax"/>
         </c:scaling>
@@ -3059,14 +3059,14 @@
             <a:endParaRPr lang="zh-CN"/>
           </a:p>
         </c:txPr>
-        <c:crossAx val="180536688"/>
+        <c:crossAx val="204813848"/>
         <c:crosses val="autoZero"/>
         <c:auto val="1"/>
         <c:lblOffset val="100"/>
         <c:baseTimeUnit val="days"/>
       </c:dateAx>
       <c:valAx>
-        <c:axId val="180536688"/>
+        <c:axId val="204813848"/>
         <c:scaling>
           <c:orientation val="minMax"/>
           <c:min val="4.0000000000000008E-2"/>
@@ -3116,7 +3116,7 @@
             <a:endParaRPr lang="zh-CN"/>
           </a:p>
         </c:txPr>
-        <c:crossAx val="179386912"/>
+        <c:crossAx val="204804760"/>
         <c:crosses val="autoZero"/>
         <c:crossBetween val="between"/>
         <c:majorUnit val="2.0000000000000005E-3"/>
@@ -3496,8 +3496,8 @@
           <c:showBubbleSize val="0"/>
         </c:dLbls>
         <c:gapWidth val="247"/>
-        <c:axId val="181288368"/>
-        <c:axId val="180621952"/>
+        <c:axId val="204585880"/>
+        <c:axId val="148614832"/>
       </c:barChart>
       <c:lineChart>
         <c:grouping val="standard"/>
@@ -3784,11 +3784,11 @@
         </c:dLbls>
         <c:marker val="1"/>
         <c:smooth val="0"/>
-        <c:axId val="180622736"/>
-        <c:axId val="180622344"/>
+        <c:axId val="148615616"/>
+        <c:axId val="148615224"/>
       </c:lineChart>
       <c:catAx>
-        <c:axId val="181288368"/>
+        <c:axId val="204585880"/>
         <c:scaling>
           <c:orientation val="minMax"/>
         </c:scaling>
@@ -3828,7 +3828,7 @@
             <a:endParaRPr lang="zh-CN"/>
           </a:p>
         </c:txPr>
-        <c:crossAx val="180621952"/>
+        <c:crossAx val="148614832"/>
         <c:crosses val="autoZero"/>
         <c:auto val="1"/>
         <c:lblAlgn val="ctr"/>
@@ -3836,7 +3836,7 @@
         <c:noMultiLvlLbl val="0"/>
       </c:catAx>
       <c:valAx>
-        <c:axId val="180621952"/>
+        <c:axId val="148614832"/>
         <c:scaling>
           <c:orientation val="minMax"/>
         </c:scaling>
@@ -3885,12 +3885,12 @@
             <a:endParaRPr lang="zh-CN"/>
           </a:p>
         </c:txPr>
-        <c:crossAx val="181288368"/>
+        <c:crossAx val="204585880"/>
         <c:crosses val="autoZero"/>
         <c:crossBetween val="between"/>
       </c:valAx>
       <c:valAx>
-        <c:axId val="180622344"/>
+        <c:axId val="148615224"/>
         <c:scaling>
           <c:orientation val="minMax"/>
           <c:min val="3.5000000000000003E-2"/>
@@ -3925,12 +3925,12 @@
             <a:endParaRPr lang="zh-CN"/>
           </a:p>
         </c:txPr>
-        <c:crossAx val="180622736"/>
+        <c:crossAx val="148615616"/>
         <c:crosses val="max"/>
         <c:crossBetween val="between"/>
       </c:valAx>
       <c:catAx>
-        <c:axId val="180622736"/>
+        <c:axId val="148615616"/>
         <c:scaling>
           <c:orientation val="minMax"/>
         </c:scaling>
@@ -3940,7 +3940,7 @@
         <c:majorTickMark val="none"/>
         <c:minorTickMark val="none"/>
         <c:tickLblPos val="nextTo"/>
-        <c:crossAx val="180622344"/>
+        <c:crossAx val="148615224"/>
         <c:crosses val="autoZero"/>
         <c:auto val="1"/>
         <c:lblAlgn val="ctr"/>
@@ -6011,11 +6011,11 @@
           <c:showBubbleSize val="0"/>
         </c:dLbls>
         <c:smooth val="0"/>
-        <c:axId val="180623520"/>
-        <c:axId val="180623912"/>
+        <c:axId val="148616400"/>
+        <c:axId val="148616792"/>
       </c:lineChart>
       <c:dateAx>
-        <c:axId val="180623520"/>
+        <c:axId val="148616400"/>
         <c:scaling>
           <c:orientation val="minMax"/>
         </c:scaling>
@@ -6070,14 +6070,14 @@
             <a:endParaRPr lang="zh-CN"/>
           </a:p>
         </c:txPr>
-        <c:crossAx val="180623912"/>
+        <c:crossAx val="148616792"/>
         <c:crosses val="autoZero"/>
         <c:auto val="1"/>
         <c:lblOffset val="100"/>
         <c:baseTimeUnit val="days"/>
       </c:dateAx>
       <c:valAx>
-        <c:axId val="180623912"/>
+        <c:axId val="148616792"/>
         <c:scaling>
           <c:orientation val="minMax"/>
           <c:min val="4.0000000000000008E-2"/>
@@ -6127,7 +6127,7 @@
             <a:endParaRPr lang="zh-CN"/>
           </a:p>
         </c:txPr>
-        <c:crossAx val="180623520"/>
+        <c:crossAx val="148616400"/>
         <c:crosses val="autoZero"/>
         <c:crossBetween val="between"/>
         <c:majorUnit val="2.0000000000000005E-3"/>
@@ -6551,11 +6551,11 @@
         </c:dLbls>
         <c:marker val="1"/>
         <c:smooth val="0"/>
-        <c:axId val="180624696"/>
-        <c:axId val="180625088"/>
+        <c:axId val="148617576"/>
+        <c:axId val="205598424"/>
       </c:lineChart>
       <c:catAx>
-        <c:axId val="180624696"/>
+        <c:axId val="148617576"/>
         <c:scaling>
           <c:orientation val="minMax"/>
         </c:scaling>
@@ -6595,7 +6595,7 @@
             <a:endParaRPr lang="zh-CN"/>
           </a:p>
         </c:txPr>
-        <c:crossAx val="180625088"/>
+        <c:crossAx val="205598424"/>
         <c:crosses val="autoZero"/>
         <c:auto val="1"/>
         <c:lblAlgn val="ctr"/>
@@ -6603,7 +6603,7 @@
         <c:noMultiLvlLbl val="0"/>
       </c:catAx>
       <c:valAx>
-        <c:axId val="180625088"/>
+        <c:axId val="205598424"/>
         <c:scaling>
           <c:orientation val="minMax"/>
           <c:max val="4.8000000000000008E-2"/>
@@ -6654,7 +6654,7 @@
             <a:endParaRPr lang="zh-CN"/>
           </a:p>
         </c:txPr>
-        <c:crossAx val="180624696"/>
+        <c:crossAx val="148617576"/>
         <c:crosses val="autoZero"/>
         <c:crossBetween val="between"/>
       </c:valAx>
@@ -7792,11 +7792,11 @@
           <c:showBubbleSize val="0"/>
         </c:dLbls>
         <c:smooth val="0"/>
-        <c:axId val="180625872"/>
-        <c:axId val="180626264"/>
+        <c:axId val="205599208"/>
+        <c:axId val="205599600"/>
       </c:lineChart>
       <c:dateAx>
-        <c:axId val="180625872"/>
+        <c:axId val="205599208"/>
         <c:scaling>
           <c:orientation val="minMax"/>
         </c:scaling>
@@ -7851,7 +7851,7 @@
             <a:endParaRPr lang="zh-CN"/>
           </a:p>
         </c:txPr>
-        <c:crossAx val="180626264"/>
+        <c:crossAx val="205599600"/>
         <c:crosses val="autoZero"/>
         <c:auto val="1"/>
         <c:lblOffset val="100"/>
@@ -7860,7 +7860,7 @@
         <c:majorTimeUnit val="days"/>
       </c:dateAx>
       <c:valAx>
-        <c:axId val="180626264"/>
+        <c:axId val="205599600"/>
         <c:scaling>
           <c:orientation val="minMax"/>
         </c:scaling>
@@ -7909,7 +7909,7 @@
             <a:endParaRPr lang="zh-CN"/>
           </a:p>
         </c:txPr>
-        <c:crossAx val="180625872"/>
+        <c:crossAx val="205599208"/>
         <c:crosses val="autoZero"/>
         <c:crossBetween val="between"/>
       </c:valAx>
@@ -8332,11 +8332,11 @@
         </c:dLbls>
         <c:marker val="1"/>
         <c:smooth val="0"/>
-        <c:axId val="180627048"/>
-        <c:axId val="180627440"/>
+        <c:axId val="205600384"/>
+        <c:axId val="205600776"/>
       </c:lineChart>
       <c:catAx>
-        <c:axId val="180627048"/>
+        <c:axId val="205600384"/>
         <c:scaling>
           <c:orientation val="minMax"/>
         </c:scaling>
@@ -8376,7 +8376,7 @@
             <a:endParaRPr lang="zh-CN"/>
           </a:p>
         </c:txPr>
-        <c:crossAx val="180627440"/>
+        <c:crossAx val="205600776"/>
         <c:crosses val="autoZero"/>
         <c:auto val="1"/>
         <c:lblAlgn val="ctr"/>
@@ -8384,7 +8384,7 @@
         <c:noMultiLvlLbl val="0"/>
       </c:catAx>
       <c:valAx>
-        <c:axId val="180627440"/>
+        <c:axId val="205600776"/>
         <c:scaling>
           <c:orientation val="minMax"/>
           <c:max val="4.7000000000000007E-2"/>
@@ -8435,7 +8435,7 @@
             <a:endParaRPr lang="zh-CN"/>
           </a:p>
         </c:txPr>
-        <c:crossAx val="180627048"/>
+        <c:crossAx val="205600384"/>
         <c:crosses val="autoZero"/>
         <c:crossBetween val="between"/>
       </c:valAx>
@@ -9577,11 +9577,11 @@
           <c:showBubbleSize val="0"/>
         </c:dLbls>
         <c:smooth val="0"/>
-        <c:axId val="180628224"/>
-        <c:axId val="180628616"/>
+        <c:axId val="205601560"/>
+        <c:axId val="205601952"/>
       </c:lineChart>
       <c:dateAx>
-        <c:axId val="180628224"/>
+        <c:axId val="205601560"/>
         <c:scaling>
           <c:orientation val="minMax"/>
         </c:scaling>
@@ -9636,7 +9636,7 @@
             <a:endParaRPr lang="zh-CN"/>
           </a:p>
         </c:txPr>
-        <c:crossAx val="180628616"/>
+        <c:crossAx val="205601952"/>
         <c:crosses val="autoZero"/>
         <c:auto val="1"/>
         <c:lblOffset val="100"/>
@@ -9645,7 +9645,7 @@
         <c:majorTimeUnit val="days"/>
       </c:dateAx>
       <c:valAx>
-        <c:axId val="180628616"/>
+        <c:axId val="205601952"/>
         <c:scaling>
           <c:orientation val="minMax"/>
           <c:min val="-1.0000000000000002E-3"/>
@@ -9695,7 +9695,7 @@
             <a:endParaRPr lang="zh-CN"/>
           </a:p>
         </c:txPr>
-        <c:crossAx val="180628224"/>
+        <c:crossAx val="205601560"/>
         <c:crosses val="autoZero"/>
         <c:crossBetween val="between"/>
       </c:valAx>
@@ -13910,7 +13910,7 @@
           <a:p>
             <a:fld id="{AA678B55-319B-2D4F-AE49-6C1B6E1A4DDA}" type="datetimeFigureOut">
               <a:rPr lang="en-US" smtClean="0"/>
-              <a:t>5/9/2014</a:t>
+              <a:t>6/20/2014</a:t>
             </a:fld>
             <a:endParaRPr lang="en-GB"/>
           </a:p>
@@ -14076,7 +14076,7 @@
           <a:p>
             <a:fld id="{2D9CAF8C-0805-8440-B43D-DCCAAA4D80CE}" type="datetimeFigureOut">
               <a:rPr lang="en-US" smtClean="0"/>
-              <a:t>5/9/2014</a:t>
+              <a:t>6/20/2014</a:t>
             </a:fld>
             <a:endParaRPr lang="en-GB"/>
           </a:p>
@@ -23328,7 +23328,35 @@
                 <a:latin typeface="微软雅黑" panose="020B0503020204020204" pitchFamily="34" charset="-122"/>
                 <a:ea typeface="微软雅黑" panose="020B0503020204020204" pitchFamily="34" charset="-122"/>
               </a:rPr>
-              <a:t>曲线在中登期限由比较明显的流动性溢价，在短端的形状不甚领人满意。</a:t>
+              <a:t>曲线在</a:t>
+            </a:r>
+            <a:r>
+              <a:rPr lang="zh-CN" altLang="en-US" dirty="0" smtClean="0">
+                <a:latin typeface="微软雅黑" panose="020B0503020204020204" pitchFamily="34" charset="-122"/>
+                <a:ea typeface="微软雅黑" panose="020B0503020204020204" pitchFamily="34" charset="-122"/>
+              </a:rPr>
+              <a:t>中等期限</a:t>
+            </a:r>
+            <a:r>
+              <a:rPr lang="zh-CN" altLang="en-US" dirty="0">
+                <a:latin typeface="微软雅黑" panose="020B0503020204020204" pitchFamily="34" charset="-122"/>
+                <a:ea typeface="微软雅黑" panose="020B0503020204020204" pitchFamily="34" charset="-122"/>
+              </a:rPr>
+              <a:t>有</a:t>
+            </a:r>
+            <a:r>
+              <a:rPr lang="zh-CN" altLang="en-US" dirty="0" smtClean="0">
+                <a:latin typeface="微软雅黑" panose="020B0503020204020204" pitchFamily="34" charset="-122"/>
+                <a:ea typeface="微软雅黑" panose="020B0503020204020204" pitchFamily="34" charset="-122"/>
+              </a:rPr>
+              <a:t>比较</a:t>
+            </a:r>
+            <a:r>
+              <a:rPr lang="zh-CN" altLang="en-US" dirty="0" smtClean="0">
+                <a:latin typeface="微软雅黑" panose="020B0503020204020204" pitchFamily="34" charset="-122"/>
+                <a:ea typeface="微软雅黑" panose="020B0503020204020204" pitchFamily="34" charset="-122"/>
+              </a:rPr>
+              <a:t>明显的流动性溢价，在短端的形状不甚领人满意。</a:t>
             </a:r>
             <a:endParaRPr lang="zh-CN" altLang="en-US" dirty="0">
               <a:latin typeface="微软雅黑" panose="020B0503020204020204" pitchFamily="34" charset="-122"/>

--- a/quantlib/CAL-SWIG/Python/notebooks/TP/实时收益率曲线.pptx
+++ b/quantlib/CAL-SWIG/Python/notebooks/TP/实时收益率曲线.pptx
@@ -7,34 +7,36 @@
     <p:sldMasterId id="2147483754" r:id="rId3"/>
   </p:sldMasterIdLst>
   <p:notesMasterIdLst>
-    <p:notesMasterId r:id="rId26"/>
+    <p:notesMasterId r:id="rId28"/>
   </p:notesMasterIdLst>
   <p:handoutMasterIdLst>
-    <p:handoutMasterId r:id="rId27"/>
+    <p:handoutMasterId r:id="rId29"/>
   </p:handoutMasterIdLst>
   <p:sldIdLst>
     <p:sldId id="260" r:id="rId4"/>
-    <p:sldId id="362" r:id="rId5"/>
-    <p:sldId id="363" r:id="rId6"/>
-    <p:sldId id="364" r:id="rId7"/>
-    <p:sldId id="365" r:id="rId8"/>
-    <p:sldId id="378" r:id="rId9"/>
-    <p:sldId id="371" r:id="rId10"/>
-    <p:sldId id="366" r:id="rId11"/>
-    <p:sldId id="367" r:id="rId12"/>
-    <p:sldId id="368" r:id="rId13"/>
-    <p:sldId id="369" r:id="rId14"/>
-    <p:sldId id="370" r:id="rId15"/>
-    <p:sldId id="372" r:id="rId16"/>
-    <p:sldId id="373" r:id="rId17"/>
-    <p:sldId id="374" r:id="rId18"/>
-    <p:sldId id="376" r:id="rId19"/>
-    <p:sldId id="377" r:id="rId20"/>
-    <p:sldId id="379" r:id="rId21"/>
-    <p:sldId id="380" r:id="rId22"/>
-    <p:sldId id="382" r:id="rId23"/>
-    <p:sldId id="381" r:id="rId24"/>
-    <p:sldId id="383" r:id="rId25"/>
+    <p:sldId id="384" r:id="rId5"/>
+    <p:sldId id="385" r:id="rId6"/>
+    <p:sldId id="362" r:id="rId7"/>
+    <p:sldId id="363" r:id="rId8"/>
+    <p:sldId id="364" r:id="rId9"/>
+    <p:sldId id="365" r:id="rId10"/>
+    <p:sldId id="378" r:id="rId11"/>
+    <p:sldId id="371" r:id="rId12"/>
+    <p:sldId id="366" r:id="rId13"/>
+    <p:sldId id="367" r:id="rId14"/>
+    <p:sldId id="368" r:id="rId15"/>
+    <p:sldId id="369" r:id="rId16"/>
+    <p:sldId id="370" r:id="rId17"/>
+    <p:sldId id="372" r:id="rId18"/>
+    <p:sldId id="373" r:id="rId19"/>
+    <p:sldId id="374" r:id="rId20"/>
+    <p:sldId id="376" r:id="rId21"/>
+    <p:sldId id="377" r:id="rId22"/>
+    <p:sldId id="379" r:id="rId23"/>
+    <p:sldId id="380" r:id="rId24"/>
+    <p:sldId id="382" r:id="rId25"/>
+    <p:sldId id="381" r:id="rId26"/>
+    <p:sldId id="383" r:id="rId27"/>
   </p:sldIdLst>
   <p:sldSz cx="9144000" cy="5143500" type="screen16x9"/>
   <p:notesSz cx="7099300" cy="10234613"/>
@@ -488,8 +490,8 @@
           <c:showBubbleSize val="0"/>
         </c:dLbls>
         <c:gapWidth val="150"/>
-        <c:axId val="204628712"/>
-        <c:axId val="204629096"/>
+        <c:axId val="198852184"/>
+        <c:axId val="198581040"/>
       </c:barChart>
       <c:lineChart>
         <c:grouping val="standard"/>
@@ -776,11 +778,11 @@
         </c:dLbls>
         <c:marker val="1"/>
         <c:smooth val="0"/>
-        <c:axId val="204631912"/>
-        <c:axId val="204631528"/>
+        <c:axId val="198561336"/>
+        <c:axId val="198560952"/>
       </c:lineChart>
       <c:catAx>
-        <c:axId val="204628712"/>
+        <c:axId val="198852184"/>
         <c:scaling>
           <c:orientation val="minMax"/>
         </c:scaling>
@@ -820,7 +822,7 @@
             <a:endParaRPr lang="zh-CN"/>
           </a:p>
         </c:txPr>
-        <c:crossAx val="204629096"/>
+        <c:crossAx val="198581040"/>
         <c:crosses val="autoZero"/>
         <c:auto val="1"/>
         <c:lblAlgn val="ctr"/>
@@ -828,7 +830,7 @@
         <c:noMultiLvlLbl val="0"/>
       </c:catAx>
       <c:valAx>
-        <c:axId val="204629096"/>
+        <c:axId val="198581040"/>
         <c:scaling>
           <c:orientation val="minMax"/>
         </c:scaling>
@@ -877,12 +879,12 @@
             <a:endParaRPr lang="zh-CN"/>
           </a:p>
         </c:txPr>
-        <c:crossAx val="204628712"/>
+        <c:crossAx val="198852184"/>
         <c:crosses val="autoZero"/>
         <c:crossBetween val="between"/>
       </c:valAx>
       <c:valAx>
-        <c:axId val="204631528"/>
+        <c:axId val="198560952"/>
         <c:scaling>
           <c:orientation val="minMax"/>
           <c:min val="3.5000000000000003E-2"/>
@@ -917,12 +919,12 @@
             <a:endParaRPr lang="zh-CN"/>
           </a:p>
         </c:txPr>
-        <c:crossAx val="204631912"/>
+        <c:crossAx val="198561336"/>
         <c:crosses val="max"/>
         <c:crossBetween val="between"/>
       </c:valAx>
       <c:catAx>
-        <c:axId val="204631912"/>
+        <c:axId val="198561336"/>
         <c:scaling>
           <c:orientation val="minMax"/>
         </c:scaling>
@@ -932,7 +934,7 @@
         <c:majorTickMark val="none"/>
         <c:minorTickMark val="none"/>
         <c:tickLblPos val="nextTo"/>
-        <c:crossAx val="204631528"/>
+        <c:crossAx val="198560952"/>
         <c:crosses val="autoZero"/>
         <c:auto val="1"/>
         <c:lblAlgn val="ctr"/>
@@ -3000,11 +3002,11 @@
           <c:showBubbleSize val="0"/>
         </c:dLbls>
         <c:smooth val="0"/>
-        <c:axId val="204804760"/>
-        <c:axId val="204813848"/>
+        <c:axId val="198345664"/>
+        <c:axId val="198346048"/>
       </c:lineChart>
       <c:dateAx>
-        <c:axId val="204804760"/>
+        <c:axId val="198345664"/>
         <c:scaling>
           <c:orientation val="minMax"/>
         </c:scaling>
@@ -3059,14 +3061,14 @@
             <a:endParaRPr lang="zh-CN"/>
           </a:p>
         </c:txPr>
-        <c:crossAx val="204813848"/>
+        <c:crossAx val="198346048"/>
         <c:crosses val="autoZero"/>
         <c:auto val="1"/>
         <c:lblOffset val="100"/>
         <c:baseTimeUnit val="days"/>
       </c:dateAx>
       <c:valAx>
-        <c:axId val="204813848"/>
+        <c:axId val="198346048"/>
         <c:scaling>
           <c:orientation val="minMax"/>
           <c:min val="4.0000000000000008E-2"/>
@@ -3116,7 +3118,7 @@
             <a:endParaRPr lang="zh-CN"/>
           </a:p>
         </c:txPr>
-        <c:crossAx val="204804760"/>
+        <c:crossAx val="198345664"/>
         <c:crosses val="autoZero"/>
         <c:crossBetween val="between"/>
         <c:majorUnit val="2.0000000000000005E-3"/>
@@ -3496,8 +3498,8 @@
           <c:showBubbleSize val="0"/>
         </c:dLbls>
         <c:gapWidth val="247"/>
-        <c:axId val="204585880"/>
-        <c:axId val="148614832"/>
+        <c:axId val="199115392"/>
+        <c:axId val="198481768"/>
       </c:barChart>
       <c:lineChart>
         <c:grouping val="standard"/>
@@ -3784,11 +3786,11 @@
         </c:dLbls>
         <c:marker val="1"/>
         <c:smooth val="0"/>
-        <c:axId val="148615616"/>
-        <c:axId val="148615224"/>
+        <c:axId val="198482552"/>
+        <c:axId val="198482160"/>
       </c:lineChart>
       <c:catAx>
-        <c:axId val="204585880"/>
+        <c:axId val="199115392"/>
         <c:scaling>
           <c:orientation val="minMax"/>
         </c:scaling>
@@ -3828,7 +3830,7 @@
             <a:endParaRPr lang="zh-CN"/>
           </a:p>
         </c:txPr>
-        <c:crossAx val="148614832"/>
+        <c:crossAx val="198481768"/>
         <c:crosses val="autoZero"/>
         <c:auto val="1"/>
         <c:lblAlgn val="ctr"/>
@@ -3836,7 +3838,7 @@
         <c:noMultiLvlLbl val="0"/>
       </c:catAx>
       <c:valAx>
-        <c:axId val="148614832"/>
+        <c:axId val="198481768"/>
         <c:scaling>
           <c:orientation val="minMax"/>
         </c:scaling>
@@ -3885,12 +3887,12 @@
             <a:endParaRPr lang="zh-CN"/>
           </a:p>
         </c:txPr>
-        <c:crossAx val="204585880"/>
+        <c:crossAx val="199115392"/>
         <c:crosses val="autoZero"/>
         <c:crossBetween val="between"/>
       </c:valAx>
       <c:valAx>
-        <c:axId val="148615224"/>
+        <c:axId val="198482160"/>
         <c:scaling>
           <c:orientation val="minMax"/>
           <c:min val="3.5000000000000003E-2"/>
@@ -3925,12 +3927,12 @@
             <a:endParaRPr lang="zh-CN"/>
           </a:p>
         </c:txPr>
-        <c:crossAx val="148615616"/>
+        <c:crossAx val="198482552"/>
         <c:crosses val="max"/>
         <c:crossBetween val="between"/>
       </c:valAx>
       <c:catAx>
-        <c:axId val="148615616"/>
+        <c:axId val="198482552"/>
         <c:scaling>
           <c:orientation val="minMax"/>
         </c:scaling>
@@ -3940,7 +3942,7 @@
         <c:majorTickMark val="none"/>
         <c:minorTickMark val="none"/>
         <c:tickLblPos val="nextTo"/>
-        <c:crossAx val="148615224"/>
+        <c:crossAx val="198482160"/>
         <c:crosses val="autoZero"/>
         <c:auto val="1"/>
         <c:lblAlgn val="ctr"/>
@@ -6011,11 +6013,11 @@
           <c:showBubbleSize val="0"/>
         </c:dLbls>
         <c:smooth val="0"/>
-        <c:axId val="148616400"/>
-        <c:axId val="148616792"/>
+        <c:axId val="198483336"/>
+        <c:axId val="198483728"/>
       </c:lineChart>
       <c:dateAx>
-        <c:axId val="148616400"/>
+        <c:axId val="198483336"/>
         <c:scaling>
           <c:orientation val="minMax"/>
         </c:scaling>
@@ -6070,14 +6072,14 @@
             <a:endParaRPr lang="zh-CN"/>
           </a:p>
         </c:txPr>
-        <c:crossAx val="148616792"/>
+        <c:crossAx val="198483728"/>
         <c:crosses val="autoZero"/>
         <c:auto val="1"/>
         <c:lblOffset val="100"/>
         <c:baseTimeUnit val="days"/>
       </c:dateAx>
       <c:valAx>
-        <c:axId val="148616792"/>
+        <c:axId val="198483728"/>
         <c:scaling>
           <c:orientation val="minMax"/>
           <c:min val="4.0000000000000008E-2"/>
@@ -6127,7 +6129,7 @@
             <a:endParaRPr lang="zh-CN"/>
           </a:p>
         </c:txPr>
-        <c:crossAx val="148616400"/>
+        <c:crossAx val="198483336"/>
         <c:crosses val="autoZero"/>
         <c:crossBetween val="between"/>
         <c:majorUnit val="2.0000000000000005E-3"/>
@@ -6551,11 +6553,11 @@
         </c:dLbls>
         <c:marker val="1"/>
         <c:smooth val="0"/>
-        <c:axId val="148617576"/>
-        <c:axId val="205598424"/>
+        <c:axId val="198484512"/>
+        <c:axId val="198484904"/>
       </c:lineChart>
       <c:catAx>
-        <c:axId val="148617576"/>
+        <c:axId val="198484512"/>
         <c:scaling>
           <c:orientation val="minMax"/>
         </c:scaling>
@@ -6595,7 +6597,7 @@
             <a:endParaRPr lang="zh-CN"/>
           </a:p>
         </c:txPr>
-        <c:crossAx val="205598424"/>
+        <c:crossAx val="198484904"/>
         <c:crosses val="autoZero"/>
         <c:auto val="1"/>
         <c:lblAlgn val="ctr"/>
@@ -6603,7 +6605,7 @@
         <c:noMultiLvlLbl val="0"/>
       </c:catAx>
       <c:valAx>
-        <c:axId val="205598424"/>
+        <c:axId val="198484904"/>
         <c:scaling>
           <c:orientation val="minMax"/>
           <c:max val="4.8000000000000008E-2"/>
@@ -6654,7 +6656,7 @@
             <a:endParaRPr lang="zh-CN"/>
           </a:p>
         </c:txPr>
-        <c:crossAx val="148617576"/>
+        <c:crossAx val="198484512"/>
         <c:crosses val="autoZero"/>
         <c:crossBetween val="between"/>
       </c:valAx>
@@ -7792,11 +7794,11 @@
           <c:showBubbleSize val="0"/>
         </c:dLbls>
         <c:smooth val="0"/>
-        <c:axId val="205599208"/>
-        <c:axId val="205599600"/>
+        <c:axId val="198485688"/>
+        <c:axId val="198486080"/>
       </c:lineChart>
       <c:dateAx>
-        <c:axId val="205599208"/>
+        <c:axId val="198485688"/>
         <c:scaling>
           <c:orientation val="minMax"/>
         </c:scaling>
@@ -7851,7 +7853,7 @@
             <a:endParaRPr lang="zh-CN"/>
           </a:p>
         </c:txPr>
-        <c:crossAx val="205599600"/>
+        <c:crossAx val="198486080"/>
         <c:crosses val="autoZero"/>
         <c:auto val="1"/>
         <c:lblOffset val="100"/>
@@ -7860,7 +7862,7 @@
         <c:majorTimeUnit val="days"/>
       </c:dateAx>
       <c:valAx>
-        <c:axId val="205599600"/>
+        <c:axId val="198486080"/>
         <c:scaling>
           <c:orientation val="minMax"/>
         </c:scaling>
@@ -7909,7 +7911,7 @@
             <a:endParaRPr lang="zh-CN"/>
           </a:p>
         </c:txPr>
-        <c:crossAx val="205599208"/>
+        <c:crossAx val="198485688"/>
         <c:crosses val="autoZero"/>
         <c:crossBetween val="between"/>
       </c:valAx>
@@ -8332,11 +8334,11 @@
         </c:dLbls>
         <c:marker val="1"/>
         <c:smooth val="0"/>
-        <c:axId val="205600384"/>
-        <c:axId val="205600776"/>
+        <c:axId val="198486864"/>
+        <c:axId val="198487256"/>
       </c:lineChart>
       <c:catAx>
-        <c:axId val="205600384"/>
+        <c:axId val="198486864"/>
         <c:scaling>
           <c:orientation val="minMax"/>
         </c:scaling>
@@ -8376,7 +8378,7 @@
             <a:endParaRPr lang="zh-CN"/>
           </a:p>
         </c:txPr>
-        <c:crossAx val="205600776"/>
+        <c:crossAx val="198487256"/>
         <c:crosses val="autoZero"/>
         <c:auto val="1"/>
         <c:lblAlgn val="ctr"/>
@@ -8384,7 +8386,7 @@
         <c:noMultiLvlLbl val="0"/>
       </c:catAx>
       <c:valAx>
-        <c:axId val="205600776"/>
+        <c:axId val="198487256"/>
         <c:scaling>
           <c:orientation val="minMax"/>
           <c:max val="4.7000000000000007E-2"/>
@@ -8435,7 +8437,7 @@
             <a:endParaRPr lang="zh-CN"/>
           </a:p>
         </c:txPr>
-        <c:crossAx val="205600384"/>
+        <c:crossAx val="198486864"/>
         <c:crosses val="autoZero"/>
         <c:crossBetween val="between"/>
       </c:valAx>
@@ -9577,11 +9579,11 @@
           <c:showBubbleSize val="0"/>
         </c:dLbls>
         <c:smooth val="0"/>
-        <c:axId val="205601560"/>
-        <c:axId val="205601952"/>
+        <c:axId val="198488040"/>
+        <c:axId val="198488432"/>
       </c:lineChart>
       <c:dateAx>
-        <c:axId val="205601560"/>
+        <c:axId val="198488040"/>
         <c:scaling>
           <c:orientation val="minMax"/>
         </c:scaling>
@@ -9636,7 +9638,7 @@
             <a:endParaRPr lang="zh-CN"/>
           </a:p>
         </c:txPr>
-        <c:crossAx val="205601952"/>
+        <c:crossAx val="198488432"/>
         <c:crosses val="autoZero"/>
         <c:auto val="1"/>
         <c:lblOffset val="100"/>
@@ -9645,7 +9647,7 @@
         <c:majorTimeUnit val="days"/>
       </c:dateAx>
       <c:valAx>
-        <c:axId val="205601952"/>
+        <c:axId val="198488432"/>
         <c:scaling>
           <c:orientation val="minMax"/>
           <c:min val="-1.0000000000000002E-3"/>
@@ -9695,7 +9697,7 @@
             <a:endParaRPr lang="zh-CN"/>
           </a:p>
         </c:txPr>
-        <c:crossAx val="205601560"/>
+        <c:crossAx val="198488040"/>
         <c:crosses val="autoZero"/>
         <c:crossBetween val="between"/>
       </c:valAx>
@@ -13910,7 +13912,7 @@
           <a:p>
             <a:fld id="{AA678B55-319B-2D4F-AE49-6C1B6E1A4DDA}" type="datetimeFigureOut">
               <a:rPr lang="en-US" smtClean="0"/>
-              <a:t>6/20/2014</a:t>
+              <a:t>6/26/2014</a:t>
             </a:fld>
             <a:endParaRPr lang="en-GB"/>
           </a:p>
@@ -14076,7 +14078,7 @@
           <a:p>
             <a:fld id="{2D9CAF8C-0805-8440-B43D-DCCAAA4D80CE}" type="datetimeFigureOut">
               <a:rPr lang="en-US" smtClean="0"/>
-              <a:t>6/20/2014</a:t>
+              <a:t>6/26/2014</a:t>
             </a:fld>
             <a:endParaRPr lang="en-GB"/>
           </a:p>
@@ -14410,7 +14412,7 @@
           <a:p>
             <a:fld id="{22A853E8-D85F-5D49-95D2-E1D96ABFE2B9}" type="slidenum">
               <a:rPr lang="en-GB" smtClean="0"/>
-              <a:t>10</a:t>
+              <a:t>12</a:t>
             </a:fld>
             <a:endParaRPr lang="en-GB"/>
           </a:p>
@@ -14494,7 +14496,7 @@
           <a:p>
             <a:fld id="{22A853E8-D85F-5D49-95D2-E1D96ABFE2B9}" type="slidenum">
               <a:rPr lang="en-GB" smtClean="0"/>
-              <a:t>11</a:t>
+              <a:t>13</a:t>
             </a:fld>
             <a:endParaRPr lang="en-GB"/>
           </a:p>
@@ -20181,6 +20183,1113 @@
             <p:ph type="title"/>
           </p:nvPr>
         </p:nvSpPr>
+        <p:spPr/>
+        <p:txBody>
+          <a:bodyPr/>
+          <a:lstStyle/>
+          <a:p>
+            <a:r>
+              <a:rPr lang="zh-CN" altLang="en-US" dirty="0" smtClean="0"/>
+              <a:t>建立曲线：时刻点</a:t>
+            </a:r>
+            <a:endParaRPr lang="zh-CN" altLang="en-US" dirty="0"/>
+          </a:p>
+        </p:txBody>
+      </p:sp>
+      <p:graphicFrame>
+        <p:nvGraphicFramePr>
+          <p:cNvPr id="3" name="表格 2"/>
+          <p:cNvGraphicFramePr>
+            <a:graphicFrameLocks noGrp="1"/>
+          </p:cNvGraphicFramePr>
+          <p:nvPr>
+            <p:extLst>
+              <p:ext uri="{D42A27DB-BD31-4B8C-83A1-F6EECF244321}">
+                <p14:modId xmlns:p14="http://schemas.microsoft.com/office/powerpoint/2010/main" val="4026047340"/>
+              </p:ext>
+            </p:extLst>
+          </p:nvPr>
+        </p:nvGraphicFramePr>
+        <p:xfrm>
+          <a:off x="4655128" y="837935"/>
+          <a:ext cx="2722418" cy="3346134"/>
+        </p:xfrm>
+        <a:graphic>
+          <a:graphicData uri="http://schemas.openxmlformats.org/drawingml/2006/table">
+            <a:tbl>
+              <a:tblPr firstRow="1">
+                <a:tableStyleId>{5C22544A-7EE6-4342-B048-85BDC9FD1C3A}</a:tableStyleId>
+              </a:tblPr>
+              <a:tblGrid>
+                <a:gridCol w="1020907"/>
+                <a:gridCol w="1701511"/>
+              </a:tblGrid>
+              <a:tr h="304194">
+                <a:tc gridSpan="2">
+                  <a:txBody>
+                    <a:bodyPr/>
+                    <a:lstStyle/>
+                    <a:p>
+                      <a:pPr algn="ctr" fontAlgn="b"/>
+                      <a:r>
+                        <a:rPr lang="zh-CN" altLang="en-US" sz="1500" b="1" i="0" u="none" strike="noStrike" dirty="0" smtClean="0">
+                          <a:solidFill>
+                            <a:schemeClr val="bg1"/>
+                          </a:solidFill>
+                          <a:effectLst/>
+                          <a:latin typeface="华文楷体" panose="02010600040101010101" pitchFamily="2" charset="-122"/>
+                          <a:ea typeface="华文楷体" panose="02010600040101010101" pitchFamily="2" charset="-122"/>
+                        </a:rPr>
+                        <a:t>货币经纪报价时刻点</a:t>
+                      </a:r>
+                      <a:endParaRPr lang="zh-CN" altLang="en-US" sz="1500" b="1" i="0" u="none" strike="noStrike" dirty="0">
+                        <a:solidFill>
+                          <a:schemeClr val="bg1"/>
+                        </a:solidFill>
+                        <a:effectLst/>
+                        <a:latin typeface="华文楷体" panose="02010600040101010101" pitchFamily="2" charset="-122"/>
+                        <a:ea typeface="华文楷体" panose="02010600040101010101" pitchFamily="2" charset="-122"/>
+                      </a:endParaRPr>
+                    </a:p>
+                  </a:txBody>
+                  <a:tcPr marL="9525" marR="9525" marT="9525" marB="0" anchor="ctr"/>
+                </a:tc>
+                <a:tc hMerge="1">
+                  <a:txBody>
+                    <a:bodyPr/>
+                    <a:lstStyle/>
+                    <a:p>
+                      <a:pPr algn="ctr" fontAlgn="b"/>
+                      <a:endParaRPr lang="zh-CN" altLang="en-US" sz="1500" b="1" i="0" u="none" strike="noStrike" dirty="0">
+                        <a:solidFill>
+                          <a:srgbClr val="000000"/>
+                        </a:solidFill>
+                        <a:effectLst/>
+                        <a:latin typeface="华文楷体" panose="02010600040101010101" pitchFamily="2" charset="-122"/>
+                        <a:ea typeface="华文楷体" panose="02010600040101010101" pitchFamily="2" charset="-122"/>
+                      </a:endParaRPr>
+                    </a:p>
+                  </a:txBody>
+                  <a:tcPr marL="9525" marR="9525" marT="9525" marB="0" anchor="ctr"/>
+                </a:tc>
+              </a:tr>
+              <a:tr h="304194">
+                <a:tc>
+                  <a:txBody>
+                    <a:bodyPr/>
+                    <a:lstStyle/>
+                    <a:p>
+                      <a:pPr algn="ctr" fontAlgn="b"/>
+                      <a:r>
+                        <a:rPr lang="zh-CN" altLang="en-US" sz="1500" b="1" u="none" strike="noStrike" dirty="0">
+                          <a:effectLst/>
+                          <a:latin typeface="华文楷体" panose="02010600040101010101" pitchFamily="2" charset="-122"/>
+                          <a:ea typeface="华文楷体" panose="02010600040101010101" pitchFamily="2" charset="-122"/>
+                        </a:rPr>
+                        <a:t>时刻</a:t>
+                      </a:r>
+                      <a:endParaRPr lang="zh-CN" altLang="en-US" sz="1500" b="1" i="0" u="none" strike="noStrike" dirty="0">
+                        <a:solidFill>
+                          <a:srgbClr val="000000"/>
+                        </a:solidFill>
+                        <a:effectLst/>
+                        <a:latin typeface="华文楷体" panose="02010600040101010101" pitchFamily="2" charset="-122"/>
+                        <a:ea typeface="华文楷体" panose="02010600040101010101" pitchFamily="2" charset="-122"/>
+                      </a:endParaRPr>
+                    </a:p>
+                  </a:txBody>
+                  <a:tcPr marL="9525" marR="9525" marT="9525" marB="0" anchor="ctr"/>
+                </a:tc>
+                <a:tc>
+                  <a:txBody>
+                    <a:bodyPr/>
+                    <a:lstStyle/>
+                    <a:p>
+                      <a:pPr algn="ctr" fontAlgn="b"/>
+                      <a:r>
+                        <a:rPr lang="zh-CN" altLang="en-US" sz="1500" b="1" u="none" strike="noStrike" dirty="0">
+                          <a:effectLst/>
+                          <a:latin typeface="华文楷体" panose="02010600040101010101" pitchFamily="2" charset="-122"/>
+                          <a:ea typeface="华文楷体" panose="02010600040101010101" pitchFamily="2" charset="-122"/>
+                        </a:rPr>
+                        <a:t>报价次数</a:t>
+                      </a:r>
+                      <a:endParaRPr lang="zh-CN" altLang="en-US" sz="1500" b="1" i="0" u="none" strike="noStrike" dirty="0">
+                        <a:solidFill>
+                          <a:srgbClr val="000000"/>
+                        </a:solidFill>
+                        <a:effectLst/>
+                        <a:latin typeface="华文楷体" panose="02010600040101010101" pitchFamily="2" charset="-122"/>
+                        <a:ea typeface="华文楷体" panose="02010600040101010101" pitchFamily="2" charset="-122"/>
+                      </a:endParaRPr>
+                    </a:p>
+                  </a:txBody>
+                  <a:tcPr marL="9525" marR="9525" marT="9525" marB="0" anchor="ctr"/>
+                </a:tc>
+              </a:tr>
+              <a:tr h="304194">
+                <a:tc>
+                  <a:txBody>
+                    <a:bodyPr/>
+                    <a:lstStyle/>
+                    <a:p>
+                      <a:pPr algn="ctr" fontAlgn="b"/>
+                      <a:r>
+                        <a:rPr lang="en-US" altLang="zh-CN" sz="1500" u="none" strike="noStrike" dirty="0">
+                          <a:effectLst/>
+                          <a:latin typeface="华文楷体" panose="02010600040101010101" pitchFamily="2" charset="-122"/>
+                          <a:ea typeface="华文楷体" panose="02010600040101010101" pitchFamily="2" charset="-122"/>
+                        </a:rPr>
+                        <a:t>1</a:t>
+                      </a:r>
+                      <a:endParaRPr lang="en-US" altLang="zh-CN" sz="1500" b="0" i="0" u="none" strike="noStrike" dirty="0">
+                        <a:solidFill>
+                          <a:srgbClr val="000000"/>
+                        </a:solidFill>
+                        <a:effectLst/>
+                        <a:latin typeface="华文楷体" panose="02010600040101010101" pitchFamily="2" charset="-122"/>
+                        <a:ea typeface="华文楷体" panose="02010600040101010101" pitchFamily="2" charset="-122"/>
+                      </a:endParaRPr>
+                    </a:p>
+                  </a:txBody>
+                  <a:tcPr marL="9525" marR="9525" marT="9525" marB="0" anchor="ctr"/>
+                </a:tc>
+                <a:tc>
+                  <a:txBody>
+                    <a:bodyPr/>
+                    <a:lstStyle/>
+                    <a:p>
+                      <a:pPr algn="ctr" fontAlgn="b"/>
+                      <a:r>
+                        <a:rPr lang="en-US" altLang="zh-CN" sz="1500" u="none" strike="noStrike" dirty="0">
+                          <a:effectLst/>
+                          <a:latin typeface="华文楷体" panose="02010600040101010101" pitchFamily="2" charset="-122"/>
+                          <a:ea typeface="华文楷体" panose="02010600040101010101" pitchFamily="2" charset="-122"/>
+                        </a:rPr>
+                        <a:t>102</a:t>
+                      </a:r>
+                      <a:endParaRPr lang="en-US" altLang="zh-CN" sz="1500" b="0" i="0" u="none" strike="noStrike" dirty="0">
+                        <a:solidFill>
+                          <a:srgbClr val="000000"/>
+                        </a:solidFill>
+                        <a:effectLst/>
+                        <a:latin typeface="华文楷体" panose="02010600040101010101" pitchFamily="2" charset="-122"/>
+                        <a:ea typeface="华文楷体" panose="02010600040101010101" pitchFamily="2" charset="-122"/>
+                      </a:endParaRPr>
+                    </a:p>
+                  </a:txBody>
+                  <a:tcPr marL="9525" marR="9525" marT="9525" marB="0" anchor="ctr"/>
+                </a:tc>
+              </a:tr>
+              <a:tr h="304194">
+                <a:tc>
+                  <a:txBody>
+                    <a:bodyPr/>
+                    <a:lstStyle/>
+                    <a:p>
+                      <a:pPr algn="ctr" fontAlgn="b"/>
+                      <a:r>
+                        <a:rPr lang="en-US" altLang="zh-CN" sz="1500" b="1" u="none" strike="noStrike" dirty="0">
+                          <a:solidFill>
+                            <a:srgbClr val="FF0000"/>
+                          </a:solidFill>
+                          <a:effectLst/>
+                          <a:latin typeface="华文楷体" panose="02010600040101010101" pitchFamily="2" charset="-122"/>
+                          <a:ea typeface="华文楷体" panose="02010600040101010101" pitchFamily="2" charset="-122"/>
+                        </a:rPr>
+                        <a:t>7</a:t>
+                      </a:r>
+                      <a:endParaRPr lang="en-US" altLang="zh-CN" sz="1500" b="1" i="0" u="none" strike="noStrike" dirty="0">
+                        <a:solidFill>
+                          <a:srgbClr val="FF0000"/>
+                        </a:solidFill>
+                        <a:effectLst/>
+                        <a:latin typeface="华文楷体" panose="02010600040101010101" pitchFamily="2" charset="-122"/>
+                        <a:ea typeface="华文楷体" panose="02010600040101010101" pitchFamily="2" charset="-122"/>
+                      </a:endParaRPr>
+                    </a:p>
+                  </a:txBody>
+                  <a:tcPr marL="9525" marR="9525" marT="9525" marB="0" anchor="ctr"/>
+                </a:tc>
+                <a:tc>
+                  <a:txBody>
+                    <a:bodyPr/>
+                    <a:lstStyle/>
+                    <a:p>
+                      <a:pPr algn="ctr" fontAlgn="b"/>
+                      <a:r>
+                        <a:rPr lang="en-US" altLang="zh-CN" sz="1500" b="1" u="none" strike="noStrike" dirty="0">
+                          <a:solidFill>
+                            <a:srgbClr val="FF0000"/>
+                          </a:solidFill>
+                          <a:effectLst/>
+                          <a:latin typeface="华文楷体" panose="02010600040101010101" pitchFamily="2" charset="-122"/>
+                          <a:ea typeface="华文楷体" panose="02010600040101010101" pitchFamily="2" charset="-122"/>
+                        </a:rPr>
+                        <a:t>504</a:t>
+                      </a:r>
+                      <a:endParaRPr lang="en-US" altLang="zh-CN" sz="1500" b="1" i="0" u="none" strike="noStrike" dirty="0">
+                        <a:solidFill>
+                          <a:srgbClr val="FF0000"/>
+                        </a:solidFill>
+                        <a:effectLst/>
+                        <a:latin typeface="华文楷体" panose="02010600040101010101" pitchFamily="2" charset="-122"/>
+                        <a:ea typeface="华文楷体" panose="02010600040101010101" pitchFamily="2" charset="-122"/>
+                      </a:endParaRPr>
+                    </a:p>
+                  </a:txBody>
+                  <a:tcPr marL="9525" marR="9525" marT="9525" marB="0" anchor="ctr"/>
+                </a:tc>
+              </a:tr>
+              <a:tr h="304194">
+                <a:tc>
+                  <a:txBody>
+                    <a:bodyPr/>
+                    <a:lstStyle/>
+                    <a:p>
+                      <a:pPr algn="ctr" fontAlgn="b"/>
+                      <a:r>
+                        <a:rPr lang="en-US" altLang="zh-CN" sz="1500" b="1" u="none" strike="noStrike" dirty="0">
+                          <a:solidFill>
+                            <a:srgbClr val="FF0000"/>
+                          </a:solidFill>
+                          <a:effectLst/>
+                          <a:latin typeface="华文楷体" panose="02010600040101010101" pitchFamily="2" charset="-122"/>
+                          <a:ea typeface="华文楷体" panose="02010600040101010101" pitchFamily="2" charset="-122"/>
+                        </a:rPr>
+                        <a:t>8</a:t>
+                      </a:r>
+                      <a:endParaRPr lang="en-US" altLang="zh-CN" sz="1500" b="1" i="0" u="none" strike="noStrike" dirty="0">
+                        <a:solidFill>
+                          <a:srgbClr val="FF0000"/>
+                        </a:solidFill>
+                        <a:effectLst/>
+                        <a:latin typeface="华文楷体" panose="02010600040101010101" pitchFamily="2" charset="-122"/>
+                        <a:ea typeface="华文楷体" panose="02010600040101010101" pitchFamily="2" charset="-122"/>
+                      </a:endParaRPr>
+                    </a:p>
+                  </a:txBody>
+                  <a:tcPr marL="9525" marR="9525" marT="9525" marB="0" anchor="ctr"/>
+                </a:tc>
+                <a:tc>
+                  <a:txBody>
+                    <a:bodyPr/>
+                    <a:lstStyle/>
+                    <a:p>
+                      <a:pPr algn="ctr" fontAlgn="b"/>
+                      <a:r>
+                        <a:rPr lang="en-US" altLang="zh-CN" sz="1500" b="1" u="none" strike="noStrike" dirty="0">
+                          <a:solidFill>
+                            <a:srgbClr val="FF0000"/>
+                          </a:solidFill>
+                          <a:effectLst/>
+                          <a:latin typeface="华文楷体" panose="02010600040101010101" pitchFamily="2" charset="-122"/>
+                          <a:ea typeface="华文楷体" panose="02010600040101010101" pitchFamily="2" charset="-122"/>
+                        </a:rPr>
+                        <a:t>568</a:t>
+                      </a:r>
+                      <a:endParaRPr lang="en-US" altLang="zh-CN" sz="1500" b="1" i="0" u="none" strike="noStrike" dirty="0">
+                        <a:solidFill>
+                          <a:srgbClr val="FF0000"/>
+                        </a:solidFill>
+                        <a:effectLst/>
+                        <a:latin typeface="华文楷体" panose="02010600040101010101" pitchFamily="2" charset="-122"/>
+                        <a:ea typeface="华文楷体" panose="02010600040101010101" pitchFamily="2" charset="-122"/>
+                      </a:endParaRPr>
+                    </a:p>
+                  </a:txBody>
+                  <a:tcPr marL="9525" marR="9525" marT="9525" marB="0" anchor="ctr"/>
+                </a:tc>
+              </a:tr>
+              <a:tr h="304194">
+                <a:tc>
+                  <a:txBody>
+                    <a:bodyPr/>
+                    <a:lstStyle/>
+                    <a:p>
+                      <a:pPr algn="ctr" fontAlgn="b"/>
+                      <a:r>
+                        <a:rPr lang="en-US" altLang="zh-CN" sz="1500" u="none" strike="noStrike" dirty="0">
+                          <a:effectLst/>
+                          <a:latin typeface="华文楷体" panose="02010600040101010101" pitchFamily="2" charset="-122"/>
+                          <a:ea typeface="华文楷体" panose="02010600040101010101" pitchFamily="2" charset="-122"/>
+                        </a:rPr>
+                        <a:t>18</a:t>
+                      </a:r>
+                      <a:endParaRPr lang="en-US" altLang="zh-CN" sz="1500" b="0" i="0" u="none" strike="noStrike" dirty="0">
+                        <a:solidFill>
+                          <a:srgbClr val="000000"/>
+                        </a:solidFill>
+                        <a:effectLst/>
+                        <a:latin typeface="华文楷体" panose="02010600040101010101" pitchFamily="2" charset="-122"/>
+                        <a:ea typeface="华文楷体" panose="02010600040101010101" pitchFamily="2" charset="-122"/>
+                      </a:endParaRPr>
+                    </a:p>
+                  </a:txBody>
+                  <a:tcPr marL="9525" marR="9525" marT="9525" marB="0" anchor="ctr"/>
+                </a:tc>
+                <a:tc>
+                  <a:txBody>
+                    <a:bodyPr/>
+                    <a:lstStyle/>
+                    <a:p>
+                      <a:pPr algn="ctr" fontAlgn="b"/>
+                      <a:r>
+                        <a:rPr lang="en-US" altLang="zh-CN" sz="1500" u="none" strike="noStrike" dirty="0">
+                          <a:effectLst/>
+                          <a:latin typeface="华文楷体" panose="02010600040101010101" pitchFamily="2" charset="-122"/>
+                          <a:ea typeface="华文楷体" panose="02010600040101010101" pitchFamily="2" charset="-122"/>
+                        </a:rPr>
+                        <a:t>136</a:t>
+                      </a:r>
+                      <a:endParaRPr lang="en-US" altLang="zh-CN" sz="1500" b="0" i="0" u="none" strike="noStrike" dirty="0">
+                        <a:solidFill>
+                          <a:srgbClr val="000000"/>
+                        </a:solidFill>
+                        <a:effectLst/>
+                        <a:latin typeface="华文楷体" panose="02010600040101010101" pitchFamily="2" charset="-122"/>
+                        <a:ea typeface="华文楷体" panose="02010600040101010101" pitchFamily="2" charset="-122"/>
+                      </a:endParaRPr>
+                    </a:p>
+                  </a:txBody>
+                  <a:tcPr marL="9525" marR="9525" marT="9525" marB="0" anchor="ctr"/>
+                </a:tc>
+              </a:tr>
+              <a:tr h="304194">
+                <a:tc>
+                  <a:txBody>
+                    <a:bodyPr/>
+                    <a:lstStyle/>
+                    <a:p>
+                      <a:pPr algn="ctr" fontAlgn="b"/>
+                      <a:r>
+                        <a:rPr lang="en-US" altLang="zh-CN" sz="1500" b="1" u="none" strike="noStrike" dirty="0">
+                          <a:solidFill>
+                            <a:srgbClr val="FF0000"/>
+                          </a:solidFill>
+                          <a:effectLst/>
+                          <a:latin typeface="华文楷体" panose="02010600040101010101" pitchFamily="2" charset="-122"/>
+                          <a:ea typeface="华文楷体" panose="02010600040101010101" pitchFamily="2" charset="-122"/>
+                        </a:rPr>
+                        <a:t>19</a:t>
+                      </a:r>
+                      <a:endParaRPr lang="en-US" altLang="zh-CN" sz="1500" b="1" i="0" u="none" strike="noStrike" dirty="0">
+                        <a:solidFill>
+                          <a:srgbClr val="FF0000"/>
+                        </a:solidFill>
+                        <a:effectLst/>
+                        <a:latin typeface="华文楷体" panose="02010600040101010101" pitchFamily="2" charset="-122"/>
+                        <a:ea typeface="华文楷体" panose="02010600040101010101" pitchFamily="2" charset="-122"/>
+                      </a:endParaRPr>
+                    </a:p>
+                  </a:txBody>
+                  <a:tcPr marL="9525" marR="9525" marT="9525" marB="0" anchor="ctr"/>
+                </a:tc>
+                <a:tc>
+                  <a:txBody>
+                    <a:bodyPr/>
+                    <a:lstStyle/>
+                    <a:p>
+                      <a:pPr algn="ctr" fontAlgn="b"/>
+                      <a:r>
+                        <a:rPr lang="en-US" altLang="zh-CN" sz="1500" b="1" u="none" strike="noStrike" dirty="0">
+                          <a:solidFill>
+                            <a:srgbClr val="FF0000"/>
+                          </a:solidFill>
+                          <a:effectLst/>
+                          <a:latin typeface="华文楷体" panose="02010600040101010101" pitchFamily="2" charset="-122"/>
+                          <a:ea typeface="华文楷体" panose="02010600040101010101" pitchFamily="2" charset="-122"/>
+                        </a:rPr>
+                        <a:t>918</a:t>
+                      </a:r>
+                      <a:endParaRPr lang="en-US" altLang="zh-CN" sz="1500" b="1" i="0" u="none" strike="noStrike" dirty="0">
+                        <a:solidFill>
+                          <a:srgbClr val="FF0000"/>
+                        </a:solidFill>
+                        <a:effectLst/>
+                        <a:latin typeface="华文楷体" panose="02010600040101010101" pitchFamily="2" charset="-122"/>
+                        <a:ea typeface="华文楷体" panose="02010600040101010101" pitchFamily="2" charset="-122"/>
+                      </a:endParaRPr>
+                    </a:p>
+                  </a:txBody>
+                  <a:tcPr marL="9525" marR="9525" marT="9525" marB="0" anchor="ctr"/>
+                </a:tc>
+              </a:tr>
+              <a:tr h="304194">
+                <a:tc>
+                  <a:txBody>
+                    <a:bodyPr/>
+                    <a:lstStyle/>
+                    <a:p>
+                      <a:pPr algn="ctr" fontAlgn="b"/>
+                      <a:r>
+                        <a:rPr lang="en-US" altLang="zh-CN" sz="1500" b="1" u="none" strike="noStrike" dirty="0">
+                          <a:solidFill>
+                            <a:srgbClr val="FF0000"/>
+                          </a:solidFill>
+                          <a:effectLst/>
+                          <a:latin typeface="华文楷体" panose="02010600040101010101" pitchFamily="2" charset="-122"/>
+                          <a:ea typeface="华文楷体" panose="02010600040101010101" pitchFamily="2" charset="-122"/>
+                        </a:rPr>
+                        <a:t>20</a:t>
+                      </a:r>
+                      <a:endParaRPr lang="en-US" altLang="zh-CN" sz="1500" b="1" i="0" u="none" strike="noStrike" dirty="0">
+                        <a:solidFill>
+                          <a:srgbClr val="FF0000"/>
+                        </a:solidFill>
+                        <a:effectLst/>
+                        <a:latin typeface="华文楷体" panose="02010600040101010101" pitchFamily="2" charset="-122"/>
+                        <a:ea typeface="华文楷体" panose="02010600040101010101" pitchFamily="2" charset="-122"/>
+                      </a:endParaRPr>
+                    </a:p>
+                  </a:txBody>
+                  <a:tcPr marL="9525" marR="9525" marT="9525" marB="0" anchor="ctr"/>
+                </a:tc>
+                <a:tc>
+                  <a:txBody>
+                    <a:bodyPr/>
+                    <a:lstStyle/>
+                    <a:p>
+                      <a:pPr algn="ctr" fontAlgn="b"/>
+                      <a:r>
+                        <a:rPr lang="en-US" altLang="zh-CN" sz="1500" b="1" u="none" strike="noStrike" dirty="0">
+                          <a:solidFill>
+                            <a:srgbClr val="FF0000"/>
+                          </a:solidFill>
+                          <a:effectLst/>
+                          <a:latin typeface="华文楷体" panose="02010600040101010101" pitchFamily="2" charset="-122"/>
+                          <a:ea typeface="华文楷体" panose="02010600040101010101" pitchFamily="2" charset="-122"/>
+                        </a:rPr>
+                        <a:t>1414</a:t>
+                      </a:r>
+                      <a:endParaRPr lang="en-US" altLang="zh-CN" sz="1500" b="1" i="0" u="none" strike="noStrike" dirty="0">
+                        <a:solidFill>
+                          <a:srgbClr val="FF0000"/>
+                        </a:solidFill>
+                        <a:effectLst/>
+                        <a:latin typeface="华文楷体" panose="02010600040101010101" pitchFamily="2" charset="-122"/>
+                        <a:ea typeface="华文楷体" panose="02010600040101010101" pitchFamily="2" charset="-122"/>
+                      </a:endParaRPr>
+                    </a:p>
+                  </a:txBody>
+                  <a:tcPr marL="9525" marR="9525" marT="9525" marB="0" anchor="ctr"/>
+                </a:tc>
+              </a:tr>
+              <a:tr h="304194">
+                <a:tc>
+                  <a:txBody>
+                    <a:bodyPr/>
+                    <a:lstStyle/>
+                    <a:p>
+                      <a:pPr algn="ctr" fontAlgn="b"/>
+                      <a:r>
+                        <a:rPr lang="en-US" altLang="zh-CN" sz="1500" u="none" strike="noStrike">
+                          <a:effectLst/>
+                          <a:latin typeface="华文楷体" panose="02010600040101010101" pitchFamily="2" charset="-122"/>
+                          <a:ea typeface="华文楷体" panose="02010600040101010101" pitchFamily="2" charset="-122"/>
+                        </a:rPr>
+                        <a:t>21</a:t>
+                      </a:r>
+                      <a:endParaRPr lang="en-US" altLang="zh-CN" sz="1500" b="0" i="0" u="none" strike="noStrike">
+                        <a:solidFill>
+                          <a:srgbClr val="000000"/>
+                        </a:solidFill>
+                        <a:effectLst/>
+                        <a:latin typeface="华文楷体" panose="02010600040101010101" pitchFamily="2" charset="-122"/>
+                        <a:ea typeface="华文楷体" panose="02010600040101010101" pitchFamily="2" charset="-122"/>
+                      </a:endParaRPr>
+                    </a:p>
+                  </a:txBody>
+                  <a:tcPr marL="9525" marR="9525" marT="9525" marB="0" anchor="ctr"/>
+                </a:tc>
+                <a:tc>
+                  <a:txBody>
+                    <a:bodyPr/>
+                    <a:lstStyle/>
+                    <a:p>
+                      <a:pPr algn="ctr" fontAlgn="b"/>
+                      <a:r>
+                        <a:rPr lang="en-US" altLang="zh-CN" sz="1500" u="none" strike="noStrike" dirty="0">
+                          <a:effectLst/>
+                          <a:latin typeface="华文楷体" panose="02010600040101010101" pitchFamily="2" charset="-122"/>
+                          <a:ea typeface="华文楷体" panose="02010600040101010101" pitchFamily="2" charset="-122"/>
+                        </a:rPr>
+                        <a:t>241</a:t>
+                      </a:r>
+                      <a:endParaRPr lang="en-US" altLang="zh-CN" sz="1500" b="0" i="0" u="none" strike="noStrike" dirty="0">
+                        <a:solidFill>
+                          <a:srgbClr val="000000"/>
+                        </a:solidFill>
+                        <a:effectLst/>
+                        <a:latin typeface="华文楷体" panose="02010600040101010101" pitchFamily="2" charset="-122"/>
+                        <a:ea typeface="华文楷体" panose="02010600040101010101" pitchFamily="2" charset="-122"/>
+                      </a:endParaRPr>
+                    </a:p>
+                  </a:txBody>
+                  <a:tcPr marL="9525" marR="9525" marT="9525" marB="0" anchor="ctr"/>
+                </a:tc>
+              </a:tr>
+              <a:tr h="304194">
+                <a:tc>
+                  <a:txBody>
+                    <a:bodyPr/>
+                    <a:lstStyle/>
+                    <a:p>
+                      <a:pPr algn="ctr" fontAlgn="b"/>
+                      <a:r>
+                        <a:rPr lang="en-US" altLang="zh-CN" sz="1500" u="none" strike="noStrike">
+                          <a:effectLst/>
+                          <a:latin typeface="华文楷体" panose="02010600040101010101" pitchFamily="2" charset="-122"/>
+                          <a:ea typeface="华文楷体" panose="02010600040101010101" pitchFamily="2" charset="-122"/>
+                        </a:rPr>
+                        <a:t>23</a:t>
+                      </a:r>
+                      <a:endParaRPr lang="en-US" altLang="zh-CN" sz="1500" b="0" i="0" u="none" strike="noStrike">
+                        <a:solidFill>
+                          <a:srgbClr val="000000"/>
+                        </a:solidFill>
+                        <a:effectLst/>
+                        <a:latin typeface="华文楷体" panose="02010600040101010101" pitchFamily="2" charset="-122"/>
+                        <a:ea typeface="华文楷体" panose="02010600040101010101" pitchFamily="2" charset="-122"/>
+                      </a:endParaRPr>
+                    </a:p>
+                  </a:txBody>
+                  <a:tcPr marL="9525" marR="9525" marT="9525" marB="0" anchor="ctr"/>
+                </a:tc>
+                <a:tc>
+                  <a:txBody>
+                    <a:bodyPr/>
+                    <a:lstStyle/>
+                    <a:p>
+                      <a:pPr algn="ctr" fontAlgn="b"/>
+                      <a:r>
+                        <a:rPr lang="en-US" altLang="zh-CN" sz="1500" u="none" strike="noStrike" dirty="0">
+                          <a:effectLst/>
+                          <a:latin typeface="华文楷体" panose="02010600040101010101" pitchFamily="2" charset="-122"/>
+                          <a:ea typeface="华文楷体" panose="02010600040101010101" pitchFamily="2" charset="-122"/>
+                        </a:rPr>
+                        <a:t>34</a:t>
+                      </a:r>
+                      <a:endParaRPr lang="en-US" altLang="zh-CN" sz="1500" b="0" i="0" u="none" strike="noStrike" dirty="0">
+                        <a:solidFill>
+                          <a:srgbClr val="000000"/>
+                        </a:solidFill>
+                        <a:effectLst/>
+                        <a:latin typeface="华文楷体" panose="02010600040101010101" pitchFamily="2" charset="-122"/>
+                        <a:ea typeface="华文楷体" panose="02010600040101010101" pitchFamily="2" charset="-122"/>
+                      </a:endParaRPr>
+                    </a:p>
+                  </a:txBody>
+                  <a:tcPr marL="9525" marR="9525" marT="9525" marB="0" anchor="ctr"/>
+                </a:tc>
+              </a:tr>
+              <a:tr h="304194">
+                <a:tc>
+                  <a:txBody>
+                    <a:bodyPr/>
+                    <a:lstStyle/>
+                    <a:p>
+                      <a:pPr algn="ctr" fontAlgn="b"/>
+                      <a:r>
+                        <a:rPr lang="zh-CN" altLang="en-US" sz="1500" b="1" u="none" strike="noStrike" dirty="0">
+                          <a:effectLst/>
+                          <a:latin typeface="华文楷体" panose="02010600040101010101" pitchFamily="2" charset="-122"/>
+                          <a:ea typeface="华文楷体" panose="02010600040101010101" pitchFamily="2" charset="-122"/>
+                        </a:rPr>
+                        <a:t>总计</a:t>
+                      </a:r>
+                      <a:endParaRPr lang="zh-CN" altLang="en-US" sz="1500" b="1" i="0" u="none" strike="noStrike" dirty="0">
+                        <a:solidFill>
+                          <a:srgbClr val="000000"/>
+                        </a:solidFill>
+                        <a:effectLst/>
+                        <a:latin typeface="华文楷体" panose="02010600040101010101" pitchFamily="2" charset="-122"/>
+                        <a:ea typeface="华文楷体" panose="02010600040101010101" pitchFamily="2" charset="-122"/>
+                      </a:endParaRPr>
+                    </a:p>
+                  </a:txBody>
+                  <a:tcPr marL="9525" marR="9525" marT="9525" marB="0" anchor="ctr"/>
+                </a:tc>
+                <a:tc>
+                  <a:txBody>
+                    <a:bodyPr/>
+                    <a:lstStyle/>
+                    <a:p>
+                      <a:pPr algn="ctr" fontAlgn="b"/>
+                      <a:r>
+                        <a:rPr lang="en-US" altLang="zh-CN" sz="1500" b="1" u="none" strike="noStrike" dirty="0">
+                          <a:effectLst/>
+                          <a:latin typeface="华文楷体" panose="02010600040101010101" pitchFamily="2" charset="-122"/>
+                          <a:ea typeface="华文楷体" panose="02010600040101010101" pitchFamily="2" charset="-122"/>
+                        </a:rPr>
+                        <a:t>3917</a:t>
+                      </a:r>
+                      <a:endParaRPr lang="en-US" altLang="zh-CN" sz="1500" b="1" i="0" u="none" strike="noStrike" dirty="0">
+                        <a:solidFill>
+                          <a:srgbClr val="000000"/>
+                        </a:solidFill>
+                        <a:effectLst/>
+                        <a:latin typeface="华文楷体" panose="02010600040101010101" pitchFamily="2" charset="-122"/>
+                        <a:ea typeface="华文楷体" panose="02010600040101010101" pitchFamily="2" charset="-122"/>
+                      </a:endParaRPr>
+                    </a:p>
+                  </a:txBody>
+                  <a:tcPr marL="9525" marR="9525" marT="9525" marB="0" anchor="ctr"/>
+                </a:tc>
+              </a:tr>
+            </a:tbl>
+          </a:graphicData>
+        </a:graphic>
+      </p:graphicFrame>
+      <p:sp>
+        <p:nvSpPr>
+          <p:cNvPr id="5" name="文本框 4"/>
+          <p:cNvSpPr txBox="1"/>
+          <p:nvPr/>
+        </p:nvSpPr>
+        <p:spPr>
+          <a:xfrm>
+            <a:off x="331470" y="1132609"/>
+            <a:ext cx="3637857" cy="3000821"/>
+          </a:xfrm>
+          <a:prstGeom prst="rect">
+            <a:avLst/>
+          </a:prstGeom>
+          <a:noFill/>
+        </p:spPr>
+        <p:txBody>
+          <a:bodyPr wrap="square" rtlCol="0">
+            <a:spAutoFit/>
+          </a:bodyPr>
+          <a:lstStyle/>
+          <a:p>
+            <a:pPr marL="285750" indent="-285750" algn="just">
+              <a:lnSpc>
+                <a:spcPct val="150000"/>
+              </a:lnSpc>
+              <a:buFont typeface="Wingdings" panose="05000000000000000000" pitchFamily="2" charset="2"/>
+              <a:buChar char="Ø"/>
+            </a:pPr>
+            <a:r>
+              <a:rPr lang="zh-CN" altLang="en-US" dirty="0" smtClean="0">
+                <a:latin typeface="微软雅黑" panose="020B0503020204020204" pitchFamily="34" charset="-122"/>
+                <a:ea typeface="微软雅黑" panose="020B0503020204020204" pitchFamily="34" charset="-122"/>
+              </a:rPr>
+              <a:t>货币经纪商经常在早上</a:t>
+            </a:r>
+            <a:r>
+              <a:rPr lang="en-US" altLang="zh-CN" dirty="0" smtClean="0">
+                <a:latin typeface="微软雅黑" panose="020B0503020204020204" pitchFamily="34" charset="-122"/>
+                <a:ea typeface="微软雅黑" panose="020B0503020204020204" pitchFamily="34" charset="-122"/>
+              </a:rPr>
+              <a:t>7</a:t>
+            </a:r>
+            <a:r>
+              <a:rPr lang="zh-CN" altLang="en-US" dirty="0" smtClean="0">
+                <a:latin typeface="微软雅黑" panose="020B0503020204020204" pitchFamily="34" charset="-122"/>
+                <a:ea typeface="微软雅黑" panose="020B0503020204020204" pitchFamily="34" charset="-122"/>
+              </a:rPr>
+              <a:t>时或</a:t>
+            </a:r>
+            <a:r>
+              <a:rPr lang="en-US" altLang="zh-CN" dirty="0" smtClean="0">
+                <a:latin typeface="微软雅黑" panose="020B0503020204020204" pitchFamily="34" charset="-122"/>
+                <a:ea typeface="微软雅黑" panose="020B0503020204020204" pitchFamily="34" charset="-122"/>
+              </a:rPr>
+              <a:t>8</a:t>
+            </a:r>
+            <a:r>
+              <a:rPr lang="zh-CN" altLang="en-US" dirty="0" smtClean="0">
+                <a:latin typeface="微软雅黑" panose="020B0503020204020204" pitchFamily="34" charset="-122"/>
+                <a:ea typeface="微软雅黑" panose="020B0503020204020204" pitchFamily="34" charset="-122"/>
+              </a:rPr>
+              <a:t>时，晚上</a:t>
+            </a:r>
+            <a:r>
+              <a:rPr lang="en-US" altLang="zh-CN" dirty="0" smtClean="0">
+                <a:latin typeface="微软雅黑" panose="020B0503020204020204" pitchFamily="34" charset="-122"/>
+                <a:ea typeface="微软雅黑" panose="020B0503020204020204" pitchFamily="34" charset="-122"/>
+              </a:rPr>
+              <a:t>7</a:t>
+            </a:r>
+            <a:r>
+              <a:rPr lang="zh-CN" altLang="en-US" dirty="0" smtClean="0">
+                <a:latin typeface="微软雅黑" panose="020B0503020204020204" pitchFamily="34" charset="-122"/>
+                <a:ea typeface="微软雅黑" panose="020B0503020204020204" pitchFamily="34" charset="-122"/>
+              </a:rPr>
+              <a:t>时或</a:t>
+            </a:r>
+            <a:r>
+              <a:rPr lang="en-US" altLang="zh-CN" dirty="0" smtClean="0">
+                <a:latin typeface="微软雅黑" panose="020B0503020204020204" pitchFamily="34" charset="-122"/>
+                <a:ea typeface="微软雅黑" panose="020B0503020204020204" pitchFamily="34" charset="-122"/>
+              </a:rPr>
+              <a:t>8</a:t>
+            </a:r>
+            <a:r>
+              <a:rPr lang="zh-CN" altLang="en-US" dirty="0" smtClean="0">
+                <a:latin typeface="微软雅黑" panose="020B0503020204020204" pitchFamily="34" charset="-122"/>
+                <a:ea typeface="微软雅黑" panose="020B0503020204020204" pitchFamily="34" charset="-122"/>
+              </a:rPr>
+              <a:t>时更新当天估计。所以我们选取</a:t>
+            </a:r>
+            <a:r>
+              <a:rPr lang="en-US" altLang="zh-CN" dirty="0" smtClean="0">
+                <a:latin typeface="微软雅黑" panose="020B0503020204020204" pitchFamily="34" charset="-122"/>
+                <a:ea typeface="微软雅黑" panose="020B0503020204020204" pitchFamily="34" charset="-122"/>
+              </a:rPr>
+              <a:t>9:00</a:t>
+            </a:r>
+            <a:r>
+              <a:rPr lang="zh-CN" altLang="en-US" dirty="0" smtClean="0">
+                <a:latin typeface="微软雅黑" panose="020B0503020204020204" pitchFamily="34" charset="-122"/>
+                <a:ea typeface="微软雅黑" panose="020B0503020204020204" pitchFamily="34" charset="-122"/>
+              </a:rPr>
+              <a:t>和</a:t>
+            </a:r>
+            <a:r>
+              <a:rPr lang="en-US" altLang="zh-CN" dirty="0" smtClean="0">
+                <a:latin typeface="微软雅黑" panose="020B0503020204020204" pitchFamily="34" charset="-122"/>
+                <a:ea typeface="微软雅黑" panose="020B0503020204020204" pitchFamily="34" charset="-122"/>
+              </a:rPr>
+              <a:t>21:00</a:t>
+            </a:r>
+            <a:r>
+              <a:rPr lang="zh-CN" altLang="en-US" dirty="0">
+                <a:latin typeface="微软雅黑" panose="020B0503020204020204" pitchFamily="34" charset="-122"/>
+                <a:ea typeface="微软雅黑" panose="020B0503020204020204" pitchFamily="34" charset="-122"/>
+              </a:rPr>
+              <a:t>两</a:t>
+            </a:r>
+            <a:r>
+              <a:rPr lang="zh-CN" altLang="en-US" dirty="0" smtClean="0">
+                <a:latin typeface="微软雅黑" panose="020B0503020204020204" pitchFamily="34" charset="-122"/>
+                <a:ea typeface="微软雅黑" panose="020B0503020204020204" pitchFamily="34" charset="-122"/>
+              </a:rPr>
+              <a:t>个时间点更新收益率曲线</a:t>
+            </a:r>
+            <a:endParaRPr lang="en-US" altLang="zh-CN" dirty="0" smtClean="0">
+              <a:latin typeface="微软雅黑" panose="020B0503020204020204" pitchFamily="34" charset="-122"/>
+              <a:ea typeface="微软雅黑" panose="020B0503020204020204" pitchFamily="34" charset="-122"/>
+            </a:endParaRPr>
+          </a:p>
+          <a:p>
+            <a:pPr marL="285750" indent="-285750" algn="just">
+              <a:lnSpc>
+                <a:spcPct val="150000"/>
+              </a:lnSpc>
+              <a:buFont typeface="Wingdings" panose="05000000000000000000" pitchFamily="2" charset="2"/>
+              <a:buChar char="Ø"/>
+            </a:pPr>
+            <a:r>
+              <a:rPr lang="zh-CN" altLang="en-US" dirty="0">
+                <a:latin typeface="微软雅黑" panose="020B0503020204020204" pitchFamily="34" charset="-122"/>
+                <a:ea typeface="微软雅黑" panose="020B0503020204020204" pitchFamily="34" charset="-122"/>
+              </a:rPr>
+              <a:t>银行</a:t>
+            </a:r>
+            <a:r>
+              <a:rPr lang="zh-CN" altLang="en-US" dirty="0" smtClean="0">
+                <a:latin typeface="微软雅黑" panose="020B0503020204020204" pitchFamily="34" charset="-122"/>
+                <a:ea typeface="微软雅黑" panose="020B0503020204020204" pitchFamily="34" charset="-122"/>
+              </a:rPr>
+              <a:t>间现券报价由于现阶段数据来源的限制，我们是在收盘以后更新。</a:t>
+            </a:r>
+            <a:endParaRPr lang="zh-CN" altLang="en-US" dirty="0">
+              <a:latin typeface="微软雅黑" panose="020B0503020204020204" pitchFamily="34" charset="-122"/>
+              <a:ea typeface="微软雅黑" panose="020B0503020204020204" pitchFamily="34" charset="-122"/>
+            </a:endParaRPr>
+          </a:p>
+        </p:txBody>
+      </p:sp>
+      <p:sp>
+        <p:nvSpPr>
+          <p:cNvPr id="6" name="文本框 5"/>
+          <p:cNvSpPr txBox="1"/>
+          <p:nvPr/>
+        </p:nvSpPr>
+        <p:spPr>
+          <a:xfrm>
+            <a:off x="4613199" y="4376652"/>
+            <a:ext cx="3119717" cy="261610"/>
+          </a:xfrm>
+          <a:prstGeom prst="rect">
+            <a:avLst/>
+          </a:prstGeom>
+          <a:noFill/>
+        </p:spPr>
+        <p:txBody>
+          <a:bodyPr wrap="square" rtlCol="0">
+            <a:spAutoFit/>
+          </a:bodyPr>
+          <a:lstStyle/>
+          <a:p>
+            <a:r>
+              <a:rPr lang="zh-CN" altLang="en-US" sz="1100" dirty="0" smtClean="0">
+                <a:latin typeface="华文楷体" panose="02010600040101010101" pitchFamily="2" charset="-122"/>
+                <a:ea typeface="华文楷体" panose="02010600040101010101" pitchFamily="2" charset="-122"/>
+              </a:rPr>
+              <a:t>数据来源：货币经纪商</a:t>
+            </a:r>
+            <a:endParaRPr lang="zh-CN" altLang="en-US" sz="1100" dirty="0">
+              <a:latin typeface="华文楷体" panose="02010600040101010101" pitchFamily="2" charset="-122"/>
+              <a:ea typeface="华文楷体" panose="02010600040101010101" pitchFamily="2" charset="-122"/>
+            </a:endParaRPr>
+          </a:p>
+        </p:txBody>
+      </p:sp>
+    </p:spTree>
+    <p:extLst>
+      <p:ext uri="{BB962C8B-B14F-4D97-AF65-F5344CB8AC3E}">
+        <p14:creationId xmlns:p14="http://schemas.microsoft.com/office/powerpoint/2010/main" val="3397143245"/>
+      </p:ext>
+    </p:extLst>
+  </p:cSld>
+  <p:clrMapOvr>
+    <a:masterClrMapping/>
+  </p:clrMapOvr>
+  <p:timing>
+    <p:tnLst>
+      <p:par>
+        <p:cTn id="1" dur="indefinite" restart="never" nodeType="tmRoot"/>
+      </p:par>
+    </p:tnLst>
+  </p:timing>
+</p:sld>
+</file>
+
+<file path=ppt/slides/slide11.xml><?xml version="1.0" encoding="utf-8"?>
+<p:sld xmlns:a="http://schemas.openxmlformats.org/drawingml/2006/main" xmlns:r="http://schemas.openxmlformats.org/officeDocument/2006/relationships" xmlns:p="http://schemas.openxmlformats.org/presentationml/2006/main">
+  <p:cSld>
+    <p:spTree>
+      <p:nvGrpSpPr>
+        <p:cNvPr id="1" name=""/>
+        <p:cNvGrpSpPr/>
+        <p:nvPr/>
+      </p:nvGrpSpPr>
+      <p:grpSpPr>
+        <a:xfrm>
+          <a:off x="0" y="0"/>
+          <a:ext cx="0" cy="0"/>
+          <a:chOff x="0" y="0"/>
+          <a:chExt cx="0" cy="0"/>
+        </a:xfrm>
+      </p:grpSpPr>
+      <p:sp>
+        <p:nvSpPr>
+          <p:cNvPr id="2" name="标题 1"/>
+          <p:cNvSpPr>
+            <a:spLocks noGrp="1"/>
+          </p:cNvSpPr>
+          <p:nvPr>
+            <p:ph type="title"/>
+          </p:nvPr>
+        </p:nvSpPr>
+        <p:spPr/>
+        <p:txBody>
+          <a:bodyPr/>
+          <a:lstStyle/>
+          <a:p>
+            <a:r>
+              <a:rPr lang="zh-CN" altLang="en-US" dirty="0" smtClean="0"/>
+              <a:t>建立曲线：样本券</a:t>
+            </a:r>
+            <a:endParaRPr lang="zh-CN" altLang="en-US" dirty="0"/>
+          </a:p>
+        </p:txBody>
+      </p:sp>
+      <p:sp>
+        <p:nvSpPr>
+          <p:cNvPr id="3" name="文本框 2"/>
+          <p:cNvSpPr txBox="1"/>
+          <p:nvPr/>
+        </p:nvSpPr>
+        <p:spPr>
+          <a:xfrm>
+            <a:off x="467591" y="852054"/>
+            <a:ext cx="6754091" cy="3970318"/>
+          </a:xfrm>
+          <a:prstGeom prst="rect">
+            <a:avLst/>
+          </a:prstGeom>
+          <a:noFill/>
+        </p:spPr>
+        <p:txBody>
+          <a:bodyPr wrap="square" rtlCol="0">
+            <a:spAutoFit/>
+          </a:bodyPr>
+          <a:lstStyle/>
+          <a:p>
+            <a:pPr marL="285750" indent="-285750">
+              <a:lnSpc>
+                <a:spcPct val="200000"/>
+              </a:lnSpc>
+              <a:buFont typeface="Wingdings" panose="05000000000000000000" pitchFamily="2" charset="2"/>
+              <a:buChar char="Ø"/>
+            </a:pPr>
+            <a:r>
+              <a:rPr lang="zh-CN" altLang="en-US" dirty="0" smtClean="0">
+                <a:latin typeface="微软雅黑" panose="020B0503020204020204" pitchFamily="34" charset="-122"/>
+                <a:ea typeface="微软雅黑" panose="020B0503020204020204" pitchFamily="34" charset="-122"/>
+              </a:rPr>
+              <a:t>使用</a:t>
+            </a:r>
+            <a:r>
+              <a:rPr lang="en-US" altLang="zh-CN" dirty="0" smtClean="0">
+                <a:latin typeface="微软雅黑" panose="020B0503020204020204" pitchFamily="34" charset="-122"/>
+                <a:ea typeface="微软雅黑" panose="020B0503020204020204" pitchFamily="34" charset="-122"/>
+              </a:rPr>
+              <a:t>Off OTR</a:t>
+            </a:r>
+            <a:r>
+              <a:rPr lang="zh-CN" altLang="en-US" dirty="0" smtClean="0">
+                <a:latin typeface="微软雅黑" panose="020B0503020204020204" pitchFamily="34" charset="-122"/>
+                <a:ea typeface="微软雅黑" panose="020B0503020204020204" pitchFamily="34" charset="-122"/>
+              </a:rPr>
+              <a:t>债券作为样本券；</a:t>
+            </a:r>
+            <a:endParaRPr lang="en-US" altLang="zh-CN" dirty="0" smtClean="0">
+              <a:latin typeface="微软雅黑" panose="020B0503020204020204" pitchFamily="34" charset="-122"/>
+              <a:ea typeface="微软雅黑" panose="020B0503020204020204" pitchFamily="34" charset="-122"/>
+            </a:endParaRPr>
+          </a:p>
+          <a:p>
+            <a:pPr marL="285750" indent="-285750">
+              <a:lnSpc>
+                <a:spcPct val="200000"/>
+              </a:lnSpc>
+              <a:buFont typeface="Wingdings" panose="05000000000000000000" pitchFamily="2" charset="2"/>
+              <a:buChar char="Ø"/>
+            </a:pPr>
+            <a:r>
+              <a:rPr lang="zh-CN" altLang="en-US" dirty="0" smtClean="0">
+                <a:latin typeface="微软雅黑" panose="020B0503020204020204" pitchFamily="34" charset="-122"/>
+                <a:ea typeface="微软雅黑" panose="020B0503020204020204" pitchFamily="34" charset="-122"/>
+              </a:rPr>
+              <a:t>为了建立相对更长的曲线，我们加入了不十分活跃的</a:t>
+            </a:r>
+            <a:r>
+              <a:rPr lang="en-US" altLang="zh-CN" dirty="0" smtClean="0">
+                <a:latin typeface="微软雅黑" panose="020B0503020204020204" pitchFamily="34" charset="-122"/>
+                <a:ea typeface="微软雅黑" panose="020B0503020204020204" pitchFamily="34" charset="-122"/>
+              </a:rPr>
+              <a:t>Off OTR 30Y</a:t>
+            </a:r>
+            <a:r>
+              <a:rPr lang="zh-CN" altLang="en-US" dirty="0" smtClean="0">
+                <a:latin typeface="微软雅黑" panose="020B0503020204020204" pitchFamily="34" charset="-122"/>
+                <a:ea typeface="微软雅黑" panose="020B0503020204020204" pitchFamily="34" charset="-122"/>
+              </a:rPr>
+              <a:t>债券；</a:t>
+            </a:r>
+            <a:endParaRPr lang="en-US" altLang="zh-CN" dirty="0" smtClean="0">
+              <a:latin typeface="微软雅黑" panose="020B0503020204020204" pitchFamily="34" charset="-122"/>
+              <a:ea typeface="微软雅黑" panose="020B0503020204020204" pitchFamily="34" charset="-122"/>
+            </a:endParaRPr>
+          </a:p>
+          <a:p>
+            <a:pPr marL="285750" indent="-285750">
+              <a:lnSpc>
+                <a:spcPct val="200000"/>
+              </a:lnSpc>
+              <a:buFont typeface="Wingdings" panose="05000000000000000000" pitchFamily="2" charset="2"/>
+              <a:buChar char="Ø"/>
+            </a:pPr>
+            <a:r>
+              <a:rPr lang="zh-CN" altLang="en-US" dirty="0" smtClean="0">
+                <a:latin typeface="微软雅黑" panose="020B0503020204020204" pitchFamily="34" charset="-122"/>
+                <a:ea typeface="微软雅黑" panose="020B0503020204020204" pitchFamily="34" charset="-122"/>
+              </a:rPr>
+              <a:t>估值分别使用货币经纪商的报价以及来自于同花顺的银行现券报价。</a:t>
+            </a:r>
+            <a:endParaRPr lang="en-US" altLang="zh-CN" dirty="0" smtClean="0">
+              <a:latin typeface="微软雅黑" panose="020B0503020204020204" pitchFamily="34" charset="-122"/>
+              <a:ea typeface="微软雅黑" panose="020B0503020204020204" pitchFamily="34" charset="-122"/>
+            </a:endParaRPr>
+          </a:p>
+          <a:p>
+            <a:pPr marL="285750" indent="-285750">
+              <a:lnSpc>
+                <a:spcPct val="200000"/>
+              </a:lnSpc>
+              <a:buFont typeface="Wingdings" panose="05000000000000000000" pitchFamily="2" charset="2"/>
+              <a:buChar char="Ø"/>
+            </a:pPr>
+            <a:r>
+              <a:rPr lang="zh-CN" altLang="en-US" dirty="0" smtClean="0">
+                <a:latin typeface="微软雅黑" panose="020B0503020204020204" pitchFamily="34" charset="-122"/>
+                <a:ea typeface="微软雅黑" panose="020B0503020204020204" pitchFamily="34" charset="-122"/>
+              </a:rPr>
+              <a:t>货币经纪商使用</a:t>
+            </a:r>
+            <a:r>
+              <a:rPr lang="en-US" altLang="zh-CN" dirty="0" smtClean="0">
+                <a:latin typeface="微软雅黑" panose="020B0503020204020204" pitchFamily="34" charset="-122"/>
+                <a:ea typeface="微软雅黑" panose="020B0503020204020204" pitchFamily="34" charset="-122"/>
+              </a:rPr>
+              <a:t>indicative</a:t>
+            </a:r>
+            <a:r>
+              <a:rPr lang="zh-CN" altLang="en-US" dirty="0" smtClean="0">
+                <a:latin typeface="微软雅黑" panose="020B0503020204020204" pitchFamily="34" charset="-122"/>
+                <a:ea typeface="微软雅黑" panose="020B0503020204020204" pitchFamily="34" charset="-122"/>
+              </a:rPr>
+              <a:t>价格；银行间现券使用报买卖中间价。</a:t>
+            </a:r>
+            <a:endParaRPr lang="zh-CN" altLang="en-US" dirty="0">
+              <a:latin typeface="微软雅黑" panose="020B0503020204020204" pitchFamily="34" charset="-122"/>
+              <a:ea typeface="微软雅黑" panose="020B0503020204020204" pitchFamily="34" charset="-122"/>
+            </a:endParaRPr>
+          </a:p>
+        </p:txBody>
+      </p:sp>
+    </p:spTree>
+    <p:extLst>
+      <p:ext uri="{BB962C8B-B14F-4D97-AF65-F5344CB8AC3E}">
+        <p14:creationId xmlns:p14="http://schemas.microsoft.com/office/powerpoint/2010/main" val="3676363451"/>
+      </p:ext>
+    </p:extLst>
+  </p:cSld>
+  <p:clrMapOvr>
+    <a:masterClrMapping/>
+  </p:clrMapOvr>
+  <p:timing>
+    <p:tnLst>
+      <p:par>
+        <p:cTn id="1" dur="indefinite" restart="never" nodeType="tmRoot"/>
+      </p:par>
+    </p:tnLst>
+  </p:timing>
+</p:sld>
+</file>
+
+<file path=ppt/slides/slide12.xml><?xml version="1.0" encoding="utf-8"?>
+<p:sld xmlns:a="http://schemas.openxmlformats.org/drawingml/2006/main" xmlns:r="http://schemas.openxmlformats.org/officeDocument/2006/relationships" xmlns:p="http://schemas.openxmlformats.org/presentationml/2006/main">
+  <p:cSld>
+    <p:spTree>
+      <p:nvGrpSpPr>
+        <p:cNvPr id="1" name=""/>
+        <p:cNvGrpSpPr/>
+        <p:nvPr/>
+      </p:nvGrpSpPr>
+      <p:grpSpPr>
+        <a:xfrm>
+          <a:off x="0" y="0"/>
+          <a:ext cx="0" cy="0"/>
+          <a:chOff x="0" y="0"/>
+          <a:chExt cx="0" cy="0"/>
+        </a:xfrm>
+      </p:grpSpPr>
+      <p:sp>
+        <p:nvSpPr>
+          <p:cNvPr id="2" name="标题 1"/>
+          <p:cNvSpPr>
+            <a:spLocks noGrp="1"/>
+          </p:cNvSpPr>
+          <p:nvPr>
+            <p:ph type="title"/>
+          </p:nvPr>
+        </p:nvSpPr>
         <p:spPr>
           <a:xfrm>
             <a:off x="331470" y="270148"/>
@@ -21525,7 +22634,7 @@
 </p:sld>
 </file>
 
-<file path=ppt/slides/slide11.xml><?xml version="1.0" encoding="utf-8"?>
+<file path=ppt/slides/slide13.xml><?xml version="1.0" encoding="utf-8"?>
 <p:sld xmlns:a="http://schemas.openxmlformats.org/drawingml/2006/main" xmlns:r="http://schemas.openxmlformats.org/officeDocument/2006/relationships" xmlns:p="http://schemas.openxmlformats.org/presentationml/2006/main">
   <p:cSld>
     <p:spTree>
@@ -21692,7 +22801,7 @@
 </p:sld>
 </file>
 
-<file path=ppt/slides/slide12.xml><?xml version="1.0" encoding="utf-8"?>
+<file path=ppt/slides/slide14.xml><?xml version="1.0" encoding="utf-8"?>
 <p:sld xmlns:a="http://schemas.openxmlformats.org/drawingml/2006/main" xmlns:r="http://schemas.openxmlformats.org/officeDocument/2006/relationships" xmlns:p="http://schemas.openxmlformats.org/presentationml/2006/main">
   <p:cSld>
     <p:spTree>
@@ -21853,7 +22962,7 @@
 </p:sld>
 </file>
 
-<file path=ppt/slides/slide13.xml><?xml version="1.0" encoding="utf-8"?>
+<file path=ppt/slides/slide15.xml><?xml version="1.0" encoding="utf-8"?>
 <p:sld xmlns:a="http://schemas.openxmlformats.org/drawingml/2006/main" xmlns:r="http://schemas.openxmlformats.org/officeDocument/2006/relationships" xmlns:p="http://schemas.openxmlformats.org/presentationml/2006/main">
   <p:cSld>
     <p:spTree>
@@ -22059,7 +23168,7 @@
 </p:sld>
 </file>
 
-<file path=ppt/slides/slide14.xml><?xml version="1.0" encoding="utf-8"?>
+<file path=ppt/slides/slide16.xml><?xml version="1.0" encoding="utf-8"?>
 <p:sld xmlns:a="http://schemas.openxmlformats.org/drawingml/2006/main" xmlns:r="http://schemas.openxmlformats.org/officeDocument/2006/relationships" xmlns:p="http://schemas.openxmlformats.org/presentationml/2006/main">
   <p:cSld>
     <p:spTree>
@@ -22251,7 +23360,7 @@
 </p:sld>
 </file>
 
-<file path=ppt/slides/slide15.xml><?xml version="1.0" encoding="utf-8"?>
+<file path=ppt/slides/slide17.xml><?xml version="1.0" encoding="utf-8"?>
 <p:sld xmlns:a="http://schemas.openxmlformats.org/drawingml/2006/main" xmlns:r="http://schemas.openxmlformats.org/officeDocument/2006/relationships" xmlns:p="http://schemas.openxmlformats.org/presentationml/2006/main">
   <p:cSld>
     <p:spTree>
@@ -22482,454 +23591,6 @@
     <p:extLst>
       <p:ext uri="{BB962C8B-B14F-4D97-AF65-F5344CB8AC3E}">
         <p14:creationId xmlns:p14="http://schemas.microsoft.com/office/powerpoint/2010/main" val="2692442281"/>
-      </p:ext>
-    </p:extLst>
-  </p:cSld>
-  <p:clrMapOvr>
-    <a:masterClrMapping/>
-  </p:clrMapOvr>
-  <p:timing>
-    <p:tnLst>
-      <p:par>
-        <p:cTn id="1" dur="indefinite" restart="never" nodeType="tmRoot"/>
-      </p:par>
-    </p:tnLst>
-  </p:timing>
-</p:sld>
-</file>
-
-<file path=ppt/slides/slide16.xml><?xml version="1.0" encoding="utf-8"?>
-<p:sld xmlns:a="http://schemas.openxmlformats.org/drawingml/2006/main" xmlns:r="http://schemas.openxmlformats.org/officeDocument/2006/relationships" xmlns:p="http://schemas.openxmlformats.org/presentationml/2006/main">
-  <p:cSld>
-    <p:spTree>
-      <p:nvGrpSpPr>
-        <p:cNvPr id="1" name=""/>
-        <p:cNvGrpSpPr/>
-        <p:nvPr/>
-      </p:nvGrpSpPr>
-      <p:grpSpPr>
-        <a:xfrm>
-          <a:off x="0" y="0"/>
-          <a:ext cx="0" cy="0"/>
-          <a:chOff x="0" y="0"/>
-          <a:chExt cx="0" cy="0"/>
-        </a:xfrm>
-      </p:grpSpPr>
-      <p:sp>
-        <p:nvSpPr>
-          <p:cNvPr id="2" name="标题 1"/>
-          <p:cNvSpPr>
-            <a:spLocks noGrp="1"/>
-          </p:cNvSpPr>
-          <p:nvPr>
-            <p:ph type="title"/>
-          </p:nvPr>
-        </p:nvSpPr>
-        <p:spPr/>
-        <p:txBody>
-          <a:bodyPr/>
-          <a:lstStyle/>
-          <a:p>
-            <a:r>
-              <a:rPr lang="zh-CN" altLang="en-US" dirty="0"/>
-              <a:t>曲线</a:t>
-            </a:r>
-            <a:r>
-              <a:rPr lang="zh-CN" altLang="en-US" dirty="0" smtClean="0"/>
-              <a:t>评估：银行间现券报价</a:t>
-            </a:r>
-            <a:endParaRPr lang="zh-CN" altLang="en-US" dirty="0"/>
-          </a:p>
-        </p:txBody>
-      </p:sp>
-      <p:sp>
-        <p:nvSpPr>
-          <p:cNvPr id="3" name="文本框 2"/>
-          <p:cNvSpPr txBox="1"/>
-          <p:nvPr/>
-        </p:nvSpPr>
-        <p:spPr>
-          <a:xfrm>
-            <a:off x="331470" y="997527"/>
-            <a:ext cx="7929303" cy="2585323"/>
-          </a:xfrm>
-          <a:prstGeom prst="rect">
-            <a:avLst/>
-          </a:prstGeom>
-          <a:noFill/>
-        </p:spPr>
-        <p:txBody>
-          <a:bodyPr wrap="square" rtlCol="0">
-            <a:spAutoFit/>
-          </a:bodyPr>
-          <a:lstStyle/>
-          <a:p>
-            <a:pPr marL="285750" indent="-285750">
-              <a:lnSpc>
-                <a:spcPct val="150000"/>
-              </a:lnSpc>
-              <a:buFont typeface="Wingdings" panose="05000000000000000000" pitchFamily="2" charset="2"/>
-              <a:buChar char="Ø"/>
-            </a:pPr>
-            <a:r>
-              <a:rPr lang="zh-CN" altLang="en-US" dirty="0" smtClean="0">
-                <a:latin typeface="微软雅黑" panose="020B0503020204020204" pitchFamily="34" charset="-122"/>
-                <a:ea typeface="微软雅黑" panose="020B0503020204020204" pitchFamily="34" charset="-122"/>
-              </a:rPr>
-              <a:t>优势</a:t>
-            </a:r>
-            <a:endParaRPr lang="en-US" altLang="zh-CN" dirty="0" smtClean="0">
-              <a:latin typeface="微软雅黑" panose="020B0503020204020204" pitchFamily="34" charset="-122"/>
-              <a:ea typeface="微软雅黑" panose="020B0503020204020204" pitchFamily="34" charset="-122"/>
-            </a:endParaRPr>
-          </a:p>
-          <a:p>
-            <a:pPr marL="742950" lvl="1" indent="-285750">
-              <a:lnSpc>
-                <a:spcPct val="150000"/>
-              </a:lnSpc>
-              <a:buFont typeface="Wingdings" panose="05000000000000000000" pitchFamily="2" charset="2"/>
-              <a:buChar char="l"/>
-            </a:pPr>
-            <a:r>
-              <a:rPr lang="zh-CN" altLang="en-US" dirty="0" smtClean="0">
-                <a:latin typeface="微软雅黑" panose="020B0503020204020204" pitchFamily="34" charset="-122"/>
-                <a:ea typeface="微软雅黑" panose="020B0503020204020204" pitchFamily="34" charset="-122"/>
-              </a:rPr>
-              <a:t>可以做成实时曲线，更新频繁；</a:t>
-            </a:r>
-            <a:endParaRPr lang="en-US" altLang="zh-CN" dirty="0" smtClean="0">
-              <a:latin typeface="微软雅黑" panose="020B0503020204020204" pitchFamily="34" charset="-122"/>
-              <a:ea typeface="微软雅黑" panose="020B0503020204020204" pitchFamily="34" charset="-122"/>
-            </a:endParaRPr>
-          </a:p>
-          <a:p>
-            <a:pPr marL="742950" lvl="1" indent="-285750">
-              <a:lnSpc>
-                <a:spcPct val="150000"/>
-              </a:lnSpc>
-              <a:buFont typeface="Wingdings" panose="05000000000000000000" pitchFamily="2" charset="2"/>
-              <a:buChar char="l"/>
-            </a:pPr>
-            <a:r>
-              <a:rPr lang="zh-CN" altLang="en-US" dirty="0" smtClean="0">
-                <a:latin typeface="微软雅黑" panose="020B0503020204020204" pitchFamily="34" charset="-122"/>
-                <a:ea typeface="微软雅黑" panose="020B0503020204020204" pitchFamily="34" charset="-122"/>
-              </a:rPr>
-              <a:t>曲线平滑性很好。</a:t>
-            </a:r>
-            <a:endParaRPr lang="en-US" altLang="zh-CN" dirty="0" smtClean="0">
-              <a:latin typeface="微软雅黑" panose="020B0503020204020204" pitchFamily="34" charset="-122"/>
-              <a:ea typeface="微软雅黑" panose="020B0503020204020204" pitchFamily="34" charset="-122"/>
-            </a:endParaRPr>
-          </a:p>
-          <a:p>
-            <a:pPr marL="285750" indent="-285750">
-              <a:lnSpc>
-                <a:spcPct val="150000"/>
-              </a:lnSpc>
-              <a:buFont typeface="Wingdings" panose="05000000000000000000" pitchFamily="2" charset="2"/>
-              <a:buChar char="Ø"/>
-            </a:pPr>
-            <a:r>
-              <a:rPr lang="zh-CN" altLang="en-US" dirty="0" smtClean="0">
-                <a:latin typeface="微软雅黑" panose="020B0503020204020204" pitchFamily="34" charset="-122"/>
-                <a:ea typeface="微软雅黑" panose="020B0503020204020204" pitchFamily="34" charset="-122"/>
-              </a:rPr>
-              <a:t>劣势</a:t>
-            </a:r>
-            <a:endParaRPr lang="en-US" altLang="zh-CN" dirty="0" smtClean="0">
-              <a:latin typeface="微软雅黑" panose="020B0503020204020204" pitchFamily="34" charset="-122"/>
-              <a:ea typeface="微软雅黑" panose="020B0503020204020204" pitchFamily="34" charset="-122"/>
-            </a:endParaRPr>
-          </a:p>
-          <a:p>
-            <a:pPr marL="742950" lvl="1" indent="-285750">
-              <a:lnSpc>
-                <a:spcPct val="150000"/>
-              </a:lnSpc>
-              <a:buFont typeface="Wingdings" panose="05000000000000000000" pitchFamily="2" charset="2"/>
-              <a:buChar char="l"/>
-            </a:pPr>
-            <a:r>
-              <a:rPr lang="zh-CN" altLang="en-US" dirty="0">
-                <a:latin typeface="微软雅黑" panose="020B0503020204020204" pitchFamily="34" charset="-122"/>
-                <a:ea typeface="微软雅黑" panose="020B0503020204020204" pitchFamily="34" charset="-122"/>
-              </a:rPr>
-              <a:t>长期</a:t>
-            </a:r>
-            <a:r>
-              <a:rPr lang="zh-CN" altLang="en-US" dirty="0" smtClean="0">
-                <a:latin typeface="微软雅黑" panose="020B0503020204020204" pitchFamily="34" charset="-122"/>
-                <a:ea typeface="微软雅黑" panose="020B0503020204020204" pitchFamily="34" charset="-122"/>
-              </a:rPr>
-              <a:t>端报价严重不足；</a:t>
-            </a:r>
-            <a:endParaRPr lang="en-US" altLang="zh-CN" dirty="0" smtClean="0">
-              <a:latin typeface="微软雅黑" panose="020B0503020204020204" pitchFamily="34" charset="-122"/>
-              <a:ea typeface="微软雅黑" panose="020B0503020204020204" pitchFamily="34" charset="-122"/>
-            </a:endParaRPr>
-          </a:p>
-          <a:p>
-            <a:pPr marL="742950" lvl="1" indent="-285750">
-              <a:lnSpc>
-                <a:spcPct val="150000"/>
-              </a:lnSpc>
-              <a:buFont typeface="Wingdings" panose="05000000000000000000" pitchFamily="2" charset="2"/>
-              <a:buChar char="l"/>
-            </a:pPr>
-            <a:r>
-              <a:rPr lang="zh-CN" altLang="en-US" dirty="0">
-                <a:latin typeface="微软雅黑" panose="020B0503020204020204" pitchFamily="34" charset="-122"/>
-                <a:ea typeface="微软雅黑" panose="020B0503020204020204" pitchFamily="34" charset="-122"/>
-              </a:rPr>
-              <a:t>难以</a:t>
-            </a:r>
-            <a:r>
-              <a:rPr lang="zh-CN" altLang="en-US" dirty="0" smtClean="0">
-                <a:latin typeface="微软雅黑" panose="020B0503020204020204" pitchFamily="34" charset="-122"/>
-                <a:ea typeface="微软雅黑" panose="020B0503020204020204" pitchFamily="34" charset="-122"/>
-              </a:rPr>
-              <a:t>排除不合理报价。</a:t>
-            </a:r>
-            <a:endParaRPr lang="en-US" altLang="zh-CN" dirty="0" smtClean="0">
-              <a:latin typeface="微软雅黑" panose="020B0503020204020204" pitchFamily="34" charset="-122"/>
-              <a:ea typeface="微软雅黑" panose="020B0503020204020204" pitchFamily="34" charset="-122"/>
-            </a:endParaRPr>
-          </a:p>
-        </p:txBody>
-      </p:sp>
-    </p:spTree>
-    <p:extLst>
-      <p:ext uri="{BB962C8B-B14F-4D97-AF65-F5344CB8AC3E}">
-        <p14:creationId xmlns:p14="http://schemas.microsoft.com/office/powerpoint/2010/main" val="3493827130"/>
-      </p:ext>
-    </p:extLst>
-  </p:cSld>
-  <p:clrMapOvr>
-    <a:masterClrMapping/>
-  </p:clrMapOvr>
-  <p:timing>
-    <p:tnLst>
-      <p:par>
-        <p:cTn id="1" dur="indefinite" restart="never" nodeType="tmRoot"/>
-      </p:par>
-    </p:tnLst>
-  </p:timing>
-</p:sld>
-</file>
-
-<file path=ppt/slides/slide17.xml><?xml version="1.0" encoding="utf-8"?>
-<p:sld xmlns:a="http://schemas.openxmlformats.org/drawingml/2006/main" xmlns:r="http://schemas.openxmlformats.org/officeDocument/2006/relationships" xmlns:p="http://schemas.openxmlformats.org/presentationml/2006/main">
-  <p:cSld>
-    <p:spTree>
-      <p:nvGrpSpPr>
-        <p:cNvPr id="1" name=""/>
-        <p:cNvGrpSpPr/>
-        <p:nvPr/>
-      </p:nvGrpSpPr>
-      <p:grpSpPr>
-        <a:xfrm>
-          <a:off x="0" y="0"/>
-          <a:ext cx="0" cy="0"/>
-          <a:chOff x="0" y="0"/>
-          <a:chExt cx="0" cy="0"/>
-        </a:xfrm>
-      </p:grpSpPr>
-      <p:sp>
-        <p:nvSpPr>
-          <p:cNvPr id="2" name="标题 1"/>
-          <p:cNvSpPr>
-            <a:spLocks noGrp="1"/>
-          </p:cNvSpPr>
-          <p:nvPr>
-            <p:ph type="title"/>
-          </p:nvPr>
-        </p:nvSpPr>
-        <p:spPr/>
-        <p:txBody>
-          <a:bodyPr/>
-          <a:lstStyle/>
-          <a:p>
-            <a:r>
-              <a:rPr lang="zh-CN" altLang="en-US" dirty="0"/>
-              <a:t>曲线</a:t>
-            </a:r>
-            <a:r>
-              <a:rPr lang="zh-CN" altLang="en-US" dirty="0" smtClean="0"/>
-              <a:t>评估：中债</a:t>
-            </a:r>
-            <a:endParaRPr lang="zh-CN" altLang="en-US" dirty="0"/>
-          </a:p>
-        </p:txBody>
-      </p:sp>
-      <p:sp>
-        <p:nvSpPr>
-          <p:cNvPr id="3" name="文本框 2"/>
-          <p:cNvSpPr txBox="1"/>
-          <p:nvPr/>
-        </p:nvSpPr>
-        <p:spPr>
-          <a:xfrm>
-            <a:off x="331470" y="997527"/>
-            <a:ext cx="7929303" cy="3000821"/>
-          </a:xfrm>
-          <a:prstGeom prst="rect">
-            <a:avLst/>
-          </a:prstGeom>
-          <a:noFill/>
-        </p:spPr>
-        <p:txBody>
-          <a:bodyPr wrap="square" rtlCol="0">
-            <a:spAutoFit/>
-          </a:bodyPr>
-          <a:lstStyle/>
-          <a:p>
-            <a:pPr marL="285750" indent="-285750">
-              <a:lnSpc>
-                <a:spcPct val="150000"/>
-              </a:lnSpc>
-              <a:buFont typeface="Wingdings" panose="05000000000000000000" pitchFamily="2" charset="2"/>
-              <a:buChar char="Ø"/>
-            </a:pPr>
-            <a:r>
-              <a:rPr lang="zh-CN" altLang="en-US" dirty="0" smtClean="0">
-                <a:latin typeface="微软雅黑" panose="020B0503020204020204" pitchFamily="34" charset="-122"/>
-                <a:ea typeface="微软雅黑" panose="020B0503020204020204" pitchFamily="34" charset="-122"/>
-              </a:rPr>
-              <a:t>优势</a:t>
-            </a:r>
-            <a:endParaRPr lang="en-US" altLang="zh-CN" dirty="0" smtClean="0">
-              <a:latin typeface="微软雅黑" panose="020B0503020204020204" pitchFamily="34" charset="-122"/>
-              <a:ea typeface="微软雅黑" panose="020B0503020204020204" pitchFamily="34" charset="-122"/>
-            </a:endParaRPr>
-          </a:p>
-          <a:p>
-            <a:pPr marL="742950" lvl="1" indent="-285750">
-              <a:lnSpc>
-                <a:spcPct val="150000"/>
-              </a:lnSpc>
-              <a:buFont typeface="Wingdings" panose="05000000000000000000" pitchFamily="2" charset="2"/>
-              <a:buChar char="l"/>
-            </a:pPr>
-            <a:r>
-              <a:rPr lang="zh-CN" altLang="en-US" dirty="0" smtClean="0">
-                <a:latin typeface="微软雅黑" panose="020B0503020204020204" pitchFamily="34" charset="-122"/>
-                <a:ea typeface="微软雅黑" panose="020B0503020204020204" pitchFamily="34" charset="-122"/>
-              </a:rPr>
-              <a:t>市场基准；</a:t>
-            </a:r>
-            <a:endParaRPr lang="en-US" altLang="zh-CN" dirty="0" smtClean="0">
-              <a:latin typeface="微软雅黑" panose="020B0503020204020204" pitchFamily="34" charset="-122"/>
-              <a:ea typeface="微软雅黑" panose="020B0503020204020204" pitchFamily="34" charset="-122"/>
-            </a:endParaRPr>
-          </a:p>
-          <a:p>
-            <a:pPr marL="742950" lvl="1" indent="-285750">
-              <a:lnSpc>
-                <a:spcPct val="150000"/>
-              </a:lnSpc>
-              <a:buFont typeface="Wingdings" panose="05000000000000000000" pitchFamily="2" charset="2"/>
-              <a:buChar char="l"/>
-            </a:pPr>
-            <a:r>
-              <a:rPr lang="zh-CN" altLang="en-US" dirty="0" smtClean="0">
-                <a:latin typeface="微软雅黑" panose="020B0503020204020204" pitchFamily="34" charset="-122"/>
-                <a:ea typeface="微软雅黑" panose="020B0503020204020204" pitchFamily="34" charset="-122"/>
-              </a:rPr>
-              <a:t>期限范围大。</a:t>
-            </a:r>
-            <a:endParaRPr lang="en-US" altLang="zh-CN" dirty="0" smtClean="0">
-              <a:latin typeface="微软雅黑" panose="020B0503020204020204" pitchFamily="34" charset="-122"/>
-              <a:ea typeface="微软雅黑" panose="020B0503020204020204" pitchFamily="34" charset="-122"/>
-            </a:endParaRPr>
-          </a:p>
-          <a:p>
-            <a:pPr marL="285750" indent="-285750">
-              <a:lnSpc>
-                <a:spcPct val="150000"/>
-              </a:lnSpc>
-              <a:buFont typeface="Wingdings" panose="05000000000000000000" pitchFamily="2" charset="2"/>
-              <a:buChar char="Ø"/>
-            </a:pPr>
-            <a:r>
-              <a:rPr lang="zh-CN" altLang="en-US" dirty="0" smtClean="0">
-                <a:latin typeface="微软雅黑" panose="020B0503020204020204" pitchFamily="34" charset="-122"/>
-                <a:ea typeface="微软雅黑" panose="020B0503020204020204" pitchFamily="34" charset="-122"/>
-              </a:rPr>
-              <a:t>劣势</a:t>
-            </a:r>
-            <a:endParaRPr lang="en-US" altLang="zh-CN" dirty="0" smtClean="0">
-              <a:latin typeface="微软雅黑" panose="020B0503020204020204" pitchFamily="34" charset="-122"/>
-              <a:ea typeface="微软雅黑" panose="020B0503020204020204" pitchFamily="34" charset="-122"/>
-            </a:endParaRPr>
-          </a:p>
-          <a:p>
-            <a:pPr marL="742950" lvl="1" indent="-285750">
-              <a:lnSpc>
-                <a:spcPct val="150000"/>
-              </a:lnSpc>
-              <a:buFont typeface="Wingdings" panose="05000000000000000000" pitchFamily="2" charset="2"/>
-              <a:buChar char="l"/>
-            </a:pPr>
-            <a:r>
-              <a:rPr lang="zh-CN" altLang="en-US" dirty="0" smtClean="0">
-                <a:latin typeface="微软雅黑" panose="020B0503020204020204" pitchFamily="34" charset="-122"/>
-                <a:ea typeface="微软雅黑" panose="020B0503020204020204" pitchFamily="34" charset="-122"/>
-              </a:rPr>
-              <a:t>每日只盘后更新，无法及时用于交易；</a:t>
-            </a:r>
-            <a:endParaRPr lang="en-US" altLang="zh-CN" dirty="0" smtClean="0">
-              <a:latin typeface="微软雅黑" panose="020B0503020204020204" pitchFamily="34" charset="-122"/>
-              <a:ea typeface="微软雅黑" panose="020B0503020204020204" pitchFamily="34" charset="-122"/>
-            </a:endParaRPr>
-          </a:p>
-          <a:p>
-            <a:pPr marL="742950" lvl="1" indent="-285750">
-              <a:lnSpc>
-                <a:spcPct val="150000"/>
-              </a:lnSpc>
-              <a:buFont typeface="Wingdings" panose="05000000000000000000" pitchFamily="2" charset="2"/>
-              <a:buChar char="l"/>
-            </a:pPr>
-            <a:r>
-              <a:rPr lang="zh-CN" altLang="en-US" dirty="0" smtClean="0">
-                <a:latin typeface="微软雅黑" panose="020B0503020204020204" pitchFamily="34" charset="-122"/>
-                <a:ea typeface="微软雅黑" panose="020B0503020204020204" pitchFamily="34" charset="-122"/>
-              </a:rPr>
-              <a:t>黑盒子，无法知悉其具体的基准券；</a:t>
-            </a:r>
-            <a:endParaRPr lang="en-US" altLang="zh-CN" dirty="0" smtClean="0">
-              <a:latin typeface="微软雅黑" panose="020B0503020204020204" pitchFamily="34" charset="-122"/>
-              <a:ea typeface="微软雅黑" panose="020B0503020204020204" pitchFamily="34" charset="-122"/>
-            </a:endParaRPr>
-          </a:p>
-          <a:p>
-            <a:pPr marL="742950" lvl="1" indent="-285750">
-              <a:lnSpc>
-                <a:spcPct val="150000"/>
-              </a:lnSpc>
-              <a:buFont typeface="Wingdings" panose="05000000000000000000" pitchFamily="2" charset="2"/>
-              <a:buChar char="l"/>
-            </a:pPr>
-            <a:r>
-              <a:rPr lang="zh-CN" altLang="en-US" dirty="0" smtClean="0">
-                <a:latin typeface="微软雅黑" panose="020B0503020204020204" pitchFamily="34" charset="-122"/>
-                <a:ea typeface="微软雅黑" panose="020B0503020204020204" pitchFamily="34" charset="-122"/>
-              </a:rPr>
-              <a:t>曲线的形状不够光滑，不符合直观。</a:t>
-            </a:r>
-            <a:endParaRPr lang="en-US" altLang="zh-CN" dirty="0" smtClean="0">
-              <a:latin typeface="微软雅黑" panose="020B0503020204020204" pitchFamily="34" charset="-122"/>
-              <a:ea typeface="微软雅黑" panose="020B0503020204020204" pitchFamily="34" charset="-122"/>
-            </a:endParaRPr>
-          </a:p>
-        </p:txBody>
-      </p:sp>
-    </p:spTree>
-    <p:extLst>
-      <p:ext uri="{BB962C8B-B14F-4D97-AF65-F5344CB8AC3E}">
-        <p14:creationId xmlns:p14="http://schemas.microsoft.com/office/powerpoint/2010/main" val="658046243"/>
       </p:ext>
     </p:extLst>
   </p:cSld>
@@ -22979,8 +23640,12 @@
           <a:lstStyle/>
           <a:p>
             <a:r>
+              <a:rPr lang="zh-CN" altLang="en-US" dirty="0"/>
+              <a:t>曲线</a:t>
+            </a:r>
+            <a:r>
               <a:rPr lang="zh-CN" altLang="en-US" dirty="0" smtClean="0"/>
-              <a:t>流动性溢价：方法</a:t>
+              <a:t>评估：银行间现券报价</a:t>
             </a:r>
             <a:endParaRPr lang="zh-CN" altLang="en-US" dirty="0"/>
           </a:p>
@@ -22994,8 +23659,8 @@
         </p:nvSpPr>
         <p:spPr>
           <a:xfrm>
-            <a:off x="331470" y="1018309"/>
-            <a:ext cx="5955030" cy="3416320"/>
+            <a:off x="331470" y="997527"/>
+            <a:ext cx="7929303" cy="2585323"/>
           </a:xfrm>
           <a:prstGeom prst="rect">
             <a:avLst/>
@@ -23010,7 +23675,7 @@
           <a:p>
             <a:pPr marL="285750" indent="-285750">
               <a:lnSpc>
-                <a:spcPct val="200000"/>
+                <a:spcPct val="150000"/>
               </a:lnSpc>
               <a:buFont typeface="Wingdings" panose="05000000000000000000" pitchFamily="2" charset="2"/>
               <a:buChar char="Ø"/>
@@ -23020,7 +23685,47 @@
                 <a:latin typeface="微软雅黑" panose="020B0503020204020204" pitchFamily="34" charset="-122"/>
                 <a:ea typeface="微软雅黑" panose="020B0503020204020204" pitchFamily="34" charset="-122"/>
               </a:rPr>
-              <a:t>使用经纪商以及银行间报价收益率曲线；</a:t>
+              <a:t>优势</a:t>
+            </a:r>
+            <a:endParaRPr lang="en-US" altLang="zh-CN" dirty="0" smtClean="0">
+              <a:latin typeface="微软雅黑" panose="020B0503020204020204" pitchFamily="34" charset="-122"/>
+              <a:ea typeface="微软雅黑" panose="020B0503020204020204" pitchFamily="34" charset="-122"/>
+            </a:endParaRPr>
+          </a:p>
+          <a:p>
+            <a:pPr marL="742950" lvl="1" indent="-285750">
+              <a:lnSpc>
+                <a:spcPct val="150000"/>
+              </a:lnSpc>
+              <a:buFont typeface="Wingdings" panose="05000000000000000000" pitchFamily="2" charset="2"/>
+              <a:buChar char="l"/>
+            </a:pPr>
+            <a:r>
+              <a:rPr lang="zh-CN" altLang="en-US" dirty="0" smtClean="0">
+                <a:latin typeface="微软雅黑" panose="020B0503020204020204" pitchFamily="34" charset="-122"/>
+                <a:ea typeface="微软雅黑" panose="020B0503020204020204" pitchFamily="34" charset="-122"/>
+              </a:rPr>
+              <a:t>可以做成实时曲线，更新频繁；</a:t>
+            </a:r>
+            <a:endParaRPr lang="en-US" altLang="zh-CN" dirty="0" smtClean="0">
+              <a:latin typeface="微软雅黑" panose="020B0503020204020204" pitchFamily="34" charset="-122"/>
+              <a:ea typeface="微软雅黑" panose="020B0503020204020204" pitchFamily="34" charset="-122"/>
+            </a:endParaRPr>
+          </a:p>
+          <a:p>
+            <a:pPr marL="742950" lvl="1" indent="-285750">
+              <a:lnSpc>
+                <a:spcPct val="150000"/>
+              </a:lnSpc>
+              <a:buFont typeface="Wingdings" panose="05000000000000000000" pitchFamily="2" charset="2"/>
+              <a:buChar char="l"/>
+            </a:pPr>
+            <a:r>
+              <a:rPr lang="zh-CN" altLang="en-US" dirty="0" smtClean="0">
+                <a:latin typeface="微软雅黑" panose="020B0503020204020204" pitchFamily="34" charset="-122"/>
+                <a:ea typeface="微软雅黑" panose="020B0503020204020204" pitchFamily="34" charset="-122"/>
+              </a:rPr>
+              <a:t>曲线平滑性很好。</a:t>
             </a:r>
             <a:endParaRPr lang="en-US" altLang="zh-CN" dirty="0" smtClean="0">
               <a:latin typeface="微软雅黑" panose="020B0503020204020204" pitchFamily="34" charset="-122"/>
@@ -23030,7 +23735,7 @@
           <a:p>
             <a:pPr marL="285750" indent="-285750">
               <a:lnSpc>
-                <a:spcPct val="200000"/>
+                <a:spcPct val="150000"/>
               </a:lnSpc>
               <a:buFont typeface="Wingdings" panose="05000000000000000000" pitchFamily="2" charset="2"/>
               <a:buChar char="Ø"/>
@@ -23040,179 +23745,7 @@
                 <a:latin typeface="微软雅黑" panose="020B0503020204020204" pitchFamily="34" charset="-122"/>
                 <a:ea typeface="微软雅黑" panose="020B0503020204020204" pitchFamily="34" charset="-122"/>
               </a:rPr>
-              <a:t>比较</a:t>
-            </a:r>
-            <a:r>
-              <a:rPr lang="en-US" altLang="zh-CN" dirty="0" smtClean="0">
-                <a:latin typeface="微软雅黑" panose="020B0503020204020204" pitchFamily="34" charset="-122"/>
-                <a:ea typeface="微软雅黑" panose="020B0503020204020204" pitchFamily="34" charset="-122"/>
-              </a:rPr>
-              <a:t>Off OTR</a:t>
-            </a:r>
-            <a:r>
-              <a:rPr lang="zh-CN" altLang="en-US" dirty="0" smtClean="0">
-                <a:latin typeface="微软雅黑" panose="020B0503020204020204" pitchFamily="34" charset="-122"/>
-                <a:ea typeface="微软雅黑" panose="020B0503020204020204" pitchFamily="34" charset="-122"/>
-              </a:rPr>
-              <a:t>债券以及</a:t>
-            </a:r>
-            <a:r>
-              <a:rPr lang="en-US" altLang="zh-CN" dirty="0" smtClean="0">
-                <a:latin typeface="微软雅黑" panose="020B0503020204020204" pitchFamily="34" charset="-122"/>
-                <a:ea typeface="微软雅黑" panose="020B0503020204020204" pitchFamily="34" charset="-122"/>
-              </a:rPr>
-              <a:t>Off </a:t>
-            </a:r>
-            <a:r>
-              <a:rPr lang="en-US" altLang="zh-CN" dirty="0" err="1" smtClean="0">
-                <a:latin typeface="微软雅黑" panose="020B0503020204020204" pitchFamily="34" charset="-122"/>
-                <a:ea typeface="微软雅黑" panose="020B0503020204020204" pitchFamily="34" charset="-122"/>
-              </a:rPr>
-              <a:t>Off</a:t>
-            </a:r>
-            <a:r>
-              <a:rPr lang="en-US" altLang="zh-CN" dirty="0" smtClean="0">
-                <a:latin typeface="微软雅黑" panose="020B0503020204020204" pitchFamily="34" charset="-122"/>
-                <a:ea typeface="微软雅黑" panose="020B0503020204020204" pitchFamily="34" charset="-122"/>
-              </a:rPr>
-              <a:t> OTR</a:t>
-            </a:r>
-            <a:r>
-              <a:rPr lang="zh-CN" altLang="en-US" dirty="0" smtClean="0">
-                <a:latin typeface="微软雅黑" panose="020B0503020204020204" pitchFamily="34" charset="-122"/>
-                <a:ea typeface="微软雅黑" panose="020B0503020204020204" pitchFamily="34" charset="-122"/>
-              </a:rPr>
-              <a:t>债券的流动性溢价；</a:t>
-            </a:r>
-            <a:endParaRPr lang="en-US" altLang="zh-CN" dirty="0">
-              <a:latin typeface="微软雅黑" panose="020B0503020204020204" pitchFamily="34" charset="-122"/>
-              <a:ea typeface="微软雅黑" panose="020B0503020204020204" pitchFamily="34" charset="-122"/>
-            </a:endParaRPr>
-          </a:p>
-          <a:p>
-            <a:pPr marL="742950" lvl="1" indent="-285750">
-              <a:lnSpc>
-                <a:spcPct val="200000"/>
-              </a:lnSpc>
-              <a:buFont typeface="Wingdings" panose="05000000000000000000" pitchFamily="2" charset="2"/>
-              <a:buChar char="l"/>
-            </a:pPr>
-            <a:r>
-              <a:rPr lang="en-US" altLang="zh-CN" dirty="0">
-                <a:latin typeface="微软雅黑" panose="020B0503020204020204" pitchFamily="34" charset="-122"/>
-                <a:ea typeface="微软雅黑" panose="020B0503020204020204" pitchFamily="34" charset="-122"/>
-              </a:rPr>
-              <a:t>Off OTR</a:t>
-            </a:r>
-            <a:r>
-              <a:rPr lang="zh-CN" altLang="en-US" dirty="0">
-                <a:latin typeface="微软雅黑" panose="020B0503020204020204" pitchFamily="34" charset="-122"/>
-                <a:ea typeface="微软雅黑" panose="020B0503020204020204" pitchFamily="34" charset="-122"/>
-              </a:rPr>
-              <a:t>与</a:t>
-            </a:r>
-            <a:r>
-              <a:rPr lang="en-US" altLang="zh-CN" dirty="0">
-                <a:latin typeface="微软雅黑" panose="020B0503020204020204" pitchFamily="34" charset="-122"/>
-                <a:ea typeface="微软雅黑" panose="020B0503020204020204" pitchFamily="34" charset="-122"/>
-              </a:rPr>
-              <a:t>Off </a:t>
-            </a:r>
-            <a:r>
-              <a:rPr lang="en-US" altLang="zh-CN" dirty="0" err="1">
-                <a:latin typeface="微软雅黑" panose="020B0503020204020204" pitchFamily="34" charset="-122"/>
-                <a:ea typeface="微软雅黑" panose="020B0503020204020204" pitchFamily="34" charset="-122"/>
-              </a:rPr>
-              <a:t>Off</a:t>
-            </a:r>
-            <a:r>
-              <a:rPr lang="en-US" altLang="zh-CN" dirty="0">
-                <a:latin typeface="微软雅黑" panose="020B0503020204020204" pitchFamily="34" charset="-122"/>
-                <a:ea typeface="微软雅黑" panose="020B0503020204020204" pitchFamily="34" charset="-122"/>
-              </a:rPr>
-              <a:t> OTR</a:t>
-            </a:r>
-            <a:r>
-              <a:rPr lang="zh-CN" altLang="en-US" dirty="0">
-                <a:latin typeface="微软雅黑" panose="020B0503020204020204" pitchFamily="34" charset="-122"/>
-                <a:ea typeface="微软雅黑" panose="020B0503020204020204" pitchFamily="34" charset="-122"/>
-              </a:rPr>
-              <a:t>流动性差距</a:t>
-            </a:r>
-            <a:r>
-              <a:rPr lang="zh-CN" altLang="en-US" dirty="0" smtClean="0">
-                <a:latin typeface="微软雅黑" panose="020B0503020204020204" pitchFamily="34" charset="-122"/>
-                <a:ea typeface="微软雅黑" panose="020B0503020204020204" pitchFamily="34" charset="-122"/>
-              </a:rPr>
-              <a:t>显著；</a:t>
-            </a:r>
-            <a:endParaRPr lang="en-US" altLang="zh-CN" dirty="0">
-              <a:latin typeface="微软雅黑" panose="020B0503020204020204" pitchFamily="34" charset="-122"/>
-              <a:ea typeface="微软雅黑" panose="020B0503020204020204" pitchFamily="34" charset="-122"/>
-            </a:endParaRPr>
-          </a:p>
-          <a:p>
-            <a:pPr marL="742950" lvl="1" indent="-285750">
-              <a:lnSpc>
-                <a:spcPct val="200000"/>
-              </a:lnSpc>
-              <a:buFont typeface="Wingdings" panose="05000000000000000000" pitchFamily="2" charset="2"/>
-              <a:buChar char="l"/>
-            </a:pPr>
-            <a:r>
-              <a:rPr lang="en-US" altLang="zh-CN" dirty="0">
-                <a:latin typeface="微软雅黑" panose="020B0503020204020204" pitchFamily="34" charset="-122"/>
-                <a:ea typeface="微软雅黑" panose="020B0503020204020204" pitchFamily="34" charset="-122"/>
-              </a:rPr>
-              <a:t>OTR</a:t>
-            </a:r>
-            <a:r>
-              <a:rPr lang="zh-CN" altLang="en-US" dirty="0">
-                <a:latin typeface="微软雅黑" panose="020B0503020204020204" pitchFamily="34" charset="-122"/>
-                <a:ea typeface="微软雅黑" panose="020B0503020204020204" pitchFamily="34" charset="-122"/>
-              </a:rPr>
-              <a:t>债券经纪商报价</a:t>
-            </a:r>
-            <a:r>
-              <a:rPr lang="zh-CN" altLang="en-US" dirty="0" smtClean="0">
-                <a:latin typeface="微软雅黑" panose="020B0503020204020204" pitchFamily="34" charset="-122"/>
-                <a:ea typeface="微软雅黑" panose="020B0503020204020204" pitchFamily="34" charset="-122"/>
-              </a:rPr>
-              <a:t>不足。</a:t>
-            </a:r>
-            <a:endParaRPr lang="en-US" altLang="zh-CN" dirty="0" smtClean="0">
-              <a:latin typeface="微软雅黑" panose="020B0503020204020204" pitchFamily="34" charset="-122"/>
-              <a:ea typeface="微软雅黑" panose="020B0503020204020204" pitchFamily="34" charset="-122"/>
-            </a:endParaRPr>
-          </a:p>
-          <a:p>
-            <a:pPr marL="285750" indent="-285750">
-              <a:lnSpc>
-                <a:spcPct val="200000"/>
-              </a:lnSpc>
-              <a:buFont typeface="Wingdings" panose="05000000000000000000" pitchFamily="2" charset="2"/>
-              <a:buChar char="Ø"/>
-            </a:pPr>
-            <a:r>
-              <a:rPr lang="zh-CN" altLang="en-US" dirty="0" smtClean="0">
-                <a:latin typeface="微软雅黑" panose="020B0503020204020204" pitchFamily="34" charset="-122"/>
-                <a:ea typeface="微软雅黑" panose="020B0503020204020204" pitchFamily="34" charset="-122"/>
-              </a:rPr>
-              <a:t>比较</a:t>
-            </a:r>
-            <a:r>
-              <a:rPr lang="en-US" altLang="zh-CN" dirty="0" smtClean="0">
-                <a:latin typeface="微软雅黑" panose="020B0503020204020204" pitchFamily="34" charset="-122"/>
-                <a:ea typeface="微软雅黑" panose="020B0503020204020204" pitchFamily="34" charset="-122"/>
-              </a:rPr>
-              <a:t>10</a:t>
-            </a:r>
-            <a:r>
-              <a:rPr lang="zh-CN" altLang="en-US" dirty="0" smtClean="0">
-                <a:latin typeface="微软雅黑" panose="020B0503020204020204" pitchFamily="34" charset="-122"/>
-                <a:ea typeface="微软雅黑" panose="020B0503020204020204" pitchFamily="34" charset="-122"/>
-              </a:rPr>
-              <a:t>年以内的期限结构。</a:t>
+              <a:t>劣势</a:t>
             </a:r>
             <a:endParaRPr lang="en-US" altLang="zh-CN" dirty="0" smtClean="0">
               <a:latin typeface="微软雅黑" panose="020B0503020204020204" pitchFamily="34" charset="-122"/>
@@ -23222,11 +23755,52 @@
           <a:p>
             <a:pPr marL="742950" lvl="1" indent="-285750">
               <a:lnSpc>
-                <a:spcPct val="200000"/>
+                <a:spcPct val="150000"/>
               </a:lnSpc>
               <a:buFont typeface="Wingdings" panose="05000000000000000000" pitchFamily="2" charset="2"/>
-              <a:buChar char="Ø"/>
+              <a:buChar char="l"/>
             </a:pPr>
+            <a:r>
+              <a:rPr lang="zh-CN" altLang="en-US" dirty="0">
+                <a:latin typeface="微软雅黑" panose="020B0503020204020204" pitchFamily="34" charset="-122"/>
+                <a:ea typeface="微软雅黑" panose="020B0503020204020204" pitchFamily="34" charset="-122"/>
+              </a:rPr>
+              <a:t>长期</a:t>
+            </a:r>
+            <a:r>
+              <a:rPr lang="zh-CN" altLang="en-US" dirty="0" smtClean="0">
+                <a:latin typeface="微软雅黑" panose="020B0503020204020204" pitchFamily="34" charset="-122"/>
+                <a:ea typeface="微软雅黑" panose="020B0503020204020204" pitchFamily="34" charset="-122"/>
+              </a:rPr>
+              <a:t>端报价严重不足；</a:t>
+            </a:r>
+            <a:endParaRPr lang="en-US" altLang="zh-CN" dirty="0" smtClean="0">
+              <a:latin typeface="微软雅黑" panose="020B0503020204020204" pitchFamily="34" charset="-122"/>
+              <a:ea typeface="微软雅黑" panose="020B0503020204020204" pitchFamily="34" charset="-122"/>
+            </a:endParaRPr>
+          </a:p>
+          <a:p>
+            <a:pPr marL="742950" lvl="1" indent="-285750">
+              <a:lnSpc>
+                <a:spcPct val="150000"/>
+              </a:lnSpc>
+              <a:buFont typeface="Wingdings" panose="05000000000000000000" pitchFamily="2" charset="2"/>
+              <a:buChar char="l"/>
+            </a:pPr>
+            <a:r>
+              <a:rPr lang="zh-CN" altLang="en-US" dirty="0">
+                <a:latin typeface="微软雅黑" panose="020B0503020204020204" pitchFamily="34" charset="-122"/>
+                <a:ea typeface="微软雅黑" panose="020B0503020204020204" pitchFamily="34" charset="-122"/>
+              </a:rPr>
+              <a:t>难以</a:t>
+            </a:r>
+            <a:r>
+              <a:rPr lang="zh-CN" altLang="en-US" dirty="0" smtClean="0">
+                <a:latin typeface="微软雅黑" panose="020B0503020204020204" pitchFamily="34" charset="-122"/>
+                <a:ea typeface="微软雅黑" panose="020B0503020204020204" pitchFamily="34" charset="-122"/>
+              </a:rPr>
+              <a:t>排除不合理报价。</a:t>
+            </a:r>
             <a:endParaRPr lang="en-US" altLang="zh-CN" dirty="0" smtClean="0">
               <a:latin typeface="微软雅黑" panose="020B0503020204020204" pitchFamily="34" charset="-122"/>
               <a:ea typeface="微软雅黑" panose="020B0503020204020204" pitchFamily="34" charset="-122"/>
@@ -23237,13 +23811,20 @@
     </p:spTree>
     <p:extLst>
       <p:ext uri="{BB962C8B-B14F-4D97-AF65-F5344CB8AC3E}">
-        <p14:creationId xmlns:p14="http://schemas.microsoft.com/office/powerpoint/2010/main" val="3531864293"/>
+        <p14:creationId xmlns:p14="http://schemas.microsoft.com/office/powerpoint/2010/main" val="3493827130"/>
       </p:ext>
     </p:extLst>
   </p:cSld>
   <p:clrMapOvr>
     <a:masterClrMapping/>
   </p:clrMapOvr>
+  <p:timing>
+    <p:tnLst>
+      <p:par>
+        <p:cTn id="1" dur="indefinite" restart="never" nodeType="tmRoot"/>
+      </p:par>
+    </p:tnLst>
+  </p:timing>
 </p:sld>
 </file>
 
@@ -23280,6 +23861,810 @@
           <a:lstStyle/>
           <a:p>
             <a:r>
+              <a:rPr lang="zh-CN" altLang="en-US" dirty="0"/>
+              <a:t>曲线</a:t>
+            </a:r>
+            <a:r>
+              <a:rPr lang="zh-CN" altLang="en-US" dirty="0" smtClean="0"/>
+              <a:t>评估：中债</a:t>
+            </a:r>
+            <a:endParaRPr lang="zh-CN" altLang="en-US" dirty="0"/>
+          </a:p>
+        </p:txBody>
+      </p:sp>
+      <p:sp>
+        <p:nvSpPr>
+          <p:cNvPr id="3" name="文本框 2"/>
+          <p:cNvSpPr txBox="1"/>
+          <p:nvPr/>
+        </p:nvSpPr>
+        <p:spPr>
+          <a:xfrm>
+            <a:off x="331470" y="997527"/>
+            <a:ext cx="7929303" cy="3000821"/>
+          </a:xfrm>
+          <a:prstGeom prst="rect">
+            <a:avLst/>
+          </a:prstGeom>
+          <a:noFill/>
+        </p:spPr>
+        <p:txBody>
+          <a:bodyPr wrap="square" rtlCol="0">
+            <a:spAutoFit/>
+          </a:bodyPr>
+          <a:lstStyle/>
+          <a:p>
+            <a:pPr marL="285750" indent="-285750">
+              <a:lnSpc>
+                <a:spcPct val="150000"/>
+              </a:lnSpc>
+              <a:buFont typeface="Wingdings" panose="05000000000000000000" pitchFamily="2" charset="2"/>
+              <a:buChar char="Ø"/>
+            </a:pPr>
+            <a:r>
+              <a:rPr lang="zh-CN" altLang="en-US" dirty="0" smtClean="0">
+                <a:latin typeface="微软雅黑" panose="020B0503020204020204" pitchFamily="34" charset="-122"/>
+                <a:ea typeface="微软雅黑" panose="020B0503020204020204" pitchFamily="34" charset="-122"/>
+              </a:rPr>
+              <a:t>优势</a:t>
+            </a:r>
+            <a:endParaRPr lang="en-US" altLang="zh-CN" dirty="0" smtClean="0">
+              <a:latin typeface="微软雅黑" panose="020B0503020204020204" pitchFamily="34" charset="-122"/>
+              <a:ea typeface="微软雅黑" panose="020B0503020204020204" pitchFamily="34" charset="-122"/>
+            </a:endParaRPr>
+          </a:p>
+          <a:p>
+            <a:pPr marL="742950" lvl="1" indent="-285750">
+              <a:lnSpc>
+                <a:spcPct val="150000"/>
+              </a:lnSpc>
+              <a:buFont typeface="Wingdings" panose="05000000000000000000" pitchFamily="2" charset="2"/>
+              <a:buChar char="l"/>
+            </a:pPr>
+            <a:r>
+              <a:rPr lang="zh-CN" altLang="en-US" dirty="0" smtClean="0">
+                <a:latin typeface="微软雅黑" panose="020B0503020204020204" pitchFamily="34" charset="-122"/>
+                <a:ea typeface="微软雅黑" panose="020B0503020204020204" pitchFamily="34" charset="-122"/>
+              </a:rPr>
+              <a:t>市场基准；</a:t>
+            </a:r>
+            <a:endParaRPr lang="en-US" altLang="zh-CN" dirty="0" smtClean="0">
+              <a:latin typeface="微软雅黑" panose="020B0503020204020204" pitchFamily="34" charset="-122"/>
+              <a:ea typeface="微软雅黑" panose="020B0503020204020204" pitchFamily="34" charset="-122"/>
+            </a:endParaRPr>
+          </a:p>
+          <a:p>
+            <a:pPr marL="742950" lvl="1" indent="-285750">
+              <a:lnSpc>
+                <a:spcPct val="150000"/>
+              </a:lnSpc>
+              <a:buFont typeface="Wingdings" panose="05000000000000000000" pitchFamily="2" charset="2"/>
+              <a:buChar char="l"/>
+            </a:pPr>
+            <a:r>
+              <a:rPr lang="zh-CN" altLang="en-US" dirty="0" smtClean="0">
+                <a:latin typeface="微软雅黑" panose="020B0503020204020204" pitchFamily="34" charset="-122"/>
+                <a:ea typeface="微软雅黑" panose="020B0503020204020204" pitchFamily="34" charset="-122"/>
+              </a:rPr>
+              <a:t>期限范围大。</a:t>
+            </a:r>
+            <a:endParaRPr lang="en-US" altLang="zh-CN" dirty="0" smtClean="0">
+              <a:latin typeface="微软雅黑" panose="020B0503020204020204" pitchFamily="34" charset="-122"/>
+              <a:ea typeface="微软雅黑" panose="020B0503020204020204" pitchFamily="34" charset="-122"/>
+            </a:endParaRPr>
+          </a:p>
+          <a:p>
+            <a:pPr marL="285750" indent="-285750">
+              <a:lnSpc>
+                <a:spcPct val="150000"/>
+              </a:lnSpc>
+              <a:buFont typeface="Wingdings" panose="05000000000000000000" pitchFamily="2" charset="2"/>
+              <a:buChar char="Ø"/>
+            </a:pPr>
+            <a:r>
+              <a:rPr lang="zh-CN" altLang="en-US" dirty="0" smtClean="0">
+                <a:latin typeface="微软雅黑" panose="020B0503020204020204" pitchFamily="34" charset="-122"/>
+                <a:ea typeface="微软雅黑" panose="020B0503020204020204" pitchFamily="34" charset="-122"/>
+              </a:rPr>
+              <a:t>劣势</a:t>
+            </a:r>
+            <a:endParaRPr lang="en-US" altLang="zh-CN" dirty="0" smtClean="0">
+              <a:latin typeface="微软雅黑" panose="020B0503020204020204" pitchFamily="34" charset="-122"/>
+              <a:ea typeface="微软雅黑" panose="020B0503020204020204" pitchFamily="34" charset="-122"/>
+            </a:endParaRPr>
+          </a:p>
+          <a:p>
+            <a:pPr marL="742950" lvl="1" indent="-285750">
+              <a:lnSpc>
+                <a:spcPct val="150000"/>
+              </a:lnSpc>
+              <a:buFont typeface="Wingdings" panose="05000000000000000000" pitchFamily="2" charset="2"/>
+              <a:buChar char="l"/>
+            </a:pPr>
+            <a:r>
+              <a:rPr lang="zh-CN" altLang="en-US" dirty="0" smtClean="0">
+                <a:latin typeface="微软雅黑" panose="020B0503020204020204" pitchFamily="34" charset="-122"/>
+                <a:ea typeface="微软雅黑" panose="020B0503020204020204" pitchFamily="34" charset="-122"/>
+              </a:rPr>
+              <a:t>每日只盘后更新，无法及时用于交易；</a:t>
+            </a:r>
+            <a:endParaRPr lang="en-US" altLang="zh-CN" dirty="0" smtClean="0">
+              <a:latin typeface="微软雅黑" panose="020B0503020204020204" pitchFamily="34" charset="-122"/>
+              <a:ea typeface="微软雅黑" panose="020B0503020204020204" pitchFamily="34" charset="-122"/>
+            </a:endParaRPr>
+          </a:p>
+          <a:p>
+            <a:pPr marL="742950" lvl="1" indent="-285750">
+              <a:lnSpc>
+                <a:spcPct val="150000"/>
+              </a:lnSpc>
+              <a:buFont typeface="Wingdings" panose="05000000000000000000" pitchFamily="2" charset="2"/>
+              <a:buChar char="l"/>
+            </a:pPr>
+            <a:r>
+              <a:rPr lang="zh-CN" altLang="en-US" dirty="0" smtClean="0">
+                <a:latin typeface="微软雅黑" panose="020B0503020204020204" pitchFamily="34" charset="-122"/>
+                <a:ea typeface="微软雅黑" panose="020B0503020204020204" pitchFamily="34" charset="-122"/>
+              </a:rPr>
+              <a:t>黑盒子，无法知悉其具体的基准券；</a:t>
+            </a:r>
+            <a:endParaRPr lang="en-US" altLang="zh-CN" dirty="0" smtClean="0">
+              <a:latin typeface="微软雅黑" panose="020B0503020204020204" pitchFamily="34" charset="-122"/>
+              <a:ea typeface="微软雅黑" panose="020B0503020204020204" pitchFamily="34" charset="-122"/>
+            </a:endParaRPr>
+          </a:p>
+          <a:p>
+            <a:pPr marL="742950" lvl="1" indent="-285750">
+              <a:lnSpc>
+                <a:spcPct val="150000"/>
+              </a:lnSpc>
+              <a:buFont typeface="Wingdings" panose="05000000000000000000" pitchFamily="2" charset="2"/>
+              <a:buChar char="l"/>
+            </a:pPr>
+            <a:r>
+              <a:rPr lang="zh-CN" altLang="en-US" dirty="0" smtClean="0">
+                <a:latin typeface="微软雅黑" panose="020B0503020204020204" pitchFamily="34" charset="-122"/>
+                <a:ea typeface="微软雅黑" panose="020B0503020204020204" pitchFamily="34" charset="-122"/>
+              </a:rPr>
+              <a:t>曲线的形状不够光滑，不符合直观。</a:t>
+            </a:r>
+            <a:endParaRPr lang="en-US" altLang="zh-CN" dirty="0" smtClean="0">
+              <a:latin typeface="微软雅黑" panose="020B0503020204020204" pitchFamily="34" charset="-122"/>
+              <a:ea typeface="微软雅黑" panose="020B0503020204020204" pitchFamily="34" charset="-122"/>
+            </a:endParaRPr>
+          </a:p>
+        </p:txBody>
+      </p:sp>
+    </p:spTree>
+    <p:extLst>
+      <p:ext uri="{BB962C8B-B14F-4D97-AF65-F5344CB8AC3E}">
+        <p14:creationId xmlns:p14="http://schemas.microsoft.com/office/powerpoint/2010/main" val="658046243"/>
+      </p:ext>
+    </p:extLst>
+  </p:cSld>
+  <p:clrMapOvr>
+    <a:masterClrMapping/>
+  </p:clrMapOvr>
+  <p:timing>
+    <p:tnLst>
+      <p:par>
+        <p:cTn id="1" dur="indefinite" restart="never" nodeType="tmRoot"/>
+      </p:par>
+    </p:tnLst>
+  </p:timing>
+</p:sld>
+</file>
+
+<file path=ppt/slides/slide2.xml><?xml version="1.0" encoding="utf-8"?>
+<p:sld xmlns:a="http://schemas.openxmlformats.org/drawingml/2006/main" xmlns:r="http://schemas.openxmlformats.org/officeDocument/2006/relationships" xmlns:p="http://schemas.openxmlformats.org/presentationml/2006/main">
+  <p:cSld>
+    <p:spTree>
+      <p:nvGrpSpPr>
+        <p:cNvPr id="1" name=""/>
+        <p:cNvGrpSpPr/>
+        <p:nvPr/>
+      </p:nvGrpSpPr>
+      <p:grpSpPr>
+        <a:xfrm>
+          <a:off x="0" y="0"/>
+          <a:ext cx="0" cy="0"/>
+          <a:chOff x="0" y="0"/>
+          <a:chExt cx="0" cy="0"/>
+        </a:xfrm>
+      </p:grpSpPr>
+      <p:sp>
+        <p:nvSpPr>
+          <p:cNvPr id="2" name="标题 1"/>
+          <p:cNvSpPr>
+            <a:spLocks noGrp="1"/>
+          </p:cNvSpPr>
+          <p:nvPr>
+            <p:ph type="title"/>
+          </p:nvPr>
+        </p:nvSpPr>
+        <p:spPr/>
+        <p:txBody>
+          <a:bodyPr/>
+          <a:lstStyle/>
+          <a:p>
+            <a:r>
+              <a:rPr lang="zh-CN" altLang="en-US" dirty="0"/>
+              <a:t>写</a:t>
+            </a:r>
+            <a:r>
+              <a:rPr lang="zh-CN" altLang="en-US" dirty="0" smtClean="0"/>
+              <a:t>在前面</a:t>
+            </a:r>
+            <a:r>
+              <a:rPr lang="en-US" altLang="zh-CN" dirty="0" smtClean="0"/>
+              <a:t>……</a:t>
+            </a:r>
+            <a:endParaRPr lang="zh-CN" altLang="en-US" dirty="0"/>
+          </a:p>
+        </p:txBody>
+      </p:sp>
+      <p:sp>
+        <p:nvSpPr>
+          <p:cNvPr id="3" name="矩形 2"/>
+          <p:cNvSpPr/>
+          <p:nvPr/>
+        </p:nvSpPr>
+        <p:spPr>
+          <a:xfrm>
+            <a:off x="331470" y="1043240"/>
+            <a:ext cx="8229600" cy="369332"/>
+          </a:xfrm>
+          <a:prstGeom prst="rect">
+            <a:avLst/>
+          </a:prstGeom>
+        </p:spPr>
+        <p:txBody>
+          <a:bodyPr wrap="square">
+            <a:spAutoFit/>
+          </a:bodyPr>
+          <a:lstStyle/>
+          <a:p>
+            <a:r>
+              <a:rPr lang="zh-CN" altLang="en-US" dirty="0" smtClean="0">
+                <a:latin typeface="微软雅黑" panose="020B0503020204020204" pitchFamily="34" charset="-122"/>
+                <a:ea typeface="微软雅黑" panose="020B0503020204020204" pitchFamily="34" charset="-122"/>
+                <a:hlinkClick r:id="rId2"/>
+              </a:rPr>
+              <a:t>债市“尝试做市商”试点分层机制 正式扩容至</a:t>
+            </a:r>
+            <a:r>
+              <a:rPr lang="en-US" altLang="zh-CN" dirty="0" smtClean="0">
+                <a:latin typeface="微软雅黑" panose="020B0503020204020204" pitchFamily="34" charset="-122"/>
+                <a:ea typeface="微软雅黑" panose="020B0503020204020204" pitchFamily="34" charset="-122"/>
+                <a:hlinkClick r:id="rId2"/>
+              </a:rPr>
+              <a:t>41</a:t>
+            </a:r>
+            <a:r>
+              <a:rPr lang="zh-CN" altLang="en-US" dirty="0" smtClean="0">
+                <a:latin typeface="微软雅黑" panose="020B0503020204020204" pitchFamily="34" charset="-122"/>
+                <a:ea typeface="微软雅黑" panose="020B0503020204020204" pitchFamily="34" charset="-122"/>
+                <a:hlinkClick r:id="rId2"/>
+              </a:rPr>
+              <a:t>家</a:t>
+            </a:r>
+            <a:endParaRPr lang="zh-CN" altLang="en-US" dirty="0">
+              <a:latin typeface="微软雅黑" panose="020B0503020204020204" pitchFamily="34" charset="-122"/>
+              <a:ea typeface="微软雅黑" panose="020B0503020204020204" pitchFamily="34" charset="-122"/>
+            </a:endParaRPr>
+          </a:p>
+        </p:txBody>
+      </p:sp>
+      <p:sp>
+        <p:nvSpPr>
+          <p:cNvPr id="4" name="文本框 3"/>
+          <p:cNvSpPr txBox="1"/>
+          <p:nvPr/>
+        </p:nvSpPr>
+        <p:spPr>
+          <a:xfrm>
+            <a:off x="414597" y="1609304"/>
+            <a:ext cx="6952557" cy="3208571"/>
+          </a:xfrm>
+          <a:prstGeom prst="rect">
+            <a:avLst/>
+          </a:prstGeom>
+          <a:noFill/>
+        </p:spPr>
+        <p:txBody>
+          <a:bodyPr wrap="square" rtlCol="0">
+            <a:spAutoFit/>
+          </a:bodyPr>
+          <a:lstStyle/>
+          <a:p>
+            <a:pPr algn="just">
+              <a:lnSpc>
+                <a:spcPct val="150000"/>
+              </a:lnSpc>
+            </a:pPr>
+            <a:r>
+              <a:rPr lang="en-US" altLang="zh-CN" sz="1500" dirty="0" smtClean="0">
+                <a:latin typeface="微软雅黑" panose="020B0503020204020204" pitchFamily="34" charset="-122"/>
+                <a:ea typeface="微软雅黑" panose="020B0503020204020204" pitchFamily="34" charset="-122"/>
+              </a:rPr>
+              <a:t>	</a:t>
+            </a:r>
+            <a:r>
+              <a:rPr lang="zh-CN" altLang="en-US" sz="1500" dirty="0" smtClean="0">
+                <a:latin typeface="微软雅黑" panose="020B0503020204020204" pitchFamily="34" charset="-122"/>
+                <a:ea typeface="微软雅黑" panose="020B0503020204020204" pitchFamily="34" charset="-122"/>
+              </a:rPr>
+              <a:t>除</a:t>
+            </a:r>
+            <a:r>
+              <a:rPr lang="zh-CN" altLang="en-US" sz="1500" dirty="0">
+                <a:latin typeface="微软雅黑" panose="020B0503020204020204" pitchFamily="34" charset="-122"/>
+                <a:ea typeface="微软雅黑" panose="020B0503020204020204" pitchFamily="34" charset="-122"/>
+              </a:rPr>
+              <a:t>上述</a:t>
+            </a:r>
+            <a:r>
+              <a:rPr lang="en-US" altLang="zh-CN" sz="1500" dirty="0">
+                <a:latin typeface="微软雅黑" panose="020B0503020204020204" pitchFamily="34" charset="-122"/>
+                <a:ea typeface="微软雅黑" panose="020B0503020204020204" pitchFamily="34" charset="-122"/>
+              </a:rPr>
+              <a:t>8</a:t>
+            </a:r>
+            <a:r>
+              <a:rPr lang="zh-CN" altLang="en-US" sz="1500" dirty="0">
+                <a:latin typeface="微软雅黑" panose="020B0503020204020204" pitchFamily="34" charset="-122"/>
+                <a:ea typeface="微软雅黑" panose="020B0503020204020204" pitchFamily="34" charset="-122"/>
+              </a:rPr>
+              <a:t>家中小银行外，还有星展、东亚、三菱东京日联、法国巴黎银行、德意志银行、瑞穗银行、恒生银行、美国银行上海分行</a:t>
+            </a:r>
+            <a:r>
+              <a:rPr lang="en-US" altLang="zh-CN" sz="1500" dirty="0">
+                <a:latin typeface="微软雅黑" panose="020B0503020204020204" pitchFamily="34" charset="-122"/>
+                <a:ea typeface="微软雅黑" panose="020B0503020204020204" pitchFamily="34" charset="-122"/>
+              </a:rPr>
+              <a:t>8</a:t>
+            </a:r>
+            <a:r>
+              <a:rPr lang="zh-CN" altLang="en-US" sz="1500" dirty="0">
+                <a:latin typeface="微软雅黑" panose="020B0503020204020204" pitchFamily="34" charset="-122"/>
+                <a:ea typeface="微软雅黑" panose="020B0503020204020204" pitchFamily="34" charset="-122"/>
+              </a:rPr>
+              <a:t>家外资银行及申银万国、广发证券、瑞银证券、第一创业证券、光大证券、国信证券、中信建投、平安证券</a:t>
+            </a:r>
+            <a:r>
+              <a:rPr lang="en-US" altLang="zh-CN" sz="1500" dirty="0">
+                <a:latin typeface="微软雅黑" panose="020B0503020204020204" pitchFamily="34" charset="-122"/>
+                <a:ea typeface="微软雅黑" panose="020B0503020204020204" pitchFamily="34" charset="-122"/>
+              </a:rPr>
+              <a:t>8</a:t>
+            </a:r>
+            <a:r>
+              <a:rPr lang="zh-CN" altLang="en-US" sz="1500" dirty="0">
+                <a:latin typeface="微软雅黑" panose="020B0503020204020204" pitchFamily="34" charset="-122"/>
+                <a:ea typeface="微软雅黑" panose="020B0503020204020204" pitchFamily="34" charset="-122"/>
+              </a:rPr>
+              <a:t>家券商亦参与上报意见。</a:t>
+            </a:r>
+            <a:r>
+              <a:rPr lang="en-US" altLang="zh-CN" sz="1500" dirty="0" smtClean="0">
+                <a:latin typeface="微软雅黑" panose="020B0503020204020204" pitchFamily="34" charset="-122"/>
+                <a:ea typeface="微软雅黑" panose="020B0503020204020204" pitchFamily="34" charset="-122"/>
+              </a:rPr>
+              <a:t>	</a:t>
+            </a:r>
+          </a:p>
+          <a:p>
+            <a:pPr algn="just">
+              <a:lnSpc>
+                <a:spcPct val="150000"/>
+              </a:lnSpc>
+            </a:pPr>
+            <a:r>
+              <a:rPr lang="en-US" altLang="zh-CN" sz="1500" dirty="0" smtClean="0">
+                <a:latin typeface="微软雅黑" panose="020B0503020204020204" pitchFamily="34" charset="-122"/>
+                <a:ea typeface="微软雅黑" panose="020B0503020204020204" pitchFamily="34" charset="-122"/>
+              </a:rPr>
+              <a:t>	</a:t>
+            </a:r>
+            <a:r>
+              <a:rPr lang="zh-CN" altLang="en-US" sz="1500" dirty="0" smtClean="0">
+                <a:latin typeface="微软雅黑" panose="020B0503020204020204" pitchFamily="34" charset="-122"/>
+                <a:ea typeface="微软雅黑" panose="020B0503020204020204" pitchFamily="34" charset="-122"/>
+              </a:rPr>
+              <a:t>根据</a:t>
+            </a:r>
+            <a:r>
+              <a:rPr lang="zh-CN" altLang="en-US" sz="1500" dirty="0">
+                <a:latin typeface="微软雅黑" panose="020B0503020204020204" pitchFamily="34" charset="-122"/>
+                <a:ea typeface="微软雅黑" panose="020B0503020204020204" pitchFamily="34" charset="-122"/>
+              </a:rPr>
+              <a:t>规程附件发布的最新尝试做市机构名单，中外资银行合计达</a:t>
+            </a:r>
+            <a:r>
+              <a:rPr lang="en-US" altLang="zh-CN" sz="1500" dirty="0">
+                <a:latin typeface="微软雅黑" panose="020B0503020204020204" pitchFamily="34" charset="-122"/>
+                <a:ea typeface="微软雅黑" panose="020B0503020204020204" pitchFamily="34" charset="-122"/>
+              </a:rPr>
+              <a:t>28</a:t>
+            </a:r>
+            <a:r>
+              <a:rPr lang="zh-CN" altLang="en-US" sz="1500" dirty="0">
+                <a:latin typeface="微软雅黑" panose="020B0503020204020204" pitchFamily="34" charset="-122"/>
+                <a:ea typeface="微软雅黑" panose="020B0503020204020204" pitchFamily="34" charset="-122"/>
+              </a:rPr>
+              <a:t>家，相较征求意见名单增加邮储银行、华夏银行、江苏银行、郑州银行、广州南粤银行、广州农村商业银行、浙商银行、上海农商银行、广州银行、盛京银行、天津银行、汇丰银行。券商达</a:t>
+            </a:r>
+            <a:r>
+              <a:rPr lang="en-US" altLang="zh-CN" sz="1500" dirty="0">
+                <a:latin typeface="微软雅黑" panose="020B0503020204020204" pitchFamily="34" charset="-122"/>
+                <a:ea typeface="微软雅黑" panose="020B0503020204020204" pitchFamily="34" charset="-122"/>
+              </a:rPr>
+              <a:t>13</a:t>
+            </a:r>
+            <a:r>
+              <a:rPr lang="zh-CN" altLang="en-US" sz="1500" dirty="0">
+                <a:latin typeface="微软雅黑" panose="020B0503020204020204" pitchFamily="34" charset="-122"/>
+                <a:ea typeface="微软雅黑" panose="020B0503020204020204" pitchFamily="34" charset="-122"/>
+              </a:rPr>
+              <a:t>家，新增东海证券、东方证券、长江证券、招商银行及中银国际。交易中心还表示，未来将及时公告尝试做市机构名单变动情况。</a:t>
+            </a:r>
+          </a:p>
+        </p:txBody>
+      </p:sp>
+    </p:spTree>
+    <p:extLst>
+      <p:ext uri="{BB962C8B-B14F-4D97-AF65-F5344CB8AC3E}">
+        <p14:creationId xmlns:p14="http://schemas.microsoft.com/office/powerpoint/2010/main" val="197008991"/>
+      </p:ext>
+    </p:extLst>
+  </p:cSld>
+  <p:clrMapOvr>
+    <a:masterClrMapping/>
+  </p:clrMapOvr>
+  <p:timing>
+    <p:tnLst>
+      <p:par>
+        <p:cTn id="1" dur="indefinite" restart="never" nodeType="tmRoot"/>
+      </p:par>
+    </p:tnLst>
+  </p:timing>
+</p:sld>
+</file>
+
+<file path=ppt/slides/slide20.xml><?xml version="1.0" encoding="utf-8"?>
+<p:sld xmlns:a="http://schemas.openxmlformats.org/drawingml/2006/main" xmlns:r="http://schemas.openxmlformats.org/officeDocument/2006/relationships" xmlns:p="http://schemas.openxmlformats.org/presentationml/2006/main">
+  <p:cSld>
+    <p:spTree>
+      <p:nvGrpSpPr>
+        <p:cNvPr id="1" name=""/>
+        <p:cNvGrpSpPr/>
+        <p:nvPr/>
+      </p:nvGrpSpPr>
+      <p:grpSpPr>
+        <a:xfrm>
+          <a:off x="0" y="0"/>
+          <a:ext cx="0" cy="0"/>
+          <a:chOff x="0" y="0"/>
+          <a:chExt cx="0" cy="0"/>
+        </a:xfrm>
+      </p:grpSpPr>
+      <p:sp>
+        <p:nvSpPr>
+          <p:cNvPr id="2" name="标题 1"/>
+          <p:cNvSpPr>
+            <a:spLocks noGrp="1"/>
+          </p:cNvSpPr>
+          <p:nvPr>
+            <p:ph type="title"/>
+          </p:nvPr>
+        </p:nvSpPr>
+        <p:spPr/>
+        <p:txBody>
+          <a:bodyPr/>
+          <a:lstStyle/>
+          <a:p>
+            <a:r>
+              <a:rPr lang="zh-CN" altLang="en-US" dirty="0" smtClean="0"/>
+              <a:t>流动性溢价：方法</a:t>
+            </a:r>
+            <a:endParaRPr lang="zh-CN" altLang="en-US" dirty="0"/>
+          </a:p>
+        </p:txBody>
+      </p:sp>
+      <p:sp>
+        <p:nvSpPr>
+          <p:cNvPr id="3" name="文本框 2"/>
+          <p:cNvSpPr txBox="1"/>
+          <p:nvPr/>
+        </p:nvSpPr>
+        <p:spPr>
+          <a:xfrm>
+            <a:off x="331470" y="1018309"/>
+            <a:ext cx="5955030" cy="3416320"/>
+          </a:xfrm>
+          <a:prstGeom prst="rect">
+            <a:avLst/>
+          </a:prstGeom>
+          <a:noFill/>
+        </p:spPr>
+        <p:txBody>
+          <a:bodyPr wrap="square" rtlCol="0">
+            <a:spAutoFit/>
+          </a:bodyPr>
+          <a:lstStyle/>
+          <a:p>
+            <a:pPr marL="285750" indent="-285750">
+              <a:lnSpc>
+                <a:spcPct val="200000"/>
+              </a:lnSpc>
+              <a:buFont typeface="Wingdings" panose="05000000000000000000" pitchFamily="2" charset="2"/>
+              <a:buChar char="Ø"/>
+            </a:pPr>
+            <a:r>
+              <a:rPr lang="zh-CN" altLang="en-US" dirty="0" smtClean="0">
+                <a:latin typeface="微软雅黑" panose="020B0503020204020204" pitchFamily="34" charset="-122"/>
+                <a:ea typeface="微软雅黑" panose="020B0503020204020204" pitchFamily="34" charset="-122"/>
+              </a:rPr>
+              <a:t>使用经纪商以及银行间报价收益率曲线；</a:t>
+            </a:r>
+            <a:endParaRPr lang="en-US" altLang="zh-CN" dirty="0" smtClean="0">
+              <a:latin typeface="微软雅黑" panose="020B0503020204020204" pitchFamily="34" charset="-122"/>
+              <a:ea typeface="微软雅黑" panose="020B0503020204020204" pitchFamily="34" charset="-122"/>
+            </a:endParaRPr>
+          </a:p>
+          <a:p>
+            <a:pPr marL="285750" indent="-285750">
+              <a:lnSpc>
+                <a:spcPct val="200000"/>
+              </a:lnSpc>
+              <a:buFont typeface="Wingdings" panose="05000000000000000000" pitchFamily="2" charset="2"/>
+              <a:buChar char="Ø"/>
+            </a:pPr>
+            <a:r>
+              <a:rPr lang="zh-CN" altLang="en-US" dirty="0" smtClean="0">
+                <a:latin typeface="微软雅黑" panose="020B0503020204020204" pitchFamily="34" charset="-122"/>
+                <a:ea typeface="微软雅黑" panose="020B0503020204020204" pitchFamily="34" charset="-122"/>
+              </a:rPr>
+              <a:t>比较</a:t>
+            </a:r>
+            <a:r>
+              <a:rPr lang="en-US" altLang="zh-CN" dirty="0" smtClean="0">
+                <a:latin typeface="微软雅黑" panose="020B0503020204020204" pitchFamily="34" charset="-122"/>
+                <a:ea typeface="微软雅黑" panose="020B0503020204020204" pitchFamily="34" charset="-122"/>
+              </a:rPr>
+              <a:t>Off OTR</a:t>
+            </a:r>
+            <a:r>
+              <a:rPr lang="zh-CN" altLang="en-US" dirty="0" smtClean="0">
+                <a:latin typeface="微软雅黑" panose="020B0503020204020204" pitchFamily="34" charset="-122"/>
+                <a:ea typeface="微软雅黑" panose="020B0503020204020204" pitchFamily="34" charset="-122"/>
+              </a:rPr>
+              <a:t>债券以及</a:t>
+            </a:r>
+            <a:r>
+              <a:rPr lang="en-US" altLang="zh-CN" dirty="0" smtClean="0">
+                <a:latin typeface="微软雅黑" panose="020B0503020204020204" pitchFamily="34" charset="-122"/>
+                <a:ea typeface="微软雅黑" panose="020B0503020204020204" pitchFamily="34" charset="-122"/>
+              </a:rPr>
+              <a:t>Off </a:t>
+            </a:r>
+            <a:r>
+              <a:rPr lang="en-US" altLang="zh-CN" dirty="0" err="1" smtClean="0">
+                <a:latin typeface="微软雅黑" panose="020B0503020204020204" pitchFamily="34" charset="-122"/>
+                <a:ea typeface="微软雅黑" panose="020B0503020204020204" pitchFamily="34" charset="-122"/>
+              </a:rPr>
+              <a:t>Off</a:t>
+            </a:r>
+            <a:r>
+              <a:rPr lang="en-US" altLang="zh-CN" dirty="0" smtClean="0">
+                <a:latin typeface="微软雅黑" panose="020B0503020204020204" pitchFamily="34" charset="-122"/>
+                <a:ea typeface="微软雅黑" panose="020B0503020204020204" pitchFamily="34" charset="-122"/>
+              </a:rPr>
+              <a:t> OTR</a:t>
+            </a:r>
+            <a:r>
+              <a:rPr lang="zh-CN" altLang="en-US" dirty="0" smtClean="0">
+                <a:latin typeface="微软雅黑" panose="020B0503020204020204" pitchFamily="34" charset="-122"/>
+                <a:ea typeface="微软雅黑" panose="020B0503020204020204" pitchFamily="34" charset="-122"/>
+              </a:rPr>
+              <a:t>债券的流动性溢价；</a:t>
+            </a:r>
+            <a:endParaRPr lang="en-US" altLang="zh-CN" dirty="0">
+              <a:latin typeface="微软雅黑" panose="020B0503020204020204" pitchFamily="34" charset="-122"/>
+              <a:ea typeface="微软雅黑" panose="020B0503020204020204" pitchFamily="34" charset="-122"/>
+            </a:endParaRPr>
+          </a:p>
+          <a:p>
+            <a:pPr marL="742950" lvl="1" indent="-285750">
+              <a:lnSpc>
+                <a:spcPct val="200000"/>
+              </a:lnSpc>
+              <a:buFont typeface="Wingdings" panose="05000000000000000000" pitchFamily="2" charset="2"/>
+              <a:buChar char="l"/>
+            </a:pPr>
+            <a:r>
+              <a:rPr lang="en-US" altLang="zh-CN" dirty="0">
+                <a:latin typeface="微软雅黑" panose="020B0503020204020204" pitchFamily="34" charset="-122"/>
+                <a:ea typeface="微软雅黑" panose="020B0503020204020204" pitchFamily="34" charset="-122"/>
+              </a:rPr>
+              <a:t>Off OTR</a:t>
+            </a:r>
+            <a:r>
+              <a:rPr lang="zh-CN" altLang="en-US" dirty="0">
+                <a:latin typeface="微软雅黑" panose="020B0503020204020204" pitchFamily="34" charset="-122"/>
+                <a:ea typeface="微软雅黑" panose="020B0503020204020204" pitchFamily="34" charset="-122"/>
+              </a:rPr>
+              <a:t>与</a:t>
+            </a:r>
+            <a:r>
+              <a:rPr lang="en-US" altLang="zh-CN" dirty="0">
+                <a:latin typeface="微软雅黑" panose="020B0503020204020204" pitchFamily="34" charset="-122"/>
+                <a:ea typeface="微软雅黑" panose="020B0503020204020204" pitchFamily="34" charset="-122"/>
+              </a:rPr>
+              <a:t>Off </a:t>
+            </a:r>
+            <a:r>
+              <a:rPr lang="en-US" altLang="zh-CN" dirty="0" err="1">
+                <a:latin typeface="微软雅黑" panose="020B0503020204020204" pitchFamily="34" charset="-122"/>
+                <a:ea typeface="微软雅黑" panose="020B0503020204020204" pitchFamily="34" charset="-122"/>
+              </a:rPr>
+              <a:t>Off</a:t>
+            </a:r>
+            <a:r>
+              <a:rPr lang="en-US" altLang="zh-CN" dirty="0">
+                <a:latin typeface="微软雅黑" panose="020B0503020204020204" pitchFamily="34" charset="-122"/>
+                <a:ea typeface="微软雅黑" panose="020B0503020204020204" pitchFamily="34" charset="-122"/>
+              </a:rPr>
+              <a:t> OTR</a:t>
+            </a:r>
+            <a:r>
+              <a:rPr lang="zh-CN" altLang="en-US" dirty="0">
+                <a:latin typeface="微软雅黑" panose="020B0503020204020204" pitchFamily="34" charset="-122"/>
+                <a:ea typeface="微软雅黑" panose="020B0503020204020204" pitchFamily="34" charset="-122"/>
+              </a:rPr>
+              <a:t>流动性差距</a:t>
+            </a:r>
+            <a:r>
+              <a:rPr lang="zh-CN" altLang="en-US" dirty="0" smtClean="0">
+                <a:latin typeface="微软雅黑" panose="020B0503020204020204" pitchFamily="34" charset="-122"/>
+                <a:ea typeface="微软雅黑" panose="020B0503020204020204" pitchFamily="34" charset="-122"/>
+              </a:rPr>
+              <a:t>显著；</a:t>
+            </a:r>
+            <a:endParaRPr lang="en-US" altLang="zh-CN" dirty="0">
+              <a:latin typeface="微软雅黑" panose="020B0503020204020204" pitchFamily="34" charset="-122"/>
+              <a:ea typeface="微软雅黑" panose="020B0503020204020204" pitchFamily="34" charset="-122"/>
+            </a:endParaRPr>
+          </a:p>
+          <a:p>
+            <a:pPr marL="742950" lvl="1" indent="-285750">
+              <a:lnSpc>
+                <a:spcPct val="200000"/>
+              </a:lnSpc>
+              <a:buFont typeface="Wingdings" panose="05000000000000000000" pitchFamily="2" charset="2"/>
+              <a:buChar char="l"/>
+            </a:pPr>
+            <a:r>
+              <a:rPr lang="en-US" altLang="zh-CN" dirty="0">
+                <a:latin typeface="微软雅黑" panose="020B0503020204020204" pitchFamily="34" charset="-122"/>
+                <a:ea typeface="微软雅黑" panose="020B0503020204020204" pitchFamily="34" charset="-122"/>
+              </a:rPr>
+              <a:t>OTR</a:t>
+            </a:r>
+            <a:r>
+              <a:rPr lang="zh-CN" altLang="en-US" dirty="0">
+                <a:latin typeface="微软雅黑" panose="020B0503020204020204" pitchFamily="34" charset="-122"/>
+                <a:ea typeface="微软雅黑" panose="020B0503020204020204" pitchFamily="34" charset="-122"/>
+              </a:rPr>
+              <a:t>债券经纪商报价</a:t>
+            </a:r>
+            <a:r>
+              <a:rPr lang="zh-CN" altLang="en-US" dirty="0" smtClean="0">
+                <a:latin typeface="微软雅黑" panose="020B0503020204020204" pitchFamily="34" charset="-122"/>
+                <a:ea typeface="微软雅黑" panose="020B0503020204020204" pitchFamily="34" charset="-122"/>
+              </a:rPr>
+              <a:t>不足。</a:t>
+            </a:r>
+            <a:endParaRPr lang="en-US" altLang="zh-CN" dirty="0" smtClean="0">
+              <a:latin typeface="微软雅黑" panose="020B0503020204020204" pitchFamily="34" charset="-122"/>
+              <a:ea typeface="微软雅黑" panose="020B0503020204020204" pitchFamily="34" charset="-122"/>
+            </a:endParaRPr>
+          </a:p>
+          <a:p>
+            <a:pPr marL="285750" indent="-285750">
+              <a:lnSpc>
+                <a:spcPct val="200000"/>
+              </a:lnSpc>
+              <a:buFont typeface="Wingdings" panose="05000000000000000000" pitchFamily="2" charset="2"/>
+              <a:buChar char="Ø"/>
+            </a:pPr>
+            <a:r>
+              <a:rPr lang="zh-CN" altLang="en-US" dirty="0" smtClean="0">
+                <a:latin typeface="微软雅黑" panose="020B0503020204020204" pitchFamily="34" charset="-122"/>
+                <a:ea typeface="微软雅黑" panose="020B0503020204020204" pitchFamily="34" charset="-122"/>
+              </a:rPr>
+              <a:t>比较</a:t>
+            </a:r>
+            <a:r>
+              <a:rPr lang="en-US" altLang="zh-CN" dirty="0" smtClean="0">
+                <a:latin typeface="微软雅黑" panose="020B0503020204020204" pitchFamily="34" charset="-122"/>
+                <a:ea typeface="微软雅黑" panose="020B0503020204020204" pitchFamily="34" charset="-122"/>
+              </a:rPr>
+              <a:t>10</a:t>
+            </a:r>
+            <a:r>
+              <a:rPr lang="zh-CN" altLang="en-US" dirty="0" smtClean="0">
+                <a:latin typeface="微软雅黑" panose="020B0503020204020204" pitchFamily="34" charset="-122"/>
+                <a:ea typeface="微软雅黑" panose="020B0503020204020204" pitchFamily="34" charset="-122"/>
+              </a:rPr>
+              <a:t>年以内的期限结构。</a:t>
+            </a:r>
+            <a:endParaRPr lang="en-US" altLang="zh-CN" dirty="0" smtClean="0">
+              <a:latin typeface="微软雅黑" panose="020B0503020204020204" pitchFamily="34" charset="-122"/>
+              <a:ea typeface="微软雅黑" panose="020B0503020204020204" pitchFamily="34" charset="-122"/>
+            </a:endParaRPr>
+          </a:p>
+          <a:p>
+            <a:pPr marL="742950" lvl="1" indent="-285750">
+              <a:lnSpc>
+                <a:spcPct val="200000"/>
+              </a:lnSpc>
+              <a:buFont typeface="Wingdings" panose="05000000000000000000" pitchFamily="2" charset="2"/>
+              <a:buChar char="Ø"/>
+            </a:pPr>
+            <a:endParaRPr lang="en-US" altLang="zh-CN" dirty="0" smtClean="0">
+              <a:latin typeface="微软雅黑" panose="020B0503020204020204" pitchFamily="34" charset="-122"/>
+              <a:ea typeface="微软雅黑" panose="020B0503020204020204" pitchFamily="34" charset="-122"/>
+            </a:endParaRPr>
+          </a:p>
+        </p:txBody>
+      </p:sp>
+    </p:spTree>
+    <p:extLst>
+      <p:ext uri="{BB962C8B-B14F-4D97-AF65-F5344CB8AC3E}">
+        <p14:creationId xmlns:p14="http://schemas.microsoft.com/office/powerpoint/2010/main" val="3531864293"/>
+      </p:ext>
+    </p:extLst>
+  </p:cSld>
+  <p:clrMapOvr>
+    <a:masterClrMapping/>
+  </p:clrMapOvr>
+</p:sld>
+</file>
+
+<file path=ppt/slides/slide21.xml><?xml version="1.0" encoding="utf-8"?>
+<p:sld xmlns:a="http://schemas.openxmlformats.org/drawingml/2006/main" xmlns:r="http://schemas.openxmlformats.org/officeDocument/2006/relationships" xmlns:p="http://schemas.openxmlformats.org/presentationml/2006/main">
+  <p:cSld>
+    <p:spTree>
+      <p:nvGrpSpPr>
+        <p:cNvPr id="1" name=""/>
+        <p:cNvGrpSpPr/>
+        <p:nvPr/>
+      </p:nvGrpSpPr>
+      <p:grpSpPr>
+        <a:xfrm>
+          <a:off x="0" y="0"/>
+          <a:ext cx="0" cy="0"/>
+          <a:chOff x="0" y="0"/>
+          <a:chExt cx="0" cy="0"/>
+        </a:xfrm>
+      </p:grpSpPr>
+      <p:sp>
+        <p:nvSpPr>
+          <p:cNvPr id="2" name="标题 1"/>
+          <p:cNvSpPr>
+            <a:spLocks noGrp="1"/>
+          </p:cNvSpPr>
+          <p:nvPr>
+            <p:ph type="title"/>
+          </p:nvPr>
+        </p:nvSpPr>
+        <p:spPr/>
+        <p:txBody>
+          <a:bodyPr/>
+          <a:lstStyle/>
+          <a:p>
+            <a:r>
               <a:rPr lang="zh-CN" altLang="en-US" dirty="0" smtClean="0"/>
               <a:t>流动性溢价：经纪商（期限结构）</a:t>
             </a:r>
@@ -23328,14 +24713,7 @@
                 <a:latin typeface="微软雅黑" panose="020B0503020204020204" pitchFamily="34" charset="-122"/>
                 <a:ea typeface="微软雅黑" panose="020B0503020204020204" pitchFamily="34" charset="-122"/>
               </a:rPr>
-              <a:t>曲线在</a:t>
-            </a:r>
-            <a:r>
-              <a:rPr lang="zh-CN" altLang="en-US" dirty="0" smtClean="0">
-                <a:latin typeface="微软雅黑" panose="020B0503020204020204" pitchFamily="34" charset="-122"/>
-                <a:ea typeface="微软雅黑" panose="020B0503020204020204" pitchFamily="34" charset="-122"/>
-              </a:rPr>
-              <a:t>中等期限</a:t>
+              <a:t>曲线在中等期限</a:t>
             </a:r>
             <a:r>
               <a:rPr lang="zh-CN" altLang="en-US" dirty="0">
@@ -23349,14 +24727,21 @@
                 <a:latin typeface="微软雅黑" panose="020B0503020204020204" pitchFamily="34" charset="-122"/>
                 <a:ea typeface="微软雅黑" panose="020B0503020204020204" pitchFamily="34" charset="-122"/>
               </a:rPr>
-              <a:t>比较</a:t>
+              <a:t>比较明显的流动性溢价，在短端的形状不甚</a:t>
+            </a:r>
+            <a:r>
+              <a:rPr lang="zh-CN" altLang="en-US" dirty="0">
+                <a:latin typeface="微软雅黑" panose="020B0503020204020204" pitchFamily="34" charset="-122"/>
+                <a:ea typeface="微软雅黑" panose="020B0503020204020204" pitchFamily="34" charset="-122"/>
+              </a:rPr>
+              <a:t>令</a:t>
             </a:r>
             <a:r>
               <a:rPr lang="zh-CN" altLang="en-US" dirty="0" smtClean="0">
                 <a:latin typeface="微软雅黑" panose="020B0503020204020204" pitchFamily="34" charset="-122"/>
                 <a:ea typeface="微软雅黑" panose="020B0503020204020204" pitchFamily="34" charset="-122"/>
               </a:rPr>
-              <a:t>明显的流动性溢价，在短端的形状不甚领人满意。</a:t>
+              <a:t>人满意。</a:t>
             </a:r>
             <a:endParaRPr lang="zh-CN" altLang="en-US" dirty="0">
               <a:latin typeface="微软雅黑" panose="020B0503020204020204" pitchFamily="34" charset="-122"/>
@@ -23402,7 +24787,820 @@
 </p:sld>
 </file>
 
-<file path=ppt/slides/slide2.xml><?xml version="1.0" encoding="utf-8"?>
+<file path=ppt/slides/slide22.xml><?xml version="1.0" encoding="utf-8"?>
+<p:sld xmlns:a="http://schemas.openxmlformats.org/drawingml/2006/main" xmlns:r="http://schemas.openxmlformats.org/officeDocument/2006/relationships" xmlns:p="http://schemas.openxmlformats.org/presentationml/2006/main">
+  <p:cSld>
+    <p:spTree>
+      <p:nvGrpSpPr>
+        <p:cNvPr id="1" name=""/>
+        <p:cNvGrpSpPr/>
+        <p:nvPr/>
+      </p:nvGrpSpPr>
+      <p:grpSpPr>
+        <a:xfrm>
+          <a:off x="0" y="0"/>
+          <a:ext cx="0" cy="0"/>
+          <a:chOff x="0" y="0"/>
+          <a:chExt cx="0" cy="0"/>
+        </a:xfrm>
+      </p:grpSpPr>
+      <p:sp>
+        <p:nvSpPr>
+          <p:cNvPr id="2" name="标题 1"/>
+          <p:cNvSpPr>
+            <a:spLocks noGrp="1"/>
+          </p:cNvSpPr>
+          <p:nvPr>
+            <p:ph type="title"/>
+          </p:nvPr>
+        </p:nvSpPr>
+        <p:spPr/>
+        <p:txBody>
+          <a:bodyPr/>
+          <a:lstStyle/>
+          <a:p>
+            <a:r>
+              <a:rPr lang="zh-CN" altLang="en-US" dirty="0" smtClean="0"/>
+              <a:t>流动性溢价：经纪商（时间序列）</a:t>
+            </a:r>
+            <a:endParaRPr lang="zh-CN" altLang="en-US" dirty="0"/>
+          </a:p>
+        </p:txBody>
+      </p:sp>
+      <p:graphicFrame>
+        <p:nvGraphicFramePr>
+          <p:cNvPr id="5" name="图表 4"/>
+          <p:cNvGraphicFramePr>
+            <a:graphicFrameLocks/>
+          </p:cNvGraphicFramePr>
+          <p:nvPr>
+            <p:extLst>
+              <p:ext uri="{D42A27DB-BD31-4B8C-83A1-F6EECF244321}">
+                <p14:modId xmlns:p14="http://schemas.microsoft.com/office/powerpoint/2010/main" val="1811213131"/>
+              </p:ext>
+            </p:extLst>
+          </p:nvPr>
+        </p:nvGraphicFramePr>
+        <p:xfrm>
+          <a:off x="331470" y="825725"/>
+          <a:ext cx="6261606" cy="3850265"/>
+        </p:xfrm>
+        <a:graphic>
+          <a:graphicData uri="http://schemas.openxmlformats.org/drawingml/2006/chart">
+            <c:chart xmlns:c="http://schemas.openxmlformats.org/drawingml/2006/chart" xmlns:r="http://schemas.openxmlformats.org/officeDocument/2006/relationships" r:id="rId2"/>
+          </a:graphicData>
+        </a:graphic>
+      </p:graphicFrame>
+      <p:sp>
+        <p:nvSpPr>
+          <p:cNvPr id="3" name="文本框 2"/>
+          <p:cNvSpPr txBox="1"/>
+          <p:nvPr/>
+        </p:nvSpPr>
+        <p:spPr>
+          <a:xfrm>
+            <a:off x="6930736" y="862445"/>
+            <a:ext cx="1943100" cy="2169825"/>
+          </a:xfrm>
+          <a:prstGeom prst="rect">
+            <a:avLst/>
+          </a:prstGeom>
+          <a:noFill/>
+        </p:spPr>
+        <p:txBody>
+          <a:bodyPr wrap="square" rtlCol="0">
+            <a:spAutoFit/>
+          </a:bodyPr>
+          <a:lstStyle/>
+          <a:p>
+            <a:pPr marL="285750" indent="-285750" algn="just">
+              <a:lnSpc>
+                <a:spcPct val="150000"/>
+              </a:lnSpc>
+              <a:buFont typeface="Wingdings" panose="05000000000000000000" pitchFamily="2" charset="2"/>
+              <a:buChar char="Ø"/>
+            </a:pPr>
+            <a:r>
+              <a:rPr lang="zh-CN" altLang="en-US" dirty="0" smtClean="0">
+                <a:latin typeface="微软雅黑" panose="020B0503020204020204" pitchFamily="34" charset="-122"/>
+                <a:ea typeface="微软雅黑" panose="020B0503020204020204" pitchFamily="34" charset="-122"/>
+              </a:rPr>
+              <a:t>大多数情况下</a:t>
+            </a:r>
+            <a:r>
+              <a:rPr lang="en-US" altLang="zh-CN" dirty="0" smtClean="0">
+                <a:latin typeface="微软雅黑" panose="020B0503020204020204" pitchFamily="34" charset="-122"/>
+                <a:ea typeface="微软雅黑" panose="020B0503020204020204" pitchFamily="34" charset="-122"/>
+              </a:rPr>
+              <a:t>5Y</a:t>
+            </a:r>
+            <a:r>
+              <a:rPr lang="zh-CN" altLang="en-US" dirty="0" smtClean="0">
+                <a:latin typeface="微软雅黑" panose="020B0503020204020204" pitchFamily="34" charset="-122"/>
+                <a:ea typeface="微软雅黑" panose="020B0503020204020204" pitchFamily="34" charset="-122"/>
+              </a:rPr>
+              <a:t>以及</a:t>
+            </a:r>
+            <a:r>
+              <a:rPr lang="en-US" altLang="zh-CN" dirty="0" smtClean="0">
+                <a:latin typeface="微软雅黑" panose="020B0503020204020204" pitchFamily="34" charset="-122"/>
+                <a:ea typeface="微软雅黑" panose="020B0503020204020204" pitchFamily="34" charset="-122"/>
+              </a:rPr>
+              <a:t>7Y</a:t>
+            </a:r>
+            <a:r>
+              <a:rPr lang="zh-CN" altLang="en-US" dirty="0" smtClean="0">
+                <a:latin typeface="微软雅黑" panose="020B0503020204020204" pitchFamily="34" charset="-122"/>
+                <a:ea typeface="微软雅黑" panose="020B0503020204020204" pitchFamily="34" charset="-122"/>
+              </a:rPr>
+              <a:t>流动性价差大于</a:t>
+            </a:r>
+            <a:r>
+              <a:rPr lang="en-US" altLang="zh-CN" dirty="0" smtClean="0">
+                <a:latin typeface="微软雅黑" panose="020B0503020204020204" pitchFamily="34" charset="-122"/>
+                <a:ea typeface="微软雅黑" panose="020B0503020204020204" pitchFamily="34" charset="-122"/>
+              </a:rPr>
+              <a:t>0</a:t>
+            </a:r>
+            <a:r>
+              <a:rPr lang="zh-CN" altLang="en-US" dirty="0" smtClean="0">
+                <a:latin typeface="微软雅黑" panose="020B0503020204020204" pitchFamily="34" charset="-122"/>
+                <a:ea typeface="微软雅黑" panose="020B0503020204020204" pitchFamily="34" charset="-122"/>
+              </a:rPr>
+              <a:t>，呈现出显著地流动性溢价</a:t>
+            </a:r>
+            <a:endParaRPr lang="zh-CN" altLang="en-US" dirty="0">
+              <a:latin typeface="微软雅黑" panose="020B0503020204020204" pitchFamily="34" charset="-122"/>
+              <a:ea typeface="微软雅黑" panose="020B0503020204020204" pitchFamily="34" charset="-122"/>
+            </a:endParaRPr>
+          </a:p>
+        </p:txBody>
+      </p:sp>
+    </p:spTree>
+    <p:extLst>
+      <p:ext uri="{BB962C8B-B14F-4D97-AF65-F5344CB8AC3E}">
+        <p14:creationId xmlns:p14="http://schemas.microsoft.com/office/powerpoint/2010/main" val="3942424846"/>
+      </p:ext>
+    </p:extLst>
+  </p:cSld>
+  <p:clrMapOvr>
+    <a:masterClrMapping/>
+  </p:clrMapOvr>
+</p:sld>
+</file>
+
+<file path=ppt/slides/slide23.xml><?xml version="1.0" encoding="utf-8"?>
+<p:sld xmlns:a="http://schemas.openxmlformats.org/drawingml/2006/main" xmlns:r="http://schemas.openxmlformats.org/officeDocument/2006/relationships" xmlns:p="http://schemas.openxmlformats.org/presentationml/2006/main">
+  <p:cSld>
+    <p:spTree>
+      <p:nvGrpSpPr>
+        <p:cNvPr id="1" name=""/>
+        <p:cNvGrpSpPr/>
+        <p:nvPr/>
+      </p:nvGrpSpPr>
+      <p:grpSpPr>
+        <a:xfrm>
+          <a:off x="0" y="0"/>
+          <a:ext cx="0" cy="0"/>
+          <a:chOff x="0" y="0"/>
+          <a:chExt cx="0" cy="0"/>
+        </a:xfrm>
+      </p:grpSpPr>
+      <p:sp>
+        <p:nvSpPr>
+          <p:cNvPr id="2" name="标题 1"/>
+          <p:cNvSpPr>
+            <a:spLocks noGrp="1"/>
+          </p:cNvSpPr>
+          <p:nvPr>
+            <p:ph type="title"/>
+          </p:nvPr>
+        </p:nvSpPr>
+        <p:spPr/>
+        <p:txBody>
+          <a:bodyPr/>
+          <a:lstStyle/>
+          <a:p>
+            <a:r>
+              <a:rPr lang="zh-CN" altLang="en-US" dirty="0" smtClean="0"/>
+              <a:t>流动性溢价：银行间现券（期限结构）</a:t>
+            </a:r>
+            <a:endParaRPr lang="zh-CN" altLang="en-US" dirty="0"/>
+          </a:p>
+        </p:txBody>
+      </p:sp>
+      <p:sp>
+        <p:nvSpPr>
+          <p:cNvPr id="8" name="文本框 7"/>
+          <p:cNvSpPr txBox="1"/>
+          <p:nvPr/>
+        </p:nvSpPr>
+        <p:spPr>
+          <a:xfrm>
+            <a:off x="5704609" y="883227"/>
+            <a:ext cx="3086100" cy="1338828"/>
+          </a:xfrm>
+          <a:prstGeom prst="rect">
+            <a:avLst/>
+          </a:prstGeom>
+          <a:noFill/>
+        </p:spPr>
+        <p:txBody>
+          <a:bodyPr wrap="square" rtlCol="0">
+            <a:spAutoFit/>
+          </a:bodyPr>
+          <a:lstStyle/>
+          <a:p>
+            <a:pPr marL="285750" indent="-285750" algn="just">
+              <a:lnSpc>
+                <a:spcPct val="150000"/>
+              </a:lnSpc>
+              <a:buFont typeface="Wingdings" panose="05000000000000000000" pitchFamily="2" charset="2"/>
+              <a:buChar char="Ø"/>
+            </a:pPr>
+            <a:r>
+              <a:rPr lang="zh-CN" altLang="en-US" dirty="0" smtClean="0">
+                <a:latin typeface="微软雅黑" panose="020B0503020204020204" pitchFamily="34" charset="-122"/>
+                <a:ea typeface="微软雅黑" panose="020B0503020204020204" pitchFamily="34" charset="-122"/>
+              </a:rPr>
+              <a:t>银行间现券曲线在</a:t>
+            </a:r>
+            <a:r>
+              <a:rPr lang="en-US" altLang="zh-CN" dirty="0" smtClean="0">
+                <a:latin typeface="微软雅黑" panose="020B0503020204020204" pitchFamily="34" charset="-122"/>
+                <a:ea typeface="微软雅黑" panose="020B0503020204020204" pitchFamily="34" charset="-122"/>
+              </a:rPr>
+              <a:t>10</a:t>
+            </a:r>
+            <a:r>
+              <a:rPr lang="zh-CN" altLang="en-US" dirty="0" smtClean="0">
+                <a:latin typeface="微软雅黑" panose="020B0503020204020204" pitchFamily="34" charset="-122"/>
+                <a:ea typeface="微软雅黑" panose="020B0503020204020204" pitchFamily="34" charset="-122"/>
+              </a:rPr>
+              <a:t>年以内整个期限结构都有比较明显的流动性溢价。</a:t>
+            </a:r>
+            <a:endParaRPr lang="zh-CN" altLang="en-US" dirty="0">
+              <a:latin typeface="微软雅黑" panose="020B0503020204020204" pitchFamily="34" charset="-122"/>
+              <a:ea typeface="微软雅黑" panose="020B0503020204020204" pitchFamily="34" charset="-122"/>
+            </a:endParaRPr>
+          </a:p>
+        </p:txBody>
+      </p:sp>
+      <p:graphicFrame>
+        <p:nvGraphicFramePr>
+          <p:cNvPr id="12" name="图表 11"/>
+          <p:cNvGraphicFramePr>
+            <a:graphicFrameLocks/>
+          </p:cNvGraphicFramePr>
+          <p:nvPr>
+            <p:extLst>
+              <p:ext uri="{D42A27DB-BD31-4B8C-83A1-F6EECF244321}">
+                <p14:modId xmlns:p14="http://schemas.microsoft.com/office/powerpoint/2010/main" val="3117172217"/>
+              </p:ext>
+            </p:extLst>
+          </p:nvPr>
+        </p:nvGraphicFramePr>
+        <p:xfrm>
+          <a:off x="329809" y="883227"/>
+          <a:ext cx="5374800" cy="3592800"/>
+        </p:xfrm>
+        <a:graphic>
+          <a:graphicData uri="http://schemas.openxmlformats.org/drawingml/2006/chart">
+            <c:chart xmlns:c="http://schemas.openxmlformats.org/drawingml/2006/chart" xmlns:r="http://schemas.openxmlformats.org/officeDocument/2006/relationships" r:id="rId2"/>
+          </a:graphicData>
+        </a:graphic>
+      </p:graphicFrame>
+    </p:spTree>
+    <p:extLst>
+      <p:ext uri="{BB962C8B-B14F-4D97-AF65-F5344CB8AC3E}">
+        <p14:creationId xmlns:p14="http://schemas.microsoft.com/office/powerpoint/2010/main" val="542014451"/>
+      </p:ext>
+    </p:extLst>
+  </p:cSld>
+  <p:clrMapOvr>
+    <a:masterClrMapping/>
+  </p:clrMapOvr>
+</p:sld>
+</file>
+
+<file path=ppt/slides/slide24.xml><?xml version="1.0" encoding="utf-8"?>
+<p:sld xmlns:a="http://schemas.openxmlformats.org/drawingml/2006/main" xmlns:r="http://schemas.openxmlformats.org/officeDocument/2006/relationships" xmlns:p="http://schemas.openxmlformats.org/presentationml/2006/main">
+  <p:cSld>
+    <p:spTree>
+      <p:nvGrpSpPr>
+        <p:cNvPr id="1" name=""/>
+        <p:cNvGrpSpPr/>
+        <p:nvPr/>
+      </p:nvGrpSpPr>
+      <p:grpSpPr>
+        <a:xfrm>
+          <a:off x="0" y="0"/>
+          <a:ext cx="0" cy="0"/>
+          <a:chOff x="0" y="0"/>
+          <a:chExt cx="0" cy="0"/>
+        </a:xfrm>
+      </p:grpSpPr>
+      <p:sp>
+        <p:nvSpPr>
+          <p:cNvPr id="2" name="标题 1"/>
+          <p:cNvSpPr>
+            <a:spLocks noGrp="1"/>
+          </p:cNvSpPr>
+          <p:nvPr>
+            <p:ph type="title"/>
+          </p:nvPr>
+        </p:nvSpPr>
+        <p:spPr/>
+        <p:txBody>
+          <a:bodyPr/>
+          <a:lstStyle/>
+          <a:p>
+            <a:r>
+              <a:rPr lang="zh-CN" altLang="en-US" dirty="0" smtClean="0"/>
+              <a:t>流动性溢价：银行间现券（时间序列）</a:t>
+            </a:r>
+            <a:endParaRPr lang="zh-CN" altLang="en-US" dirty="0"/>
+          </a:p>
+        </p:txBody>
+      </p:sp>
+      <p:graphicFrame>
+        <p:nvGraphicFramePr>
+          <p:cNvPr id="5" name="图表 4"/>
+          <p:cNvGraphicFramePr>
+            <a:graphicFrameLocks/>
+          </p:cNvGraphicFramePr>
+          <p:nvPr>
+            <p:extLst>
+              <p:ext uri="{D42A27DB-BD31-4B8C-83A1-F6EECF244321}">
+                <p14:modId xmlns:p14="http://schemas.microsoft.com/office/powerpoint/2010/main" val="20041949"/>
+              </p:ext>
+            </p:extLst>
+          </p:nvPr>
+        </p:nvGraphicFramePr>
+        <p:xfrm>
+          <a:off x="331470" y="810491"/>
+          <a:ext cx="6260400" cy="3852000"/>
+        </p:xfrm>
+        <a:graphic>
+          <a:graphicData uri="http://schemas.openxmlformats.org/drawingml/2006/chart">
+            <c:chart xmlns:c="http://schemas.openxmlformats.org/drawingml/2006/chart" xmlns:r="http://schemas.openxmlformats.org/officeDocument/2006/relationships" r:id="rId2"/>
+          </a:graphicData>
+        </a:graphic>
+      </p:graphicFrame>
+      <p:sp>
+        <p:nvSpPr>
+          <p:cNvPr id="4" name="文本框 3"/>
+          <p:cNvSpPr txBox="1"/>
+          <p:nvPr/>
+        </p:nvSpPr>
+        <p:spPr>
+          <a:xfrm>
+            <a:off x="6930736" y="862445"/>
+            <a:ext cx="1943100" cy="2169825"/>
+          </a:xfrm>
+          <a:prstGeom prst="rect">
+            <a:avLst/>
+          </a:prstGeom>
+          <a:noFill/>
+        </p:spPr>
+        <p:txBody>
+          <a:bodyPr wrap="square" rtlCol="0">
+            <a:spAutoFit/>
+          </a:bodyPr>
+          <a:lstStyle/>
+          <a:p>
+            <a:pPr marL="285750" indent="-285750" algn="just">
+              <a:lnSpc>
+                <a:spcPct val="150000"/>
+              </a:lnSpc>
+              <a:buFont typeface="Wingdings" panose="05000000000000000000" pitchFamily="2" charset="2"/>
+              <a:buChar char="Ø"/>
+            </a:pPr>
+            <a:r>
+              <a:rPr lang="en-US" altLang="zh-CN" dirty="0" smtClean="0">
+                <a:latin typeface="微软雅黑" panose="020B0503020204020204" pitchFamily="34" charset="-122"/>
+                <a:ea typeface="微软雅黑" panose="020B0503020204020204" pitchFamily="34" charset="-122"/>
+              </a:rPr>
+              <a:t>7Y</a:t>
+            </a:r>
+            <a:r>
+              <a:rPr lang="zh-CN" altLang="en-US" dirty="0" smtClean="0">
+                <a:latin typeface="微软雅黑" panose="020B0503020204020204" pitchFamily="34" charset="-122"/>
+                <a:ea typeface="微软雅黑" panose="020B0503020204020204" pitchFamily="34" charset="-122"/>
+              </a:rPr>
+              <a:t>期价差数次穿越</a:t>
+            </a:r>
+            <a:r>
+              <a:rPr lang="en-US" altLang="zh-CN" dirty="0" smtClean="0">
+                <a:latin typeface="微软雅黑" panose="020B0503020204020204" pitchFamily="34" charset="-122"/>
+                <a:ea typeface="微软雅黑" panose="020B0503020204020204" pitchFamily="34" charset="-122"/>
+              </a:rPr>
+              <a:t>0</a:t>
+            </a:r>
+            <a:r>
+              <a:rPr lang="zh-CN" altLang="en-US" dirty="0" smtClean="0">
+                <a:latin typeface="微软雅黑" panose="020B0503020204020204" pitchFamily="34" charset="-122"/>
+                <a:ea typeface="微软雅黑" panose="020B0503020204020204" pitchFamily="34" charset="-122"/>
+              </a:rPr>
+              <a:t>点，但流动性价差整体仍然运行于</a:t>
+            </a:r>
+            <a:r>
+              <a:rPr lang="en-US" altLang="zh-CN" dirty="0" smtClean="0">
+                <a:latin typeface="微软雅黑" panose="020B0503020204020204" pitchFamily="34" charset="-122"/>
+                <a:ea typeface="微软雅黑" panose="020B0503020204020204" pitchFamily="34" charset="-122"/>
+              </a:rPr>
+              <a:t>0</a:t>
+            </a:r>
+            <a:r>
+              <a:rPr lang="zh-CN" altLang="en-US" dirty="0" smtClean="0">
+                <a:latin typeface="微软雅黑" panose="020B0503020204020204" pitchFamily="34" charset="-122"/>
+                <a:ea typeface="微软雅黑" panose="020B0503020204020204" pitchFamily="34" charset="-122"/>
+              </a:rPr>
+              <a:t>之上。</a:t>
+            </a:r>
+            <a:endParaRPr lang="zh-CN" altLang="en-US" dirty="0">
+              <a:latin typeface="微软雅黑" panose="020B0503020204020204" pitchFamily="34" charset="-122"/>
+              <a:ea typeface="微软雅黑" panose="020B0503020204020204" pitchFamily="34" charset="-122"/>
+            </a:endParaRPr>
+          </a:p>
+        </p:txBody>
+      </p:sp>
+    </p:spTree>
+    <p:extLst>
+      <p:ext uri="{BB962C8B-B14F-4D97-AF65-F5344CB8AC3E}">
+        <p14:creationId xmlns:p14="http://schemas.microsoft.com/office/powerpoint/2010/main" val="430013129"/>
+      </p:ext>
+    </p:extLst>
+  </p:cSld>
+  <p:clrMapOvr>
+    <a:masterClrMapping/>
+  </p:clrMapOvr>
+</p:sld>
+</file>
+
+<file path=ppt/slides/slide3.xml><?xml version="1.0" encoding="utf-8"?>
+<p:sld xmlns:a="http://schemas.openxmlformats.org/drawingml/2006/main" xmlns:r="http://schemas.openxmlformats.org/officeDocument/2006/relationships" xmlns:p="http://schemas.openxmlformats.org/presentationml/2006/main">
+  <p:cSld>
+    <p:spTree>
+      <p:nvGrpSpPr>
+        <p:cNvPr id="1" name=""/>
+        <p:cNvGrpSpPr/>
+        <p:nvPr/>
+      </p:nvGrpSpPr>
+      <p:grpSpPr>
+        <a:xfrm>
+          <a:off x="0" y="0"/>
+          <a:ext cx="0" cy="0"/>
+          <a:chOff x="0" y="0"/>
+          <a:chExt cx="0" cy="0"/>
+        </a:xfrm>
+      </p:grpSpPr>
+      <p:sp>
+        <p:nvSpPr>
+          <p:cNvPr id="2" name="标题 1"/>
+          <p:cNvSpPr>
+            <a:spLocks noGrp="1"/>
+          </p:cNvSpPr>
+          <p:nvPr>
+            <p:ph type="title"/>
+          </p:nvPr>
+        </p:nvSpPr>
+        <p:spPr/>
+        <p:txBody>
+          <a:bodyPr/>
+          <a:lstStyle/>
+          <a:p>
+            <a:r>
+              <a:rPr lang="zh-CN" altLang="en-US" dirty="0"/>
+              <a:t>写在前面</a:t>
+            </a:r>
+            <a:r>
+              <a:rPr lang="en-US" altLang="zh-CN" dirty="0"/>
+              <a:t>……</a:t>
+            </a:r>
+            <a:endParaRPr lang="zh-CN" altLang="en-US" dirty="0"/>
+          </a:p>
+        </p:txBody>
+      </p:sp>
+      <p:sp>
+        <p:nvSpPr>
+          <p:cNvPr id="4" name="矩形 3"/>
+          <p:cNvSpPr/>
+          <p:nvPr/>
+        </p:nvSpPr>
+        <p:spPr>
+          <a:xfrm>
+            <a:off x="255106" y="1072634"/>
+            <a:ext cx="3185487" cy="369332"/>
+          </a:xfrm>
+          <a:prstGeom prst="rect">
+            <a:avLst/>
+          </a:prstGeom>
+        </p:spPr>
+        <p:txBody>
+          <a:bodyPr wrap="none">
+            <a:spAutoFit/>
+          </a:bodyPr>
+          <a:lstStyle/>
+          <a:p>
+            <a:r>
+              <a:rPr lang="zh-CN" altLang="en-US" dirty="0">
+                <a:latin typeface="微软雅黑" panose="020B0503020204020204" pitchFamily="34" charset="-122"/>
+                <a:ea typeface="微软雅黑" panose="020B0503020204020204" pitchFamily="34" charset="-122"/>
+                <a:hlinkClick r:id="rId2" action="ppaction://hlinkfile"/>
+              </a:rPr>
+              <a:t>全球三大货币经纪公司在中国</a:t>
+            </a:r>
+            <a:endParaRPr lang="zh-CN" altLang="en-US" dirty="0">
+              <a:latin typeface="微软雅黑" panose="020B0503020204020204" pitchFamily="34" charset="-122"/>
+              <a:ea typeface="微软雅黑" panose="020B0503020204020204" pitchFamily="34" charset="-122"/>
+            </a:endParaRPr>
+          </a:p>
+        </p:txBody>
+      </p:sp>
+      <p:sp>
+        <p:nvSpPr>
+          <p:cNvPr id="5" name="文本框 4"/>
+          <p:cNvSpPr txBox="1"/>
+          <p:nvPr/>
+        </p:nvSpPr>
+        <p:spPr>
+          <a:xfrm>
+            <a:off x="331470" y="1657350"/>
+            <a:ext cx="8012430" cy="2585323"/>
+          </a:xfrm>
+          <a:prstGeom prst="rect">
+            <a:avLst/>
+          </a:prstGeom>
+          <a:noFill/>
+        </p:spPr>
+        <p:txBody>
+          <a:bodyPr wrap="square" rtlCol="0">
+            <a:spAutoFit/>
+          </a:bodyPr>
+          <a:lstStyle/>
+          <a:p>
+            <a:pPr marL="285750" indent="-285750">
+              <a:lnSpc>
+                <a:spcPct val="150000"/>
+              </a:lnSpc>
+              <a:buFont typeface="Wingdings" panose="05000000000000000000" pitchFamily="2" charset="2"/>
+              <a:buChar char="Ø"/>
+            </a:pPr>
+            <a:r>
+              <a:rPr lang="zh-CN" altLang="zh-CN" dirty="0">
+                <a:latin typeface="微软雅黑" panose="020B0503020204020204" pitchFamily="34" charset="-122"/>
+                <a:ea typeface="微软雅黑" panose="020B0503020204020204" pitchFamily="34" charset="-122"/>
+              </a:rPr>
+              <a:t>平安利</a:t>
+            </a:r>
+            <a:r>
+              <a:rPr lang="zh-CN" altLang="zh-CN" dirty="0" smtClean="0">
+                <a:latin typeface="微软雅黑" panose="020B0503020204020204" pitchFamily="34" charset="-122"/>
+                <a:ea typeface="微软雅黑" panose="020B0503020204020204" pitchFamily="34" charset="-122"/>
+              </a:rPr>
+              <a:t>顺</a:t>
+            </a:r>
+            <a:r>
+              <a:rPr lang="zh-CN" altLang="en-US" dirty="0" smtClean="0">
+                <a:latin typeface="微软雅黑" panose="020B0503020204020204" pitchFamily="34" charset="-122"/>
+                <a:ea typeface="微软雅黑" panose="020B0503020204020204" pitchFamily="34" charset="-122"/>
+              </a:rPr>
+              <a:t>：瑞士利顺集团（</a:t>
+            </a:r>
+            <a:r>
+              <a:rPr lang="en-US" altLang="zh-CN" dirty="0" smtClean="0">
+                <a:latin typeface="微软雅黑" panose="020B0503020204020204" pitchFamily="34" charset="-122"/>
+                <a:ea typeface="微软雅黑" panose="020B0503020204020204" pitchFamily="34" charset="-122"/>
+              </a:rPr>
+              <a:t>Tradition Group</a:t>
+            </a:r>
+            <a:r>
+              <a:rPr lang="zh-CN" altLang="en-US" dirty="0" smtClean="0">
+                <a:latin typeface="微软雅黑" panose="020B0503020204020204" pitchFamily="34" charset="-122"/>
+                <a:ea typeface="微软雅黑" panose="020B0503020204020204" pitchFamily="34" charset="-122"/>
+              </a:rPr>
+              <a:t>）</a:t>
+            </a:r>
+            <a:endParaRPr lang="en-US" altLang="zh-CN" dirty="0" smtClean="0">
+              <a:latin typeface="微软雅黑" panose="020B0503020204020204" pitchFamily="34" charset="-122"/>
+              <a:ea typeface="微软雅黑" panose="020B0503020204020204" pitchFamily="34" charset="-122"/>
+            </a:endParaRPr>
+          </a:p>
+          <a:p>
+            <a:pPr marL="285750" indent="-285750">
+              <a:lnSpc>
+                <a:spcPct val="150000"/>
+              </a:lnSpc>
+              <a:buFont typeface="Wingdings" panose="05000000000000000000" pitchFamily="2" charset="2"/>
+              <a:buChar char="Ø"/>
+            </a:pPr>
+            <a:r>
+              <a:rPr lang="zh-CN" altLang="zh-CN" dirty="0">
+                <a:latin typeface="微软雅黑" panose="020B0503020204020204" pitchFamily="34" charset="-122"/>
+                <a:ea typeface="微软雅黑" panose="020B0503020204020204" pitchFamily="34" charset="-122"/>
+              </a:rPr>
+              <a:t>国际</a:t>
+            </a:r>
+            <a:r>
+              <a:rPr lang="zh-CN" altLang="zh-CN" dirty="0" smtClean="0">
+                <a:latin typeface="微软雅黑" panose="020B0503020204020204" pitchFamily="34" charset="-122"/>
+                <a:ea typeface="微软雅黑" panose="020B0503020204020204" pitchFamily="34" charset="-122"/>
+              </a:rPr>
+              <a:t>货币</a:t>
+            </a:r>
+            <a:r>
+              <a:rPr lang="zh-CN" altLang="en-US" dirty="0" smtClean="0">
+                <a:latin typeface="微软雅黑" panose="020B0503020204020204" pitchFamily="34" charset="-122"/>
+                <a:ea typeface="微软雅黑" panose="020B0503020204020204" pitchFamily="34" charset="-122"/>
+              </a:rPr>
+              <a:t>：</a:t>
+            </a:r>
+            <a:r>
+              <a:rPr lang="zh-CN" altLang="en-US" dirty="0">
+                <a:latin typeface="微软雅黑" panose="020B0503020204020204" pitchFamily="34" charset="-122"/>
+                <a:ea typeface="微软雅黑" panose="020B0503020204020204" pitchFamily="34" charset="-122"/>
+              </a:rPr>
+              <a:t>毅联汇</a:t>
+            </a:r>
+            <a:r>
+              <a:rPr lang="zh-CN" altLang="en-US" dirty="0" smtClean="0">
+                <a:latin typeface="微软雅黑" panose="020B0503020204020204" pitchFamily="34" charset="-122"/>
+                <a:ea typeface="微软雅黑" panose="020B0503020204020204" pitchFamily="34" charset="-122"/>
+              </a:rPr>
+              <a:t>业（</a:t>
+            </a:r>
+            <a:r>
+              <a:rPr lang="en-US" altLang="zh-CN" dirty="0" smtClean="0">
+                <a:latin typeface="微软雅黑" panose="020B0503020204020204" pitchFamily="34" charset="-122"/>
+                <a:ea typeface="微软雅黑" panose="020B0503020204020204" pitchFamily="34" charset="-122"/>
+              </a:rPr>
+              <a:t>ICAP</a:t>
+            </a:r>
+            <a:r>
+              <a:rPr lang="zh-CN" altLang="en-US" dirty="0" smtClean="0">
+                <a:latin typeface="微软雅黑" panose="020B0503020204020204" pitchFamily="34" charset="-122"/>
+                <a:ea typeface="微软雅黑" panose="020B0503020204020204" pitchFamily="34" charset="-122"/>
+              </a:rPr>
+              <a:t>）</a:t>
+            </a:r>
+            <a:endParaRPr lang="zh-CN" altLang="en-US" dirty="0">
+              <a:latin typeface="微软雅黑" panose="020B0503020204020204" pitchFamily="34" charset="-122"/>
+              <a:ea typeface="微软雅黑" panose="020B0503020204020204" pitchFamily="34" charset="-122"/>
+            </a:endParaRPr>
+          </a:p>
+          <a:p>
+            <a:pPr marL="285750" indent="-285750">
+              <a:lnSpc>
+                <a:spcPct val="150000"/>
+              </a:lnSpc>
+              <a:buFont typeface="Wingdings" panose="05000000000000000000" pitchFamily="2" charset="2"/>
+              <a:buChar char="Ø"/>
+            </a:pPr>
+            <a:r>
+              <a:rPr lang="zh-CN" altLang="zh-CN" dirty="0" smtClean="0">
+                <a:latin typeface="微软雅黑" panose="020B0503020204020204" pitchFamily="34" charset="-122"/>
+                <a:ea typeface="微软雅黑" panose="020B0503020204020204" pitchFamily="34" charset="-122"/>
+              </a:rPr>
+              <a:t>国</a:t>
+            </a:r>
+            <a:r>
+              <a:rPr lang="zh-CN" altLang="zh-CN" dirty="0">
+                <a:latin typeface="微软雅黑" panose="020B0503020204020204" pitchFamily="34" charset="-122"/>
+                <a:ea typeface="微软雅黑" panose="020B0503020204020204" pitchFamily="34" charset="-122"/>
+              </a:rPr>
+              <a:t>利</a:t>
+            </a:r>
+            <a:r>
+              <a:rPr lang="zh-CN" altLang="zh-CN" dirty="0" smtClean="0">
+                <a:latin typeface="微软雅黑" panose="020B0503020204020204" pitchFamily="34" charset="-122"/>
+                <a:ea typeface="微软雅黑" panose="020B0503020204020204" pitchFamily="34" charset="-122"/>
+              </a:rPr>
+              <a:t>货币</a:t>
+            </a:r>
+            <a:r>
+              <a:rPr lang="zh-CN" altLang="en-US" dirty="0" smtClean="0">
+                <a:latin typeface="微软雅黑" panose="020B0503020204020204" pitchFamily="34" charset="-122"/>
+                <a:ea typeface="微软雅黑" panose="020B0503020204020204" pitchFamily="34" charset="-122"/>
+              </a:rPr>
+              <a:t>：德利万邦（</a:t>
+            </a:r>
+            <a:r>
+              <a:rPr lang="en-US" altLang="zh-CN" dirty="0" err="1">
+                <a:latin typeface="微软雅黑" panose="020B0503020204020204" pitchFamily="34" charset="-122"/>
+                <a:ea typeface="微软雅黑" panose="020B0503020204020204" pitchFamily="34" charset="-122"/>
+              </a:rPr>
+              <a:t>Tullett</a:t>
+            </a:r>
+            <a:r>
+              <a:rPr lang="en-US" altLang="zh-CN" dirty="0">
+                <a:latin typeface="微软雅黑" panose="020B0503020204020204" pitchFamily="34" charset="-122"/>
+                <a:ea typeface="微软雅黑" panose="020B0503020204020204" pitchFamily="34" charset="-122"/>
+              </a:rPr>
+              <a:t> </a:t>
+            </a:r>
+            <a:r>
+              <a:rPr lang="en-US" altLang="zh-CN" dirty="0" err="1" smtClean="0">
+                <a:latin typeface="微软雅黑" panose="020B0503020204020204" pitchFamily="34" charset="-122"/>
+                <a:ea typeface="微软雅黑" panose="020B0503020204020204" pitchFamily="34" charset="-122"/>
+              </a:rPr>
+              <a:t>Prebon</a:t>
+            </a:r>
+            <a:r>
+              <a:rPr lang="zh-CN" altLang="en-US" dirty="0" smtClean="0">
+                <a:latin typeface="微软雅黑" panose="020B0503020204020204" pitchFamily="34" charset="-122"/>
+                <a:ea typeface="微软雅黑" panose="020B0503020204020204" pitchFamily="34" charset="-122"/>
+              </a:rPr>
+              <a:t>）</a:t>
+            </a:r>
+            <a:endParaRPr lang="en-US" altLang="zh-CN" dirty="0" smtClean="0">
+              <a:latin typeface="微软雅黑" panose="020B0503020204020204" pitchFamily="34" charset="-122"/>
+              <a:ea typeface="微软雅黑" panose="020B0503020204020204" pitchFamily="34" charset="-122"/>
+            </a:endParaRPr>
+          </a:p>
+          <a:p>
+            <a:pPr>
+              <a:lnSpc>
+                <a:spcPct val="150000"/>
+              </a:lnSpc>
+            </a:pPr>
+            <a:r>
+              <a:rPr lang="en-US" altLang="zh-CN" dirty="0">
+                <a:latin typeface="微软雅黑" panose="020B0503020204020204" pitchFamily="34" charset="-122"/>
+                <a:ea typeface="微软雅黑" panose="020B0503020204020204" pitchFamily="34" charset="-122"/>
+              </a:rPr>
+              <a:t> </a:t>
+            </a:r>
+            <a:r>
+              <a:rPr lang="en-US" altLang="zh-CN" dirty="0" smtClean="0">
+                <a:latin typeface="微软雅黑" panose="020B0503020204020204" pitchFamily="34" charset="-122"/>
+                <a:ea typeface="微软雅黑" panose="020B0503020204020204" pitchFamily="34" charset="-122"/>
+              </a:rPr>
+              <a:t>   </a:t>
+            </a:r>
+          </a:p>
+          <a:p>
+            <a:pPr>
+              <a:lnSpc>
+                <a:spcPct val="150000"/>
+              </a:lnSpc>
+            </a:pPr>
+            <a:r>
+              <a:rPr lang="en-US" altLang="zh-CN" dirty="0">
+                <a:latin typeface="微软雅黑" panose="020B0503020204020204" pitchFamily="34" charset="-122"/>
+                <a:ea typeface="微软雅黑" panose="020B0503020204020204" pitchFamily="34" charset="-122"/>
+              </a:rPr>
+              <a:t> </a:t>
+            </a:r>
+            <a:r>
+              <a:rPr lang="en-US" altLang="zh-CN" dirty="0" smtClean="0">
+                <a:latin typeface="微软雅黑" panose="020B0503020204020204" pitchFamily="34" charset="-122"/>
+                <a:ea typeface="微软雅黑" panose="020B0503020204020204" pitchFamily="34" charset="-122"/>
+              </a:rPr>
+              <a:t>   </a:t>
+            </a:r>
+            <a:r>
+              <a:rPr lang="zh-CN" altLang="en-US" smtClean="0">
+                <a:latin typeface="微软雅黑" panose="020B0503020204020204" pitchFamily="34" charset="-122"/>
+                <a:ea typeface="微软雅黑" panose="020B0503020204020204" pitchFamily="34" charset="-122"/>
+              </a:rPr>
+              <a:t>货币</a:t>
+            </a:r>
+            <a:r>
+              <a:rPr lang="zh-CN" altLang="en-US" dirty="0" smtClean="0">
+                <a:latin typeface="微软雅黑" panose="020B0503020204020204" pitchFamily="34" charset="-122"/>
+                <a:ea typeface="微软雅黑" panose="020B0503020204020204" pitchFamily="34" charset="-122"/>
+              </a:rPr>
+              <a:t>经纪公司为市场</a:t>
+            </a:r>
+            <a:r>
+              <a:rPr lang="zh-CN" altLang="en-US" smtClean="0">
+                <a:latin typeface="微软雅黑" panose="020B0503020204020204" pitchFamily="34" charset="-122"/>
+                <a:ea typeface="微软雅黑" panose="020B0503020204020204" pitchFamily="34" charset="-122"/>
+              </a:rPr>
+              <a:t>提供流动性，同时其收集的市场价格为研究市场交易行为提供了研究依据。</a:t>
+            </a:r>
+            <a:endParaRPr lang="zh-CN" altLang="en-US" dirty="0">
+              <a:latin typeface="微软雅黑" panose="020B0503020204020204" pitchFamily="34" charset="-122"/>
+              <a:ea typeface="微软雅黑" panose="020B0503020204020204" pitchFamily="34" charset="-122"/>
+            </a:endParaRPr>
+          </a:p>
+        </p:txBody>
+      </p:sp>
+    </p:spTree>
+    <p:extLst>
+      <p:ext uri="{BB962C8B-B14F-4D97-AF65-F5344CB8AC3E}">
+        <p14:creationId xmlns:p14="http://schemas.microsoft.com/office/powerpoint/2010/main" val="1361778177"/>
+      </p:ext>
+    </p:extLst>
+  </p:cSld>
+  <p:clrMapOvr>
+    <a:masterClrMapping/>
+  </p:clrMapOvr>
+</p:sld>
+</file>
+
+<file path=ppt/slides/slide4.xml><?xml version="1.0" encoding="utf-8"?>
 <p:sld xmlns:a="http://schemas.openxmlformats.org/drawingml/2006/main" xmlns:r="http://schemas.openxmlformats.org/officeDocument/2006/relationships" xmlns:p="http://schemas.openxmlformats.org/presentationml/2006/main">
   <p:cSld>
     <p:spTree>
@@ -23995,458 +26193,7 @@
 </p:sld>
 </file>
 
-<file path=ppt/slides/slide20.xml><?xml version="1.0" encoding="utf-8"?>
-<p:sld xmlns:a="http://schemas.openxmlformats.org/drawingml/2006/main" xmlns:r="http://schemas.openxmlformats.org/officeDocument/2006/relationships" xmlns:p="http://schemas.openxmlformats.org/presentationml/2006/main">
-  <p:cSld>
-    <p:spTree>
-      <p:nvGrpSpPr>
-        <p:cNvPr id="1" name=""/>
-        <p:cNvGrpSpPr/>
-        <p:nvPr/>
-      </p:nvGrpSpPr>
-      <p:grpSpPr>
-        <a:xfrm>
-          <a:off x="0" y="0"/>
-          <a:ext cx="0" cy="0"/>
-          <a:chOff x="0" y="0"/>
-          <a:chExt cx="0" cy="0"/>
-        </a:xfrm>
-      </p:grpSpPr>
-      <p:sp>
-        <p:nvSpPr>
-          <p:cNvPr id="2" name="标题 1"/>
-          <p:cNvSpPr>
-            <a:spLocks noGrp="1"/>
-          </p:cNvSpPr>
-          <p:nvPr>
-            <p:ph type="title"/>
-          </p:nvPr>
-        </p:nvSpPr>
-        <p:spPr/>
-        <p:txBody>
-          <a:bodyPr/>
-          <a:lstStyle/>
-          <a:p>
-            <a:r>
-              <a:rPr lang="zh-CN" altLang="en-US" dirty="0" smtClean="0"/>
-              <a:t>流动性溢价：经纪商（时间序列）</a:t>
-            </a:r>
-            <a:endParaRPr lang="zh-CN" altLang="en-US" dirty="0"/>
-          </a:p>
-        </p:txBody>
-      </p:sp>
-      <p:graphicFrame>
-        <p:nvGraphicFramePr>
-          <p:cNvPr id="5" name="图表 4"/>
-          <p:cNvGraphicFramePr>
-            <a:graphicFrameLocks/>
-          </p:cNvGraphicFramePr>
-          <p:nvPr>
-            <p:extLst>
-              <p:ext uri="{D42A27DB-BD31-4B8C-83A1-F6EECF244321}">
-                <p14:modId xmlns:p14="http://schemas.microsoft.com/office/powerpoint/2010/main" val="1811213131"/>
-              </p:ext>
-            </p:extLst>
-          </p:nvPr>
-        </p:nvGraphicFramePr>
-        <p:xfrm>
-          <a:off x="331470" y="825725"/>
-          <a:ext cx="6261606" cy="3850265"/>
-        </p:xfrm>
-        <a:graphic>
-          <a:graphicData uri="http://schemas.openxmlformats.org/drawingml/2006/chart">
-            <c:chart xmlns:c="http://schemas.openxmlformats.org/drawingml/2006/chart" xmlns:r="http://schemas.openxmlformats.org/officeDocument/2006/relationships" r:id="rId2"/>
-          </a:graphicData>
-        </a:graphic>
-      </p:graphicFrame>
-      <p:sp>
-        <p:nvSpPr>
-          <p:cNvPr id="3" name="文本框 2"/>
-          <p:cNvSpPr txBox="1"/>
-          <p:nvPr/>
-        </p:nvSpPr>
-        <p:spPr>
-          <a:xfrm>
-            <a:off x="6930736" y="862445"/>
-            <a:ext cx="1943100" cy="2169825"/>
-          </a:xfrm>
-          <a:prstGeom prst="rect">
-            <a:avLst/>
-          </a:prstGeom>
-          <a:noFill/>
-        </p:spPr>
-        <p:txBody>
-          <a:bodyPr wrap="square" rtlCol="0">
-            <a:spAutoFit/>
-          </a:bodyPr>
-          <a:lstStyle/>
-          <a:p>
-            <a:pPr marL="285750" indent="-285750" algn="just">
-              <a:lnSpc>
-                <a:spcPct val="150000"/>
-              </a:lnSpc>
-              <a:buFont typeface="Wingdings" panose="05000000000000000000" pitchFamily="2" charset="2"/>
-              <a:buChar char="Ø"/>
-            </a:pPr>
-            <a:r>
-              <a:rPr lang="zh-CN" altLang="en-US" dirty="0" smtClean="0">
-                <a:latin typeface="微软雅黑" panose="020B0503020204020204" pitchFamily="34" charset="-122"/>
-                <a:ea typeface="微软雅黑" panose="020B0503020204020204" pitchFamily="34" charset="-122"/>
-              </a:rPr>
-              <a:t>大多数情况下</a:t>
-            </a:r>
-            <a:r>
-              <a:rPr lang="en-US" altLang="zh-CN" dirty="0" smtClean="0">
-                <a:latin typeface="微软雅黑" panose="020B0503020204020204" pitchFamily="34" charset="-122"/>
-                <a:ea typeface="微软雅黑" panose="020B0503020204020204" pitchFamily="34" charset="-122"/>
-              </a:rPr>
-              <a:t>5Y</a:t>
-            </a:r>
-            <a:r>
-              <a:rPr lang="zh-CN" altLang="en-US" dirty="0" smtClean="0">
-                <a:latin typeface="微软雅黑" panose="020B0503020204020204" pitchFamily="34" charset="-122"/>
-                <a:ea typeface="微软雅黑" panose="020B0503020204020204" pitchFamily="34" charset="-122"/>
-              </a:rPr>
-              <a:t>以及</a:t>
-            </a:r>
-            <a:r>
-              <a:rPr lang="en-US" altLang="zh-CN" dirty="0" smtClean="0">
-                <a:latin typeface="微软雅黑" panose="020B0503020204020204" pitchFamily="34" charset="-122"/>
-                <a:ea typeface="微软雅黑" panose="020B0503020204020204" pitchFamily="34" charset="-122"/>
-              </a:rPr>
-              <a:t>7Y</a:t>
-            </a:r>
-            <a:r>
-              <a:rPr lang="zh-CN" altLang="en-US" dirty="0" smtClean="0">
-                <a:latin typeface="微软雅黑" panose="020B0503020204020204" pitchFamily="34" charset="-122"/>
-                <a:ea typeface="微软雅黑" panose="020B0503020204020204" pitchFamily="34" charset="-122"/>
-              </a:rPr>
-              <a:t>流动性价差大于</a:t>
-            </a:r>
-            <a:r>
-              <a:rPr lang="en-US" altLang="zh-CN" dirty="0" smtClean="0">
-                <a:latin typeface="微软雅黑" panose="020B0503020204020204" pitchFamily="34" charset="-122"/>
-                <a:ea typeface="微软雅黑" panose="020B0503020204020204" pitchFamily="34" charset="-122"/>
-              </a:rPr>
-              <a:t>0</a:t>
-            </a:r>
-            <a:r>
-              <a:rPr lang="zh-CN" altLang="en-US" dirty="0" smtClean="0">
-                <a:latin typeface="微软雅黑" panose="020B0503020204020204" pitchFamily="34" charset="-122"/>
-                <a:ea typeface="微软雅黑" panose="020B0503020204020204" pitchFamily="34" charset="-122"/>
-              </a:rPr>
-              <a:t>，呈现出显著地流动性溢价</a:t>
-            </a:r>
-            <a:endParaRPr lang="zh-CN" altLang="en-US" dirty="0">
-              <a:latin typeface="微软雅黑" panose="020B0503020204020204" pitchFamily="34" charset="-122"/>
-              <a:ea typeface="微软雅黑" panose="020B0503020204020204" pitchFamily="34" charset="-122"/>
-            </a:endParaRPr>
-          </a:p>
-        </p:txBody>
-      </p:sp>
-    </p:spTree>
-    <p:extLst>
-      <p:ext uri="{BB962C8B-B14F-4D97-AF65-F5344CB8AC3E}">
-        <p14:creationId xmlns:p14="http://schemas.microsoft.com/office/powerpoint/2010/main" val="3942424846"/>
-      </p:ext>
-    </p:extLst>
-  </p:cSld>
-  <p:clrMapOvr>
-    <a:masterClrMapping/>
-  </p:clrMapOvr>
-</p:sld>
-</file>
-
-<file path=ppt/slides/slide21.xml><?xml version="1.0" encoding="utf-8"?>
-<p:sld xmlns:a="http://schemas.openxmlformats.org/drawingml/2006/main" xmlns:r="http://schemas.openxmlformats.org/officeDocument/2006/relationships" xmlns:p="http://schemas.openxmlformats.org/presentationml/2006/main">
-  <p:cSld>
-    <p:spTree>
-      <p:nvGrpSpPr>
-        <p:cNvPr id="1" name=""/>
-        <p:cNvGrpSpPr/>
-        <p:nvPr/>
-      </p:nvGrpSpPr>
-      <p:grpSpPr>
-        <a:xfrm>
-          <a:off x="0" y="0"/>
-          <a:ext cx="0" cy="0"/>
-          <a:chOff x="0" y="0"/>
-          <a:chExt cx="0" cy="0"/>
-        </a:xfrm>
-      </p:grpSpPr>
-      <p:sp>
-        <p:nvSpPr>
-          <p:cNvPr id="2" name="标题 1"/>
-          <p:cNvSpPr>
-            <a:spLocks noGrp="1"/>
-          </p:cNvSpPr>
-          <p:nvPr>
-            <p:ph type="title"/>
-          </p:nvPr>
-        </p:nvSpPr>
-        <p:spPr/>
-        <p:txBody>
-          <a:bodyPr/>
-          <a:lstStyle/>
-          <a:p>
-            <a:r>
-              <a:rPr lang="zh-CN" altLang="en-US" dirty="0" smtClean="0"/>
-              <a:t>流动性溢价：银行间现券（期限结构）</a:t>
-            </a:r>
-            <a:endParaRPr lang="zh-CN" altLang="en-US" dirty="0"/>
-          </a:p>
-        </p:txBody>
-      </p:sp>
-      <p:sp>
-        <p:nvSpPr>
-          <p:cNvPr id="8" name="文本框 7"/>
-          <p:cNvSpPr txBox="1"/>
-          <p:nvPr/>
-        </p:nvSpPr>
-        <p:spPr>
-          <a:xfrm>
-            <a:off x="5704609" y="883227"/>
-            <a:ext cx="3086100" cy="1338828"/>
-          </a:xfrm>
-          <a:prstGeom prst="rect">
-            <a:avLst/>
-          </a:prstGeom>
-          <a:noFill/>
-        </p:spPr>
-        <p:txBody>
-          <a:bodyPr wrap="square" rtlCol="0">
-            <a:spAutoFit/>
-          </a:bodyPr>
-          <a:lstStyle/>
-          <a:p>
-            <a:pPr marL="285750" indent="-285750" algn="just">
-              <a:lnSpc>
-                <a:spcPct val="150000"/>
-              </a:lnSpc>
-              <a:buFont typeface="Wingdings" panose="05000000000000000000" pitchFamily="2" charset="2"/>
-              <a:buChar char="Ø"/>
-            </a:pPr>
-            <a:r>
-              <a:rPr lang="zh-CN" altLang="en-US" dirty="0" smtClean="0">
-                <a:latin typeface="微软雅黑" panose="020B0503020204020204" pitchFamily="34" charset="-122"/>
-                <a:ea typeface="微软雅黑" panose="020B0503020204020204" pitchFamily="34" charset="-122"/>
-              </a:rPr>
-              <a:t>银行间现券曲线在</a:t>
-            </a:r>
-            <a:r>
-              <a:rPr lang="en-US" altLang="zh-CN" dirty="0" smtClean="0">
-                <a:latin typeface="微软雅黑" panose="020B0503020204020204" pitchFamily="34" charset="-122"/>
-                <a:ea typeface="微软雅黑" panose="020B0503020204020204" pitchFamily="34" charset="-122"/>
-              </a:rPr>
-              <a:t>10</a:t>
-            </a:r>
-            <a:r>
-              <a:rPr lang="zh-CN" altLang="en-US" dirty="0" smtClean="0">
-                <a:latin typeface="微软雅黑" panose="020B0503020204020204" pitchFamily="34" charset="-122"/>
-                <a:ea typeface="微软雅黑" panose="020B0503020204020204" pitchFamily="34" charset="-122"/>
-              </a:rPr>
-              <a:t>年以内整个期限结构都有比较明显的流动性溢价。</a:t>
-            </a:r>
-            <a:endParaRPr lang="zh-CN" altLang="en-US" dirty="0">
-              <a:latin typeface="微软雅黑" panose="020B0503020204020204" pitchFamily="34" charset="-122"/>
-              <a:ea typeface="微软雅黑" panose="020B0503020204020204" pitchFamily="34" charset="-122"/>
-            </a:endParaRPr>
-          </a:p>
-        </p:txBody>
-      </p:sp>
-      <p:graphicFrame>
-        <p:nvGraphicFramePr>
-          <p:cNvPr id="12" name="图表 11"/>
-          <p:cNvGraphicFramePr>
-            <a:graphicFrameLocks/>
-          </p:cNvGraphicFramePr>
-          <p:nvPr>
-            <p:extLst>
-              <p:ext uri="{D42A27DB-BD31-4B8C-83A1-F6EECF244321}">
-                <p14:modId xmlns:p14="http://schemas.microsoft.com/office/powerpoint/2010/main" val="3117172217"/>
-              </p:ext>
-            </p:extLst>
-          </p:nvPr>
-        </p:nvGraphicFramePr>
-        <p:xfrm>
-          <a:off x="329809" y="883227"/>
-          <a:ext cx="5374800" cy="3592800"/>
-        </p:xfrm>
-        <a:graphic>
-          <a:graphicData uri="http://schemas.openxmlformats.org/drawingml/2006/chart">
-            <c:chart xmlns:c="http://schemas.openxmlformats.org/drawingml/2006/chart" xmlns:r="http://schemas.openxmlformats.org/officeDocument/2006/relationships" r:id="rId2"/>
-          </a:graphicData>
-        </a:graphic>
-      </p:graphicFrame>
-    </p:spTree>
-    <p:extLst>
-      <p:ext uri="{BB962C8B-B14F-4D97-AF65-F5344CB8AC3E}">
-        <p14:creationId xmlns:p14="http://schemas.microsoft.com/office/powerpoint/2010/main" val="542014451"/>
-      </p:ext>
-    </p:extLst>
-  </p:cSld>
-  <p:clrMapOvr>
-    <a:masterClrMapping/>
-  </p:clrMapOvr>
-</p:sld>
-</file>
-
-<file path=ppt/slides/slide22.xml><?xml version="1.0" encoding="utf-8"?>
-<p:sld xmlns:a="http://schemas.openxmlformats.org/drawingml/2006/main" xmlns:r="http://schemas.openxmlformats.org/officeDocument/2006/relationships" xmlns:p="http://schemas.openxmlformats.org/presentationml/2006/main">
-  <p:cSld>
-    <p:spTree>
-      <p:nvGrpSpPr>
-        <p:cNvPr id="1" name=""/>
-        <p:cNvGrpSpPr/>
-        <p:nvPr/>
-      </p:nvGrpSpPr>
-      <p:grpSpPr>
-        <a:xfrm>
-          <a:off x="0" y="0"/>
-          <a:ext cx="0" cy="0"/>
-          <a:chOff x="0" y="0"/>
-          <a:chExt cx="0" cy="0"/>
-        </a:xfrm>
-      </p:grpSpPr>
-      <p:sp>
-        <p:nvSpPr>
-          <p:cNvPr id="2" name="标题 1"/>
-          <p:cNvSpPr>
-            <a:spLocks noGrp="1"/>
-          </p:cNvSpPr>
-          <p:nvPr>
-            <p:ph type="title"/>
-          </p:nvPr>
-        </p:nvSpPr>
-        <p:spPr/>
-        <p:txBody>
-          <a:bodyPr/>
-          <a:lstStyle/>
-          <a:p>
-            <a:r>
-              <a:rPr lang="zh-CN" altLang="en-US" dirty="0" smtClean="0"/>
-              <a:t>流动性溢价：银行间现券（时间序列）</a:t>
-            </a:r>
-            <a:endParaRPr lang="zh-CN" altLang="en-US" dirty="0"/>
-          </a:p>
-        </p:txBody>
-      </p:sp>
-      <p:graphicFrame>
-        <p:nvGraphicFramePr>
-          <p:cNvPr id="5" name="图表 4"/>
-          <p:cNvGraphicFramePr>
-            <a:graphicFrameLocks/>
-          </p:cNvGraphicFramePr>
-          <p:nvPr>
-            <p:extLst>
-              <p:ext uri="{D42A27DB-BD31-4B8C-83A1-F6EECF244321}">
-                <p14:modId xmlns:p14="http://schemas.microsoft.com/office/powerpoint/2010/main" val="20041949"/>
-              </p:ext>
-            </p:extLst>
-          </p:nvPr>
-        </p:nvGraphicFramePr>
-        <p:xfrm>
-          <a:off x="331470" y="810491"/>
-          <a:ext cx="6260400" cy="3852000"/>
-        </p:xfrm>
-        <a:graphic>
-          <a:graphicData uri="http://schemas.openxmlformats.org/drawingml/2006/chart">
-            <c:chart xmlns:c="http://schemas.openxmlformats.org/drawingml/2006/chart" xmlns:r="http://schemas.openxmlformats.org/officeDocument/2006/relationships" r:id="rId2"/>
-          </a:graphicData>
-        </a:graphic>
-      </p:graphicFrame>
-      <p:sp>
-        <p:nvSpPr>
-          <p:cNvPr id="4" name="文本框 3"/>
-          <p:cNvSpPr txBox="1"/>
-          <p:nvPr/>
-        </p:nvSpPr>
-        <p:spPr>
-          <a:xfrm>
-            <a:off x="6930736" y="862445"/>
-            <a:ext cx="1943100" cy="2169825"/>
-          </a:xfrm>
-          <a:prstGeom prst="rect">
-            <a:avLst/>
-          </a:prstGeom>
-          <a:noFill/>
-        </p:spPr>
-        <p:txBody>
-          <a:bodyPr wrap="square" rtlCol="0">
-            <a:spAutoFit/>
-          </a:bodyPr>
-          <a:lstStyle/>
-          <a:p>
-            <a:pPr marL="285750" indent="-285750" algn="just">
-              <a:lnSpc>
-                <a:spcPct val="150000"/>
-              </a:lnSpc>
-              <a:buFont typeface="Wingdings" panose="05000000000000000000" pitchFamily="2" charset="2"/>
-              <a:buChar char="Ø"/>
-            </a:pPr>
-            <a:r>
-              <a:rPr lang="en-US" altLang="zh-CN" dirty="0" smtClean="0">
-                <a:latin typeface="微软雅黑" panose="020B0503020204020204" pitchFamily="34" charset="-122"/>
-                <a:ea typeface="微软雅黑" panose="020B0503020204020204" pitchFamily="34" charset="-122"/>
-              </a:rPr>
-              <a:t>7Y</a:t>
-            </a:r>
-            <a:r>
-              <a:rPr lang="zh-CN" altLang="en-US" dirty="0" smtClean="0">
-                <a:latin typeface="微软雅黑" panose="020B0503020204020204" pitchFamily="34" charset="-122"/>
-                <a:ea typeface="微软雅黑" panose="020B0503020204020204" pitchFamily="34" charset="-122"/>
-              </a:rPr>
-              <a:t>期价差数次穿越</a:t>
-            </a:r>
-            <a:r>
-              <a:rPr lang="en-US" altLang="zh-CN" dirty="0" smtClean="0">
-                <a:latin typeface="微软雅黑" panose="020B0503020204020204" pitchFamily="34" charset="-122"/>
-                <a:ea typeface="微软雅黑" panose="020B0503020204020204" pitchFamily="34" charset="-122"/>
-              </a:rPr>
-              <a:t>0</a:t>
-            </a:r>
-            <a:r>
-              <a:rPr lang="zh-CN" altLang="en-US" dirty="0" smtClean="0">
-                <a:latin typeface="微软雅黑" panose="020B0503020204020204" pitchFamily="34" charset="-122"/>
-                <a:ea typeface="微软雅黑" panose="020B0503020204020204" pitchFamily="34" charset="-122"/>
-              </a:rPr>
-              <a:t>点，但流动性价差整体仍然运行于</a:t>
-            </a:r>
-            <a:r>
-              <a:rPr lang="en-US" altLang="zh-CN" dirty="0" smtClean="0">
-                <a:latin typeface="微软雅黑" panose="020B0503020204020204" pitchFamily="34" charset="-122"/>
-                <a:ea typeface="微软雅黑" panose="020B0503020204020204" pitchFamily="34" charset="-122"/>
-              </a:rPr>
-              <a:t>0</a:t>
-            </a:r>
-            <a:r>
-              <a:rPr lang="zh-CN" altLang="en-US" dirty="0" smtClean="0">
-                <a:latin typeface="微软雅黑" panose="020B0503020204020204" pitchFamily="34" charset="-122"/>
-                <a:ea typeface="微软雅黑" panose="020B0503020204020204" pitchFamily="34" charset="-122"/>
-              </a:rPr>
-              <a:t>之上。</a:t>
-            </a:r>
-            <a:endParaRPr lang="zh-CN" altLang="en-US" dirty="0">
-              <a:latin typeface="微软雅黑" panose="020B0503020204020204" pitchFamily="34" charset="-122"/>
-              <a:ea typeface="微软雅黑" panose="020B0503020204020204" pitchFamily="34" charset="-122"/>
-            </a:endParaRPr>
-          </a:p>
-        </p:txBody>
-      </p:sp>
-    </p:spTree>
-    <p:extLst>
-      <p:ext uri="{BB962C8B-B14F-4D97-AF65-F5344CB8AC3E}">
-        <p14:creationId xmlns:p14="http://schemas.microsoft.com/office/powerpoint/2010/main" val="430013129"/>
-      </p:ext>
-    </p:extLst>
-  </p:cSld>
-  <p:clrMapOvr>
-    <a:masterClrMapping/>
-  </p:clrMapOvr>
-</p:sld>
-</file>
-
-<file path=ppt/slides/slide3.xml><?xml version="1.0" encoding="utf-8"?>
+<file path=ppt/slides/slide5.xml><?xml version="1.0" encoding="utf-8"?>
 <p:sld xmlns:a="http://schemas.openxmlformats.org/drawingml/2006/main" xmlns:r="http://schemas.openxmlformats.org/officeDocument/2006/relationships" xmlns:p="http://schemas.openxmlformats.org/presentationml/2006/main">
   <p:cSld>
     <p:spTree>
@@ -24852,7 +26599,7 @@
 </p:sld>
 </file>
 
-<file path=ppt/slides/slide4.xml><?xml version="1.0" encoding="utf-8"?>
+<file path=ppt/slides/slide6.xml><?xml version="1.0" encoding="utf-8"?>
 <p:sld xmlns:a="http://schemas.openxmlformats.org/drawingml/2006/main" xmlns:r="http://schemas.openxmlformats.org/officeDocument/2006/relationships" xmlns:p="http://schemas.openxmlformats.org/presentationml/2006/main">
   <p:cSld>
     <p:spTree>
@@ -25744,7 +27491,7 @@
 </p:sld>
 </file>
 
-<file path=ppt/slides/slide5.xml><?xml version="1.0" encoding="utf-8"?>
+<file path=ppt/slides/slide7.xml><?xml version="1.0" encoding="utf-8"?>
 <p:sld xmlns:a="http://schemas.openxmlformats.org/drawingml/2006/main" xmlns:r="http://schemas.openxmlformats.org/officeDocument/2006/relationships" xmlns:p="http://schemas.openxmlformats.org/presentationml/2006/main">
   <p:cSld>
     <p:spTree>
@@ -26697,7 +28444,7 @@
 </p:sld>
 </file>
 
-<file path=ppt/slides/slide6.xml><?xml version="1.0" encoding="utf-8"?>
+<file path=ppt/slides/slide8.xml><?xml version="1.0" encoding="utf-8"?>
 <p:sld xmlns:a="http://schemas.openxmlformats.org/drawingml/2006/main" xmlns:r="http://schemas.openxmlformats.org/officeDocument/2006/relationships" xmlns:p="http://schemas.openxmlformats.org/presentationml/2006/main">
   <p:cSld>
     <p:spTree>
@@ -27529,7 +29276,7 @@
 </p:sld>
 </file>
 
-<file path=ppt/slides/slide7.xml><?xml version="1.0" encoding="utf-8"?>
+<file path=ppt/slides/slide9.xml><?xml version="1.0" encoding="utf-8"?>
 <p:sld xmlns:a="http://schemas.openxmlformats.org/drawingml/2006/main" xmlns:r="http://schemas.openxmlformats.org/officeDocument/2006/relationships" xmlns:p="http://schemas.openxmlformats.org/presentationml/2006/main">
   <p:cSld>
     <p:spTree>
@@ -28128,1113 +29875,6 @@
     <p:extLst>
       <p:ext uri="{BB962C8B-B14F-4D97-AF65-F5344CB8AC3E}">
         <p14:creationId xmlns:p14="http://schemas.microsoft.com/office/powerpoint/2010/main" val="926359243"/>
-      </p:ext>
-    </p:extLst>
-  </p:cSld>
-  <p:clrMapOvr>
-    <a:masterClrMapping/>
-  </p:clrMapOvr>
-  <p:timing>
-    <p:tnLst>
-      <p:par>
-        <p:cTn id="1" dur="indefinite" restart="never" nodeType="tmRoot"/>
-      </p:par>
-    </p:tnLst>
-  </p:timing>
-</p:sld>
-</file>
-
-<file path=ppt/slides/slide8.xml><?xml version="1.0" encoding="utf-8"?>
-<p:sld xmlns:a="http://schemas.openxmlformats.org/drawingml/2006/main" xmlns:r="http://schemas.openxmlformats.org/officeDocument/2006/relationships" xmlns:p="http://schemas.openxmlformats.org/presentationml/2006/main">
-  <p:cSld>
-    <p:spTree>
-      <p:nvGrpSpPr>
-        <p:cNvPr id="1" name=""/>
-        <p:cNvGrpSpPr/>
-        <p:nvPr/>
-      </p:nvGrpSpPr>
-      <p:grpSpPr>
-        <a:xfrm>
-          <a:off x="0" y="0"/>
-          <a:ext cx="0" cy="0"/>
-          <a:chOff x="0" y="0"/>
-          <a:chExt cx="0" cy="0"/>
-        </a:xfrm>
-      </p:grpSpPr>
-      <p:sp>
-        <p:nvSpPr>
-          <p:cNvPr id="2" name="标题 1"/>
-          <p:cNvSpPr>
-            <a:spLocks noGrp="1"/>
-          </p:cNvSpPr>
-          <p:nvPr>
-            <p:ph type="title"/>
-          </p:nvPr>
-        </p:nvSpPr>
-        <p:spPr/>
-        <p:txBody>
-          <a:bodyPr/>
-          <a:lstStyle/>
-          <a:p>
-            <a:r>
-              <a:rPr lang="zh-CN" altLang="en-US" dirty="0" smtClean="0"/>
-              <a:t>建立曲线：时刻点</a:t>
-            </a:r>
-            <a:endParaRPr lang="zh-CN" altLang="en-US" dirty="0"/>
-          </a:p>
-        </p:txBody>
-      </p:sp>
-      <p:graphicFrame>
-        <p:nvGraphicFramePr>
-          <p:cNvPr id="3" name="表格 2"/>
-          <p:cNvGraphicFramePr>
-            <a:graphicFrameLocks noGrp="1"/>
-          </p:cNvGraphicFramePr>
-          <p:nvPr>
-            <p:extLst>
-              <p:ext uri="{D42A27DB-BD31-4B8C-83A1-F6EECF244321}">
-                <p14:modId xmlns:p14="http://schemas.microsoft.com/office/powerpoint/2010/main" val="4026047340"/>
-              </p:ext>
-            </p:extLst>
-          </p:nvPr>
-        </p:nvGraphicFramePr>
-        <p:xfrm>
-          <a:off x="4655128" y="837935"/>
-          <a:ext cx="2722418" cy="3346134"/>
-        </p:xfrm>
-        <a:graphic>
-          <a:graphicData uri="http://schemas.openxmlformats.org/drawingml/2006/table">
-            <a:tbl>
-              <a:tblPr firstRow="1">
-                <a:tableStyleId>{5C22544A-7EE6-4342-B048-85BDC9FD1C3A}</a:tableStyleId>
-              </a:tblPr>
-              <a:tblGrid>
-                <a:gridCol w="1020907"/>
-                <a:gridCol w="1701511"/>
-              </a:tblGrid>
-              <a:tr h="304194">
-                <a:tc gridSpan="2">
-                  <a:txBody>
-                    <a:bodyPr/>
-                    <a:lstStyle/>
-                    <a:p>
-                      <a:pPr algn="ctr" fontAlgn="b"/>
-                      <a:r>
-                        <a:rPr lang="zh-CN" altLang="en-US" sz="1500" b="1" i="0" u="none" strike="noStrike" dirty="0" smtClean="0">
-                          <a:solidFill>
-                            <a:schemeClr val="bg1"/>
-                          </a:solidFill>
-                          <a:effectLst/>
-                          <a:latin typeface="华文楷体" panose="02010600040101010101" pitchFamily="2" charset="-122"/>
-                          <a:ea typeface="华文楷体" panose="02010600040101010101" pitchFamily="2" charset="-122"/>
-                        </a:rPr>
-                        <a:t>货币经纪报价时刻点</a:t>
-                      </a:r>
-                      <a:endParaRPr lang="zh-CN" altLang="en-US" sz="1500" b="1" i="0" u="none" strike="noStrike" dirty="0">
-                        <a:solidFill>
-                          <a:schemeClr val="bg1"/>
-                        </a:solidFill>
-                        <a:effectLst/>
-                        <a:latin typeface="华文楷体" panose="02010600040101010101" pitchFamily="2" charset="-122"/>
-                        <a:ea typeface="华文楷体" panose="02010600040101010101" pitchFamily="2" charset="-122"/>
-                      </a:endParaRPr>
-                    </a:p>
-                  </a:txBody>
-                  <a:tcPr marL="9525" marR="9525" marT="9525" marB="0" anchor="ctr"/>
-                </a:tc>
-                <a:tc hMerge="1">
-                  <a:txBody>
-                    <a:bodyPr/>
-                    <a:lstStyle/>
-                    <a:p>
-                      <a:pPr algn="ctr" fontAlgn="b"/>
-                      <a:endParaRPr lang="zh-CN" altLang="en-US" sz="1500" b="1" i="0" u="none" strike="noStrike" dirty="0">
-                        <a:solidFill>
-                          <a:srgbClr val="000000"/>
-                        </a:solidFill>
-                        <a:effectLst/>
-                        <a:latin typeface="华文楷体" panose="02010600040101010101" pitchFamily="2" charset="-122"/>
-                        <a:ea typeface="华文楷体" panose="02010600040101010101" pitchFamily="2" charset="-122"/>
-                      </a:endParaRPr>
-                    </a:p>
-                  </a:txBody>
-                  <a:tcPr marL="9525" marR="9525" marT="9525" marB="0" anchor="ctr"/>
-                </a:tc>
-              </a:tr>
-              <a:tr h="304194">
-                <a:tc>
-                  <a:txBody>
-                    <a:bodyPr/>
-                    <a:lstStyle/>
-                    <a:p>
-                      <a:pPr algn="ctr" fontAlgn="b"/>
-                      <a:r>
-                        <a:rPr lang="zh-CN" altLang="en-US" sz="1500" b="1" u="none" strike="noStrike" dirty="0">
-                          <a:effectLst/>
-                          <a:latin typeface="华文楷体" panose="02010600040101010101" pitchFamily="2" charset="-122"/>
-                          <a:ea typeface="华文楷体" panose="02010600040101010101" pitchFamily="2" charset="-122"/>
-                        </a:rPr>
-                        <a:t>时刻</a:t>
-                      </a:r>
-                      <a:endParaRPr lang="zh-CN" altLang="en-US" sz="1500" b="1" i="0" u="none" strike="noStrike" dirty="0">
-                        <a:solidFill>
-                          <a:srgbClr val="000000"/>
-                        </a:solidFill>
-                        <a:effectLst/>
-                        <a:latin typeface="华文楷体" panose="02010600040101010101" pitchFamily="2" charset="-122"/>
-                        <a:ea typeface="华文楷体" panose="02010600040101010101" pitchFamily="2" charset="-122"/>
-                      </a:endParaRPr>
-                    </a:p>
-                  </a:txBody>
-                  <a:tcPr marL="9525" marR="9525" marT="9525" marB="0" anchor="ctr"/>
-                </a:tc>
-                <a:tc>
-                  <a:txBody>
-                    <a:bodyPr/>
-                    <a:lstStyle/>
-                    <a:p>
-                      <a:pPr algn="ctr" fontAlgn="b"/>
-                      <a:r>
-                        <a:rPr lang="zh-CN" altLang="en-US" sz="1500" b="1" u="none" strike="noStrike" dirty="0">
-                          <a:effectLst/>
-                          <a:latin typeface="华文楷体" panose="02010600040101010101" pitchFamily="2" charset="-122"/>
-                          <a:ea typeface="华文楷体" panose="02010600040101010101" pitchFamily="2" charset="-122"/>
-                        </a:rPr>
-                        <a:t>报价次数</a:t>
-                      </a:r>
-                      <a:endParaRPr lang="zh-CN" altLang="en-US" sz="1500" b="1" i="0" u="none" strike="noStrike" dirty="0">
-                        <a:solidFill>
-                          <a:srgbClr val="000000"/>
-                        </a:solidFill>
-                        <a:effectLst/>
-                        <a:latin typeface="华文楷体" panose="02010600040101010101" pitchFamily="2" charset="-122"/>
-                        <a:ea typeface="华文楷体" panose="02010600040101010101" pitchFamily="2" charset="-122"/>
-                      </a:endParaRPr>
-                    </a:p>
-                  </a:txBody>
-                  <a:tcPr marL="9525" marR="9525" marT="9525" marB="0" anchor="ctr"/>
-                </a:tc>
-              </a:tr>
-              <a:tr h="304194">
-                <a:tc>
-                  <a:txBody>
-                    <a:bodyPr/>
-                    <a:lstStyle/>
-                    <a:p>
-                      <a:pPr algn="ctr" fontAlgn="b"/>
-                      <a:r>
-                        <a:rPr lang="en-US" altLang="zh-CN" sz="1500" u="none" strike="noStrike" dirty="0">
-                          <a:effectLst/>
-                          <a:latin typeface="华文楷体" panose="02010600040101010101" pitchFamily="2" charset="-122"/>
-                          <a:ea typeface="华文楷体" panose="02010600040101010101" pitchFamily="2" charset="-122"/>
-                        </a:rPr>
-                        <a:t>1</a:t>
-                      </a:r>
-                      <a:endParaRPr lang="en-US" altLang="zh-CN" sz="1500" b="0" i="0" u="none" strike="noStrike" dirty="0">
-                        <a:solidFill>
-                          <a:srgbClr val="000000"/>
-                        </a:solidFill>
-                        <a:effectLst/>
-                        <a:latin typeface="华文楷体" panose="02010600040101010101" pitchFamily="2" charset="-122"/>
-                        <a:ea typeface="华文楷体" panose="02010600040101010101" pitchFamily="2" charset="-122"/>
-                      </a:endParaRPr>
-                    </a:p>
-                  </a:txBody>
-                  <a:tcPr marL="9525" marR="9525" marT="9525" marB="0" anchor="ctr"/>
-                </a:tc>
-                <a:tc>
-                  <a:txBody>
-                    <a:bodyPr/>
-                    <a:lstStyle/>
-                    <a:p>
-                      <a:pPr algn="ctr" fontAlgn="b"/>
-                      <a:r>
-                        <a:rPr lang="en-US" altLang="zh-CN" sz="1500" u="none" strike="noStrike" dirty="0">
-                          <a:effectLst/>
-                          <a:latin typeface="华文楷体" panose="02010600040101010101" pitchFamily="2" charset="-122"/>
-                          <a:ea typeface="华文楷体" panose="02010600040101010101" pitchFamily="2" charset="-122"/>
-                        </a:rPr>
-                        <a:t>102</a:t>
-                      </a:r>
-                      <a:endParaRPr lang="en-US" altLang="zh-CN" sz="1500" b="0" i="0" u="none" strike="noStrike" dirty="0">
-                        <a:solidFill>
-                          <a:srgbClr val="000000"/>
-                        </a:solidFill>
-                        <a:effectLst/>
-                        <a:latin typeface="华文楷体" panose="02010600040101010101" pitchFamily="2" charset="-122"/>
-                        <a:ea typeface="华文楷体" panose="02010600040101010101" pitchFamily="2" charset="-122"/>
-                      </a:endParaRPr>
-                    </a:p>
-                  </a:txBody>
-                  <a:tcPr marL="9525" marR="9525" marT="9525" marB="0" anchor="ctr"/>
-                </a:tc>
-              </a:tr>
-              <a:tr h="304194">
-                <a:tc>
-                  <a:txBody>
-                    <a:bodyPr/>
-                    <a:lstStyle/>
-                    <a:p>
-                      <a:pPr algn="ctr" fontAlgn="b"/>
-                      <a:r>
-                        <a:rPr lang="en-US" altLang="zh-CN" sz="1500" b="1" u="none" strike="noStrike" dirty="0">
-                          <a:solidFill>
-                            <a:srgbClr val="FF0000"/>
-                          </a:solidFill>
-                          <a:effectLst/>
-                          <a:latin typeface="华文楷体" panose="02010600040101010101" pitchFamily="2" charset="-122"/>
-                          <a:ea typeface="华文楷体" panose="02010600040101010101" pitchFamily="2" charset="-122"/>
-                        </a:rPr>
-                        <a:t>7</a:t>
-                      </a:r>
-                      <a:endParaRPr lang="en-US" altLang="zh-CN" sz="1500" b="1" i="0" u="none" strike="noStrike" dirty="0">
-                        <a:solidFill>
-                          <a:srgbClr val="FF0000"/>
-                        </a:solidFill>
-                        <a:effectLst/>
-                        <a:latin typeface="华文楷体" panose="02010600040101010101" pitchFamily="2" charset="-122"/>
-                        <a:ea typeface="华文楷体" panose="02010600040101010101" pitchFamily="2" charset="-122"/>
-                      </a:endParaRPr>
-                    </a:p>
-                  </a:txBody>
-                  <a:tcPr marL="9525" marR="9525" marT="9525" marB="0" anchor="ctr"/>
-                </a:tc>
-                <a:tc>
-                  <a:txBody>
-                    <a:bodyPr/>
-                    <a:lstStyle/>
-                    <a:p>
-                      <a:pPr algn="ctr" fontAlgn="b"/>
-                      <a:r>
-                        <a:rPr lang="en-US" altLang="zh-CN" sz="1500" b="1" u="none" strike="noStrike" dirty="0">
-                          <a:solidFill>
-                            <a:srgbClr val="FF0000"/>
-                          </a:solidFill>
-                          <a:effectLst/>
-                          <a:latin typeface="华文楷体" panose="02010600040101010101" pitchFamily="2" charset="-122"/>
-                          <a:ea typeface="华文楷体" panose="02010600040101010101" pitchFamily="2" charset="-122"/>
-                        </a:rPr>
-                        <a:t>504</a:t>
-                      </a:r>
-                      <a:endParaRPr lang="en-US" altLang="zh-CN" sz="1500" b="1" i="0" u="none" strike="noStrike" dirty="0">
-                        <a:solidFill>
-                          <a:srgbClr val="FF0000"/>
-                        </a:solidFill>
-                        <a:effectLst/>
-                        <a:latin typeface="华文楷体" panose="02010600040101010101" pitchFamily="2" charset="-122"/>
-                        <a:ea typeface="华文楷体" panose="02010600040101010101" pitchFamily="2" charset="-122"/>
-                      </a:endParaRPr>
-                    </a:p>
-                  </a:txBody>
-                  <a:tcPr marL="9525" marR="9525" marT="9525" marB="0" anchor="ctr"/>
-                </a:tc>
-              </a:tr>
-              <a:tr h="304194">
-                <a:tc>
-                  <a:txBody>
-                    <a:bodyPr/>
-                    <a:lstStyle/>
-                    <a:p>
-                      <a:pPr algn="ctr" fontAlgn="b"/>
-                      <a:r>
-                        <a:rPr lang="en-US" altLang="zh-CN" sz="1500" b="1" u="none" strike="noStrike" dirty="0">
-                          <a:solidFill>
-                            <a:srgbClr val="FF0000"/>
-                          </a:solidFill>
-                          <a:effectLst/>
-                          <a:latin typeface="华文楷体" panose="02010600040101010101" pitchFamily="2" charset="-122"/>
-                          <a:ea typeface="华文楷体" panose="02010600040101010101" pitchFamily="2" charset="-122"/>
-                        </a:rPr>
-                        <a:t>8</a:t>
-                      </a:r>
-                      <a:endParaRPr lang="en-US" altLang="zh-CN" sz="1500" b="1" i="0" u="none" strike="noStrike" dirty="0">
-                        <a:solidFill>
-                          <a:srgbClr val="FF0000"/>
-                        </a:solidFill>
-                        <a:effectLst/>
-                        <a:latin typeface="华文楷体" panose="02010600040101010101" pitchFamily="2" charset="-122"/>
-                        <a:ea typeface="华文楷体" panose="02010600040101010101" pitchFamily="2" charset="-122"/>
-                      </a:endParaRPr>
-                    </a:p>
-                  </a:txBody>
-                  <a:tcPr marL="9525" marR="9525" marT="9525" marB="0" anchor="ctr"/>
-                </a:tc>
-                <a:tc>
-                  <a:txBody>
-                    <a:bodyPr/>
-                    <a:lstStyle/>
-                    <a:p>
-                      <a:pPr algn="ctr" fontAlgn="b"/>
-                      <a:r>
-                        <a:rPr lang="en-US" altLang="zh-CN" sz="1500" b="1" u="none" strike="noStrike" dirty="0">
-                          <a:solidFill>
-                            <a:srgbClr val="FF0000"/>
-                          </a:solidFill>
-                          <a:effectLst/>
-                          <a:latin typeface="华文楷体" panose="02010600040101010101" pitchFamily="2" charset="-122"/>
-                          <a:ea typeface="华文楷体" panose="02010600040101010101" pitchFamily="2" charset="-122"/>
-                        </a:rPr>
-                        <a:t>568</a:t>
-                      </a:r>
-                      <a:endParaRPr lang="en-US" altLang="zh-CN" sz="1500" b="1" i="0" u="none" strike="noStrike" dirty="0">
-                        <a:solidFill>
-                          <a:srgbClr val="FF0000"/>
-                        </a:solidFill>
-                        <a:effectLst/>
-                        <a:latin typeface="华文楷体" panose="02010600040101010101" pitchFamily="2" charset="-122"/>
-                        <a:ea typeface="华文楷体" panose="02010600040101010101" pitchFamily="2" charset="-122"/>
-                      </a:endParaRPr>
-                    </a:p>
-                  </a:txBody>
-                  <a:tcPr marL="9525" marR="9525" marT="9525" marB="0" anchor="ctr"/>
-                </a:tc>
-              </a:tr>
-              <a:tr h="304194">
-                <a:tc>
-                  <a:txBody>
-                    <a:bodyPr/>
-                    <a:lstStyle/>
-                    <a:p>
-                      <a:pPr algn="ctr" fontAlgn="b"/>
-                      <a:r>
-                        <a:rPr lang="en-US" altLang="zh-CN" sz="1500" u="none" strike="noStrike" dirty="0">
-                          <a:effectLst/>
-                          <a:latin typeface="华文楷体" panose="02010600040101010101" pitchFamily="2" charset="-122"/>
-                          <a:ea typeface="华文楷体" panose="02010600040101010101" pitchFamily="2" charset="-122"/>
-                        </a:rPr>
-                        <a:t>18</a:t>
-                      </a:r>
-                      <a:endParaRPr lang="en-US" altLang="zh-CN" sz="1500" b="0" i="0" u="none" strike="noStrike" dirty="0">
-                        <a:solidFill>
-                          <a:srgbClr val="000000"/>
-                        </a:solidFill>
-                        <a:effectLst/>
-                        <a:latin typeface="华文楷体" panose="02010600040101010101" pitchFamily="2" charset="-122"/>
-                        <a:ea typeface="华文楷体" panose="02010600040101010101" pitchFamily="2" charset="-122"/>
-                      </a:endParaRPr>
-                    </a:p>
-                  </a:txBody>
-                  <a:tcPr marL="9525" marR="9525" marT="9525" marB="0" anchor="ctr"/>
-                </a:tc>
-                <a:tc>
-                  <a:txBody>
-                    <a:bodyPr/>
-                    <a:lstStyle/>
-                    <a:p>
-                      <a:pPr algn="ctr" fontAlgn="b"/>
-                      <a:r>
-                        <a:rPr lang="en-US" altLang="zh-CN" sz="1500" u="none" strike="noStrike" dirty="0">
-                          <a:effectLst/>
-                          <a:latin typeface="华文楷体" panose="02010600040101010101" pitchFamily="2" charset="-122"/>
-                          <a:ea typeface="华文楷体" panose="02010600040101010101" pitchFamily="2" charset="-122"/>
-                        </a:rPr>
-                        <a:t>136</a:t>
-                      </a:r>
-                      <a:endParaRPr lang="en-US" altLang="zh-CN" sz="1500" b="0" i="0" u="none" strike="noStrike" dirty="0">
-                        <a:solidFill>
-                          <a:srgbClr val="000000"/>
-                        </a:solidFill>
-                        <a:effectLst/>
-                        <a:latin typeface="华文楷体" panose="02010600040101010101" pitchFamily="2" charset="-122"/>
-                        <a:ea typeface="华文楷体" panose="02010600040101010101" pitchFamily="2" charset="-122"/>
-                      </a:endParaRPr>
-                    </a:p>
-                  </a:txBody>
-                  <a:tcPr marL="9525" marR="9525" marT="9525" marB="0" anchor="ctr"/>
-                </a:tc>
-              </a:tr>
-              <a:tr h="304194">
-                <a:tc>
-                  <a:txBody>
-                    <a:bodyPr/>
-                    <a:lstStyle/>
-                    <a:p>
-                      <a:pPr algn="ctr" fontAlgn="b"/>
-                      <a:r>
-                        <a:rPr lang="en-US" altLang="zh-CN" sz="1500" b="1" u="none" strike="noStrike" dirty="0">
-                          <a:solidFill>
-                            <a:srgbClr val="FF0000"/>
-                          </a:solidFill>
-                          <a:effectLst/>
-                          <a:latin typeface="华文楷体" panose="02010600040101010101" pitchFamily="2" charset="-122"/>
-                          <a:ea typeface="华文楷体" panose="02010600040101010101" pitchFamily="2" charset="-122"/>
-                        </a:rPr>
-                        <a:t>19</a:t>
-                      </a:r>
-                      <a:endParaRPr lang="en-US" altLang="zh-CN" sz="1500" b="1" i="0" u="none" strike="noStrike" dirty="0">
-                        <a:solidFill>
-                          <a:srgbClr val="FF0000"/>
-                        </a:solidFill>
-                        <a:effectLst/>
-                        <a:latin typeface="华文楷体" panose="02010600040101010101" pitchFamily="2" charset="-122"/>
-                        <a:ea typeface="华文楷体" panose="02010600040101010101" pitchFamily="2" charset="-122"/>
-                      </a:endParaRPr>
-                    </a:p>
-                  </a:txBody>
-                  <a:tcPr marL="9525" marR="9525" marT="9525" marB="0" anchor="ctr"/>
-                </a:tc>
-                <a:tc>
-                  <a:txBody>
-                    <a:bodyPr/>
-                    <a:lstStyle/>
-                    <a:p>
-                      <a:pPr algn="ctr" fontAlgn="b"/>
-                      <a:r>
-                        <a:rPr lang="en-US" altLang="zh-CN" sz="1500" b="1" u="none" strike="noStrike" dirty="0">
-                          <a:solidFill>
-                            <a:srgbClr val="FF0000"/>
-                          </a:solidFill>
-                          <a:effectLst/>
-                          <a:latin typeface="华文楷体" panose="02010600040101010101" pitchFamily="2" charset="-122"/>
-                          <a:ea typeface="华文楷体" panose="02010600040101010101" pitchFamily="2" charset="-122"/>
-                        </a:rPr>
-                        <a:t>918</a:t>
-                      </a:r>
-                      <a:endParaRPr lang="en-US" altLang="zh-CN" sz="1500" b="1" i="0" u="none" strike="noStrike" dirty="0">
-                        <a:solidFill>
-                          <a:srgbClr val="FF0000"/>
-                        </a:solidFill>
-                        <a:effectLst/>
-                        <a:latin typeface="华文楷体" panose="02010600040101010101" pitchFamily="2" charset="-122"/>
-                        <a:ea typeface="华文楷体" panose="02010600040101010101" pitchFamily="2" charset="-122"/>
-                      </a:endParaRPr>
-                    </a:p>
-                  </a:txBody>
-                  <a:tcPr marL="9525" marR="9525" marT="9525" marB="0" anchor="ctr"/>
-                </a:tc>
-              </a:tr>
-              <a:tr h="304194">
-                <a:tc>
-                  <a:txBody>
-                    <a:bodyPr/>
-                    <a:lstStyle/>
-                    <a:p>
-                      <a:pPr algn="ctr" fontAlgn="b"/>
-                      <a:r>
-                        <a:rPr lang="en-US" altLang="zh-CN" sz="1500" b="1" u="none" strike="noStrike" dirty="0">
-                          <a:solidFill>
-                            <a:srgbClr val="FF0000"/>
-                          </a:solidFill>
-                          <a:effectLst/>
-                          <a:latin typeface="华文楷体" panose="02010600040101010101" pitchFamily="2" charset="-122"/>
-                          <a:ea typeface="华文楷体" panose="02010600040101010101" pitchFamily="2" charset="-122"/>
-                        </a:rPr>
-                        <a:t>20</a:t>
-                      </a:r>
-                      <a:endParaRPr lang="en-US" altLang="zh-CN" sz="1500" b="1" i="0" u="none" strike="noStrike" dirty="0">
-                        <a:solidFill>
-                          <a:srgbClr val="FF0000"/>
-                        </a:solidFill>
-                        <a:effectLst/>
-                        <a:latin typeface="华文楷体" panose="02010600040101010101" pitchFamily="2" charset="-122"/>
-                        <a:ea typeface="华文楷体" panose="02010600040101010101" pitchFamily="2" charset="-122"/>
-                      </a:endParaRPr>
-                    </a:p>
-                  </a:txBody>
-                  <a:tcPr marL="9525" marR="9525" marT="9525" marB="0" anchor="ctr"/>
-                </a:tc>
-                <a:tc>
-                  <a:txBody>
-                    <a:bodyPr/>
-                    <a:lstStyle/>
-                    <a:p>
-                      <a:pPr algn="ctr" fontAlgn="b"/>
-                      <a:r>
-                        <a:rPr lang="en-US" altLang="zh-CN" sz="1500" b="1" u="none" strike="noStrike" dirty="0">
-                          <a:solidFill>
-                            <a:srgbClr val="FF0000"/>
-                          </a:solidFill>
-                          <a:effectLst/>
-                          <a:latin typeface="华文楷体" panose="02010600040101010101" pitchFamily="2" charset="-122"/>
-                          <a:ea typeface="华文楷体" panose="02010600040101010101" pitchFamily="2" charset="-122"/>
-                        </a:rPr>
-                        <a:t>1414</a:t>
-                      </a:r>
-                      <a:endParaRPr lang="en-US" altLang="zh-CN" sz="1500" b="1" i="0" u="none" strike="noStrike" dirty="0">
-                        <a:solidFill>
-                          <a:srgbClr val="FF0000"/>
-                        </a:solidFill>
-                        <a:effectLst/>
-                        <a:latin typeface="华文楷体" panose="02010600040101010101" pitchFamily="2" charset="-122"/>
-                        <a:ea typeface="华文楷体" panose="02010600040101010101" pitchFamily="2" charset="-122"/>
-                      </a:endParaRPr>
-                    </a:p>
-                  </a:txBody>
-                  <a:tcPr marL="9525" marR="9525" marT="9525" marB="0" anchor="ctr"/>
-                </a:tc>
-              </a:tr>
-              <a:tr h="304194">
-                <a:tc>
-                  <a:txBody>
-                    <a:bodyPr/>
-                    <a:lstStyle/>
-                    <a:p>
-                      <a:pPr algn="ctr" fontAlgn="b"/>
-                      <a:r>
-                        <a:rPr lang="en-US" altLang="zh-CN" sz="1500" u="none" strike="noStrike">
-                          <a:effectLst/>
-                          <a:latin typeface="华文楷体" panose="02010600040101010101" pitchFamily="2" charset="-122"/>
-                          <a:ea typeface="华文楷体" panose="02010600040101010101" pitchFamily="2" charset="-122"/>
-                        </a:rPr>
-                        <a:t>21</a:t>
-                      </a:r>
-                      <a:endParaRPr lang="en-US" altLang="zh-CN" sz="1500" b="0" i="0" u="none" strike="noStrike">
-                        <a:solidFill>
-                          <a:srgbClr val="000000"/>
-                        </a:solidFill>
-                        <a:effectLst/>
-                        <a:latin typeface="华文楷体" panose="02010600040101010101" pitchFamily="2" charset="-122"/>
-                        <a:ea typeface="华文楷体" panose="02010600040101010101" pitchFamily="2" charset="-122"/>
-                      </a:endParaRPr>
-                    </a:p>
-                  </a:txBody>
-                  <a:tcPr marL="9525" marR="9525" marT="9525" marB="0" anchor="ctr"/>
-                </a:tc>
-                <a:tc>
-                  <a:txBody>
-                    <a:bodyPr/>
-                    <a:lstStyle/>
-                    <a:p>
-                      <a:pPr algn="ctr" fontAlgn="b"/>
-                      <a:r>
-                        <a:rPr lang="en-US" altLang="zh-CN" sz="1500" u="none" strike="noStrike" dirty="0">
-                          <a:effectLst/>
-                          <a:latin typeface="华文楷体" panose="02010600040101010101" pitchFamily="2" charset="-122"/>
-                          <a:ea typeface="华文楷体" panose="02010600040101010101" pitchFamily="2" charset="-122"/>
-                        </a:rPr>
-                        <a:t>241</a:t>
-                      </a:r>
-                      <a:endParaRPr lang="en-US" altLang="zh-CN" sz="1500" b="0" i="0" u="none" strike="noStrike" dirty="0">
-                        <a:solidFill>
-                          <a:srgbClr val="000000"/>
-                        </a:solidFill>
-                        <a:effectLst/>
-                        <a:latin typeface="华文楷体" panose="02010600040101010101" pitchFamily="2" charset="-122"/>
-                        <a:ea typeface="华文楷体" panose="02010600040101010101" pitchFamily="2" charset="-122"/>
-                      </a:endParaRPr>
-                    </a:p>
-                  </a:txBody>
-                  <a:tcPr marL="9525" marR="9525" marT="9525" marB="0" anchor="ctr"/>
-                </a:tc>
-              </a:tr>
-              <a:tr h="304194">
-                <a:tc>
-                  <a:txBody>
-                    <a:bodyPr/>
-                    <a:lstStyle/>
-                    <a:p>
-                      <a:pPr algn="ctr" fontAlgn="b"/>
-                      <a:r>
-                        <a:rPr lang="en-US" altLang="zh-CN" sz="1500" u="none" strike="noStrike">
-                          <a:effectLst/>
-                          <a:latin typeface="华文楷体" panose="02010600040101010101" pitchFamily="2" charset="-122"/>
-                          <a:ea typeface="华文楷体" panose="02010600040101010101" pitchFamily="2" charset="-122"/>
-                        </a:rPr>
-                        <a:t>23</a:t>
-                      </a:r>
-                      <a:endParaRPr lang="en-US" altLang="zh-CN" sz="1500" b="0" i="0" u="none" strike="noStrike">
-                        <a:solidFill>
-                          <a:srgbClr val="000000"/>
-                        </a:solidFill>
-                        <a:effectLst/>
-                        <a:latin typeface="华文楷体" panose="02010600040101010101" pitchFamily="2" charset="-122"/>
-                        <a:ea typeface="华文楷体" panose="02010600040101010101" pitchFamily="2" charset="-122"/>
-                      </a:endParaRPr>
-                    </a:p>
-                  </a:txBody>
-                  <a:tcPr marL="9525" marR="9525" marT="9525" marB="0" anchor="ctr"/>
-                </a:tc>
-                <a:tc>
-                  <a:txBody>
-                    <a:bodyPr/>
-                    <a:lstStyle/>
-                    <a:p>
-                      <a:pPr algn="ctr" fontAlgn="b"/>
-                      <a:r>
-                        <a:rPr lang="en-US" altLang="zh-CN" sz="1500" u="none" strike="noStrike" dirty="0">
-                          <a:effectLst/>
-                          <a:latin typeface="华文楷体" panose="02010600040101010101" pitchFamily="2" charset="-122"/>
-                          <a:ea typeface="华文楷体" panose="02010600040101010101" pitchFamily="2" charset="-122"/>
-                        </a:rPr>
-                        <a:t>34</a:t>
-                      </a:r>
-                      <a:endParaRPr lang="en-US" altLang="zh-CN" sz="1500" b="0" i="0" u="none" strike="noStrike" dirty="0">
-                        <a:solidFill>
-                          <a:srgbClr val="000000"/>
-                        </a:solidFill>
-                        <a:effectLst/>
-                        <a:latin typeface="华文楷体" panose="02010600040101010101" pitchFamily="2" charset="-122"/>
-                        <a:ea typeface="华文楷体" panose="02010600040101010101" pitchFamily="2" charset="-122"/>
-                      </a:endParaRPr>
-                    </a:p>
-                  </a:txBody>
-                  <a:tcPr marL="9525" marR="9525" marT="9525" marB="0" anchor="ctr"/>
-                </a:tc>
-              </a:tr>
-              <a:tr h="304194">
-                <a:tc>
-                  <a:txBody>
-                    <a:bodyPr/>
-                    <a:lstStyle/>
-                    <a:p>
-                      <a:pPr algn="ctr" fontAlgn="b"/>
-                      <a:r>
-                        <a:rPr lang="zh-CN" altLang="en-US" sz="1500" b="1" u="none" strike="noStrike" dirty="0">
-                          <a:effectLst/>
-                          <a:latin typeface="华文楷体" panose="02010600040101010101" pitchFamily="2" charset="-122"/>
-                          <a:ea typeface="华文楷体" panose="02010600040101010101" pitchFamily="2" charset="-122"/>
-                        </a:rPr>
-                        <a:t>总计</a:t>
-                      </a:r>
-                      <a:endParaRPr lang="zh-CN" altLang="en-US" sz="1500" b="1" i="0" u="none" strike="noStrike" dirty="0">
-                        <a:solidFill>
-                          <a:srgbClr val="000000"/>
-                        </a:solidFill>
-                        <a:effectLst/>
-                        <a:latin typeface="华文楷体" panose="02010600040101010101" pitchFamily="2" charset="-122"/>
-                        <a:ea typeface="华文楷体" panose="02010600040101010101" pitchFamily="2" charset="-122"/>
-                      </a:endParaRPr>
-                    </a:p>
-                  </a:txBody>
-                  <a:tcPr marL="9525" marR="9525" marT="9525" marB="0" anchor="ctr"/>
-                </a:tc>
-                <a:tc>
-                  <a:txBody>
-                    <a:bodyPr/>
-                    <a:lstStyle/>
-                    <a:p>
-                      <a:pPr algn="ctr" fontAlgn="b"/>
-                      <a:r>
-                        <a:rPr lang="en-US" altLang="zh-CN" sz="1500" b="1" u="none" strike="noStrike" dirty="0">
-                          <a:effectLst/>
-                          <a:latin typeface="华文楷体" panose="02010600040101010101" pitchFamily="2" charset="-122"/>
-                          <a:ea typeface="华文楷体" panose="02010600040101010101" pitchFamily="2" charset="-122"/>
-                        </a:rPr>
-                        <a:t>3917</a:t>
-                      </a:r>
-                      <a:endParaRPr lang="en-US" altLang="zh-CN" sz="1500" b="1" i="0" u="none" strike="noStrike" dirty="0">
-                        <a:solidFill>
-                          <a:srgbClr val="000000"/>
-                        </a:solidFill>
-                        <a:effectLst/>
-                        <a:latin typeface="华文楷体" panose="02010600040101010101" pitchFamily="2" charset="-122"/>
-                        <a:ea typeface="华文楷体" panose="02010600040101010101" pitchFamily="2" charset="-122"/>
-                      </a:endParaRPr>
-                    </a:p>
-                  </a:txBody>
-                  <a:tcPr marL="9525" marR="9525" marT="9525" marB="0" anchor="ctr"/>
-                </a:tc>
-              </a:tr>
-            </a:tbl>
-          </a:graphicData>
-        </a:graphic>
-      </p:graphicFrame>
-      <p:sp>
-        <p:nvSpPr>
-          <p:cNvPr id="5" name="文本框 4"/>
-          <p:cNvSpPr txBox="1"/>
-          <p:nvPr/>
-        </p:nvSpPr>
-        <p:spPr>
-          <a:xfrm>
-            <a:off x="331470" y="1132609"/>
-            <a:ext cx="3637857" cy="3000821"/>
-          </a:xfrm>
-          <a:prstGeom prst="rect">
-            <a:avLst/>
-          </a:prstGeom>
-          <a:noFill/>
-        </p:spPr>
-        <p:txBody>
-          <a:bodyPr wrap="square" rtlCol="0">
-            <a:spAutoFit/>
-          </a:bodyPr>
-          <a:lstStyle/>
-          <a:p>
-            <a:pPr marL="285750" indent="-285750" algn="just">
-              <a:lnSpc>
-                <a:spcPct val="150000"/>
-              </a:lnSpc>
-              <a:buFont typeface="Wingdings" panose="05000000000000000000" pitchFamily="2" charset="2"/>
-              <a:buChar char="Ø"/>
-            </a:pPr>
-            <a:r>
-              <a:rPr lang="zh-CN" altLang="en-US" dirty="0" smtClean="0">
-                <a:latin typeface="微软雅黑" panose="020B0503020204020204" pitchFamily="34" charset="-122"/>
-                <a:ea typeface="微软雅黑" panose="020B0503020204020204" pitchFamily="34" charset="-122"/>
-              </a:rPr>
-              <a:t>货币经纪商经常在早上</a:t>
-            </a:r>
-            <a:r>
-              <a:rPr lang="en-US" altLang="zh-CN" dirty="0" smtClean="0">
-                <a:latin typeface="微软雅黑" panose="020B0503020204020204" pitchFamily="34" charset="-122"/>
-                <a:ea typeface="微软雅黑" panose="020B0503020204020204" pitchFamily="34" charset="-122"/>
-              </a:rPr>
-              <a:t>7</a:t>
-            </a:r>
-            <a:r>
-              <a:rPr lang="zh-CN" altLang="en-US" dirty="0" smtClean="0">
-                <a:latin typeface="微软雅黑" panose="020B0503020204020204" pitchFamily="34" charset="-122"/>
-                <a:ea typeface="微软雅黑" panose="020B0503020204020204" pitchFamily="34" charset="-122"/>
-              </a:rPr>
-              <a:t>时或</a:t>
-            </a:r>
-            <a:r>
-              <a:rPr lang="en-US" altLang="zh-CN" dirty="0" smtClean="0">
-                <a:latin typeface="微软雅黑" panose="020B0503020204020204" pitchFamily="34" charset="-122"/>
-                <a:ea typeface="微软雅黑" panose="020B0503020204020204" pitchFamily="34" charset="-122"/>
-              </a:rPr>
-              <a:t>8</a:t>
-            </a:r>
-            <a:r>
-              <a:rPr lang="zh-CN" altLang="en-US" dirty="0" smtClean="0">
-                <a:latin typeface="微软雅黑" panose="020B0503020204020204" pitchFamily="34" charset="-122"/>
-                <a:ea typeface="微软雅黑" panose="020B0503020204020204" pitchFamily="34" charset="-122"/>
-              </a:rPr>
-              <a:t>时，晚上</a:t>
-            </a:r>
-            <a:r>
-              <a:rPr lang="en-US" altLang="zh-CN" dirty="0" smtClean="0">
-                <a:latin typeface="微软雅黑" panose="020B0503020204020204" pitchFamily="34" charset="-122"/>
-                <a:ea typeface="微软雅黑" panose="020B0503020204020204" pitchFamily="34" charset="-122"/>
-              </a:rPr>
-              <a:t>7</a:t>
-            </a:r>
-            <a:r>
-              <a:rPr lang="zh-CN" altLang="en-US" dirty="0" smtClean="0">
-                <a:latin typeface="微软雅黑" panose="020B0503020204020204" pitchFamily="34" charset="-122"/>
-                <a:ea typeface="微软雅黑" panose="020B0503020204020204" pitchFamily="34" charset="-122"/>
-              </a:rPr>
-              <a:t>时或</a:t>
-            </a:r>
-            <a:r>
-              <a:rPr lang="en-US" altLang="zh-CN" dirty="0" smtClean="0">
-                <a:latin typeface="微软雅黑" panose="020B0503020204020204" pitchFamily="34" charset="-122"/>
-                <a:ea typeface="微软雅黑" panose="020B0503020204020204" pitchFamily="34" charset="-122"/>
-              </a:rPr>
-              <a:t>8</a:t>
-            </a:r>
-            <a:r>
-              <a:rPr lang="zh-CN" altLang="en-US" dirty="0" smtClean="0">
-                <a:latin typeface="微软雅黑" panose="020B0503020204020204" pitchFamily="34" charset="-122"/>
-                <a:ea typeface="微软雅黑" panose="020B0503020204020204" pitchFamily="34" charset="-122"/>
-              </a:rPr>
-              <a:t>时更新当天估计。所以我们选取</a:t>
-            </a:r>
-            <a:r>
-              <a:rPr lang="en-US" altLang="zh-CN" dirty="0" smtClean="0">
-                <a:latin typeface="微软雅黑" panose="020B0503020204020204" pitchFamily="34" charset="-122"/>
-                <a:ea typeface="微软雅黑" panose="020B0503020204020204" pitchFamily="34" charset="-122"/>
-              </a:rPr>
-              <a:t>9:00</a:t>
-            </a:r>
-            <a:r>
-              <a:rPr lang="zh-CN" altLang="en-US" dirty="0" smtClean="0">
-                <a:latin typeface="微软雅黑" panose="020B0503020204020204" pitchFamily="34" charset="-122"/>
-                <a:ea typeface="微软雅黑" panose="020B0503020204020204" pitchFamily="34" charset="-122"/>
-              </a:rPr>
-              <a:t>和</a:t>
-            </a:r>
-            <a:r>
-              <a:rPr lang="en-US" altLang="zh-CN" dirty="0" smtClean="0">
-                <a:latin typeface="微软雅黑" panose="020B0503020204020204" pitchFamily="34" charset="-122"/>
-                <a:ea typeface="微软雅黑" panose="020B0503020204020204" pitchFamily="34" charset="-122"/>
-              </a:rPr>
-              <a:t>21:00</a:t>
-            </a:r>
-            <a:r>
-              <a:rPr lang="zh-CN" altLang="en-US" dirty="0">
-                <a:latin typeface="微软雅黑" panose="020B0503020204020204" pitchFamily="34" charset="-122"/>
-                <a:ea typeface="微软雅黑" panose="020B0503020204020204" pitchFamily="34" charset="-122"/>
-              </a:rPr>
-              <a:t>两</a:t>
-            </a:r>
-            <a:r>
-              <a:rPr lang="zh-CN" altLang="en-US" dirty="0" smtClean="0">
-                <a:latin typeface="微软雅黑" panose="020B0503020204020204" pitchFamily="34" charset="-122"/>
-                <a:ea typeface="微软雅黑" panose="020B0503020204020204" pitchFamily="34" charset="-122"/>
-              </a:rPr>
-              <a:t>个时间点更新收益率曲线</a:t>
-            </a:r>
-            <a:endParaRPr lang="en-US" altLang="zh-CN" dirty="0" smtClean="0">
-              <a:latin typeface="微软雅黑" panose="020B0503020204020204" pitchFamily="34" charset="-122"/>
-              <a:ea typeface="微软雅黑" panose="020B0503020204020204" pitchFamily="34" charset="-122"/>
-            </a:endParaRPr>
-          </a:p>
-          <a:p>
-            <a:pPr marL="285750" indent="-285750" algn="just">
-              <a:lnSpc>
-                <a:spcPct val="150000"/>
-              </a:lnSpc>
-              <a:buFont typeface="Wingdings" panose="05000000000000000000" pitchFamily="2" charset="2"/>
-              <a:buChar char="Ø"/>
-            </a:pPr>
-            <a:r>
-              <a:rPr lang="zh-CN" altLang="en-US" dirty="0">
-                <a:latin typeface="微软雅黑" panose="020B0503020204020204" pitchFamily="34" charset="-122"/>
-                <a:ea typeface="微软雅黑" panose="020B0503020204020204" pitchFamily="34" charset="-122"/>
-              </a:rPr>
-              <a:t>银行</a:t>
-            </a:r>
-            <a:r>
-              <a:rPr lang="zh-CN" altLang="en-US" dirty="0" smtClean="0">
-                <a:latin typeface="微软雅黑" panose="020B0503020204020204" pitchFamily="34" charset="-122"/>
-                <a:ea typeface="微软雅黑" panose="020B0503020204020204" pitchFamily="34" charset="-122"/>
-              </a:rPr>
-              <a:t>间现券报价由于现阶段数据来源的限制，我们是在收盘以后更新。</a:t>
-            </a:r>
-            <a:endParaRPr lang="zh-CN" altLang="en-US" dirty="0">
-              <a:latin typeface="微软雅黑" panose="020B0503020204020204" pitchFamily="34" charset="-122"/>
-              <a:ea typeface="微软雅黑" panose="020B0503020204020204" pitchFamily="34" charset="-122"/>
-            </a:endParaRPr>
-          </a:p>
-        </p:txBody>
-      </p:sp>
-      <p:sp>
-        <p:nvSpPr>
-          <p:cNvPr id="6" name="文本框 5"/>
-          <p:cNvSpPr txBox="1"/>
-          <p:nvPr/>
-        </p:nvSpPr>
-        <p:spPr>
-          <a:xfrm>
-            <a:off x="4613199" y="4376652"/>
-            <a:ext cx="3119717" cy="261610"/>
-          </a:xfrm>
-          <a:prstGeom prst="rect">
-            <a:avLst/>
-          </a:prstGeom>
-          <a:noFill/>
-        </p:spPr>
-        <p:txBody>
-          <a:bodyPr wrap="square" rtlCol="0">
-            <a:spAutoFit/>
-          </a:bodyPr>
-          <a:lstStyle/>
-          <a:p>
-            <a:r>
-              <a:rPr lang="zh-CN" altLang="en-US" sz="1100" dirty="0" smtClean="0">
-                <a:latin typeface="华文楷体" panose="02010600040101010101" pitchFamily="2" charset="-122"/>
-                <a:ea typeface="华文楷体" panose="02010600040101010101" pitchFamily="2" charset="-122"/>
-              </a:rPr>
-              <a:t>数据来源：货币经纪商</a:t>
-            </a:r>
-            <a:endParaRPr lang="zh-CN" altLang="en-US" sz="1100" dirty="0">
-              <a:latin typeface="华文楷体" panose="02010600040101010101" pitchFamily="2" charset="-122"/>
-              <a:ea typeface="华文楷体" panose="02010600040101010101" pitchFamily="2" charset="-122"/>
-            </a:endParaRPr>
-          </a:p>
-        </p:txBody>
-      </p:sp>
-    </p:spTree>
-    <p:extLst>
-      <p:ext uri="{BB962C8B-B14F-4D97-AF65-F5344CB8AC3E}">
-        <p14:creationId xmlns:p14="http://schemas.microsoft.com/office/powerpoint/2010/main" val="3397143245"/>
-      </p:ext>
-    </p:extLst>
-  </p:cSld>
-  <p:clrMapOvr>
-    <a:masterClrMapping/>
-  </p:clrMapOvr>
-  <p:timing>
-    <p:tnLst>
-      <p:par>
-        <p:cTn id="1" dur="indefinite" restart="never" nodeType="tmRoot"/>
-      </p:par>
-    </p:tnLst>
-  </p:timing>
-</p:sld>
-</file>
-
-<file path=ppt/slides/slide9.xml><?xml version="1.0" encoding="utf-8"?>
-<p:sld xmlns:a="http://schemas.openxmlformats.org/drawingml/2006/main" xmlns:r="http://schemas.openxmlformats.org/officeDocument/2006/relationships" xmlns:p="http://schemas.openxmlformats.org/presentationml/2006/main">
-  <p:cSld>
-    <p:spTree>
-      <p:nvGrpSpPr>
-        <p:cNvPr id="1" name=""/>
-        <p:cNvGrpSpPr/>
-        <p:nvPr/>
-      </p:nvGrpSpPr>
-      <p:grpSpPr>
-        <a:xfrm>
-          <a:off x="0" y="0"/>
-          <a:ext cx="0" cy="0"/>
-          <a:chOff x="0" y="0"/>
-          <a:chExt cx="0" cy="0"/>
-        </a:xfrm>
-      </p:grpSpPr>
-      <p:sp>
-        <p:nvSpPr>
-          <p:cNvPr id="2" name="标题 1"/>
-          <p:cNvSpPr>
-            <a:spLocks noGrp="1"/>
-          </p:cNvSpPr>
-          <p:nvPr>
-            <p:ph type="title"/>
-          </p:nvPr>
-        </p:nvSpPr>
-        <p:spPr/>
-        <p:txBody>
-          <a:bodyPr/>
-          <a:lstStyle/>
-          <a:p>
-            <a:r>
-              <a:rPr lang="zh-CN" altLang="en-US" dirty="0" smtClean="0"/>
-              <a:t>建立曲线：样本券</a:t>
-            </a:r>
-            <a:endParaRPr lang="zh-CN" altLang="en-US" dirty="0"/>
-          </a:p>
-        </p:txBody>
-      </p:sp>
-      <p:sp>
-        <p:nvSpPr>
-          <p:cNvPr id="3" name="文本框 2"/>
-          <p:cNvSpPr txBox="1"/>
-          <p:nvPr/>
-        </p:nvSpPr>
-        <p:spPr>
-          <a:xfrm>
-            <a:off x="467591" y="852054"/>
-            <a:ext cx="6754091" cy="3970318"/>
-          </a:xfrm>
-          <a:prstGeom prst="rect">
-            <a:avLst/>
-          </a:prstGeom>
-          <a:noFill/>
-        </p:spPr>
-        <p:txBody>
-          <a:bodyPr wrap="square" rtlCol="0">
-            <a:spAutoFit/>
-          </a:bodyPr>
-          <a:lstStyle/>
-          <a:p>
-            <a:pPr marL="285750" indent="-285750">
-              <a:lnSpc>
-                <a:spcPct val="200000"/>
-              </a:lnSpc>
-              <a:buFont typeface="Wingdings" panose="05000000000000000000" pitchFamily="2" charset="2"/>
-              <a:buChar char="Ø"/>
-            </a:pPr>
-            <a:r>
-              <a:rPr lang="zh-CN" altLang="en-US" dirty="0" smtClean="0">
-                <a:latin typeface="微软雅黑" panose="020B0503020204020204" pitchFamily="34" charset="-122"/>
-                <a:ea typeface="微软雅黑" panose="020B0503020204020204" pitchFamily="34" charset="-122"/>
-              </a:rPr>
-              <a:t>使用</a:t>
-            </a:r>
-            <a:r>
-              <a:rPr lang="en-US" altLang="zh-CN" dirty="0" smtClean="0">
-                <a:latin typeface="微软雅黑" panose="020B0503020204020204" pitchFamily="34" charset="-122"/>
-                <a:ea typeface="微软雅黑" panose="020B0503020204020204" pitchFamily="34" charset="-122"/>
-              </a:rPr>
-              <a:t>Off OTR</a:t>
-            </a:r>
-            <a:r>
-              <a:rPr lang="zh-CN" altLang="en-US" dirty="0" smtClean="0">
-                <a:latin typeface="微软雅黑" panose="020B0503020204020204" pitchFamily="34" charset="-122"/>
-                <a:ea typeface="微软雅黑" panose="020B0503020204020204" pitchFamily="34" charset="-122"/>
-              </a:rPr>
-              <a:t>债券作为样本券；</a:t>
-            </a:r>
-            <a:endParaRPr lang="en-US" altLang="zh-CN" dirty="0" smtClean="0">
-              <a:latin typeface="微软雅黑" panose="020B0503020204020204" pitchFamily="34" charset="-122"/>
-              <a:ea typeface="微软雅黑" panose="020B0503020204020204" pitchFamily="34" charset="-122"/>
-            </a:endParaRPr>
-          </a:p>
-          <a:p>
-            <a:pPr marL="285750" indent="-285750">
-              <a:lnSpc>
-                <a:spcPct val="200000"/>
-              </a:lnSpc>
-              <a:buFont typeface="Wingdings" panose="05000000000000000000" pitchFamily="2" charset="2"/>
-              <a:buChar char="Ø"/>
-            </a:pPr>
-            <a:r>
-              <a:rPr lang="zh-CN" altLang="en-US" dirty="0" smtClean="0">
-                <a:latin typeface="微软雅黑" panose="020B0503020204020204" pitchFamily="34" charset="-122"/>
-                <a:ea typeface="微软雅黑" panose="020B0503020204020204" pitchFamily="34" charset="-122"/>
-              </a:rPr>
-              <a:t>为了建立相对更长的曲线，我们加入了不十分活跃的</a:t>
-            </a:r>
-            <a:r>
-              <a:rPr lang="en-US" altLang="zh-CN" dirty="0" smtClean="0">
-                <a:latin typeface="微软雅黑" panose="020B0503020204020204" pitchFamily="34" charset="-122"/>
-                <a:ea typeface="微软雅黑" panose="020B0503020204020204" pitchFamily="34" charset="-122"/>
-              </a:rPr>
-              <a:t>Off OTR 30Y</a:t>
-            </a:r>
-            <a:r>
-              <a:rPr lang="zh-CN" altLang="en-US" dirty="0" smtClean="0">
-                <a:latin typeface="微软雅黑" panose="020B0503020204020204" pitchFamily="34" charset="-122"/>
-                <a:ea typeface="微软雅黑" panose="020B0503020204020204" pitchFamily="34" charset="-122"/>
-              </a:rPr>
-              <a:t>债券；</a:t>
-            </a:r>
-            <a:endParaRPr lang="en-US" altLang="zh-CN" dirty="0" smtClean="0">
-              <a:latin typeface="微软雅黑" panose="020B0503020204020204" pitchFamily="34" charset="-122"/>
-              <a:ea typeface="微软雅黑" panose="020B0503020204020204" pitchFamily="34" charset="-122"/>
-            </a:endParaRPr>
-          </a:p>
-          <a:p>
-            <a:pPr marL="285750" indent="-285750">
-              <a:lnSpc>
-                <a:spcPct val="200000"/>
-              </a:lnSpc>
-              <a:buFont typeface="Wingdings" panose="05000000000000000000" pitchFamily="2" charset="2"/>
-              <a:buChar char="Ø"/>
-            </a:pPr>
-            <a:r>
-              <a:rPr lang="zh-CN" altLang="en-US" dirty="0" smtClean="0">
-                <a:latin typeface="微软雅黑" panose="020B0503020204020204" pitchFamily="34" charset="-122"/>
-                <a:ea typeface="微软雅黑" panose="020B0503020204020204" pitchFamily="34" charset="-122"/>
-              </a:rPr>
-              <a:t>估值分别使用货币经纪商的报价以及来自于同花顺的银行现券报价。</a:t>
-            </a:r>
-            <a:endParaRPr lang="en-US" altLang="zh-CN" dirty="0" smtClean="0">
-              <a:latin typeface="微软雅黑" panose="020B0503020204020204" pitchFamily="34" charset="-122"/>
-              <a:ea typeface="微软雅黑" panose="020B0503020204020204" pitchFamily="34" charset="-122"/>
-            </a:endParaRPr>
-          </a:p>
-          <a:p>
-            <a:pPr marL="285750" indent="-285750">
-              <a:lnSpc>
-                <a:spcPct val="200000"/>
-              </a:lnSpc>
-              <a:buFont typeface="Wingdings" panose="05000000000000000000" pitchFamily="2" charset="2"/>
-              <a:buChar char="Ø"/>
-            </a:pPr>
-            <a:r>
-              <a:rPr lang="zh-CN" altLang="en-US" dirty="0" smtClean="0">
-                <a:latin typeface="微软雅黑" panose="020B0503020204020204" pitchFamily="34" charset="-122"/>
-                <a:ea typeface="微软雅黑" panose="020B0503020204020204" pitchFamily="34" charset="-122"/>
-              </a:rPr>
-              <a:t>货币经纪商使用</a:t>
-            </a:r>
-            <a:r>
-              <a:rPr lang="en-US" altLang="zh-CN" dirty="0" smtClean="0">
-                <a:latin typeface="微软雅黑" panose="020B0503020204020204" pitchFamily="34" charset="-122"/>
-                <a:ea typeface="微软雅黑" panose="020B0503020204020204" pitchFamily="34" charset="-122"/>
-              </a:rPr>
-              <a:t>indicative</a:t>
-            </a:r>
-            <a:r>
-              <a:rPr lang="zh-CN" altLang="en-US" dirty="0" smtClean="0">
-                <a:latin typeface="微软雅黑" panose="020B0503020204020204" pitchFamily="34" charset="-122"/>
-                <a:ea typeface="微软雅黑" panose="020B0503020204020204" pitchFamily="34" charset="-122"/>
-              </a:rPr>
-              <a:t>价格；银行间现券使用报买卖中间价。</a:t>
-            </a:r>
-            <a:endParaRPr lang="zh-CN" altLang="en-US" dirty="0">
-              <a:latin typeface="微软雅黑" panose="020B0503020204020204" pitchFamily="34" charset="-122"/>
-              <a:ea typeface="微软雅黑" panose="020B0503020204020204" pitchFamily="34" charset="-122"/>
-            </a:endParaRPr>
-          </a:p>
-        </p:txBody>
-      </p:sp>
-    </p:spTree>
-    <p:extLst>
-      <p:ext uri="{BB962C8B-B14F-4D97-AF65-F5344CB8AC3E}">
-        <p14:creationId xmlns:p14="http://schemas.microsoft.com/office/powerpoint/2010/main" val="3676363451"/>
       </p:ext>
     </p:extLst>
   </p:cSld>
